--- a/regressao/apresentacao.pptx
+++ b/regressao/apresentacao.pptx
@@ -6,12 +6,15 @@
   </p:sldMasterIdLst>
   <p:sldIdLst>
     <p:sldId id="256" r:id="rId2"/>
-    <p:sldId id="258" r:id="rId3"/>
-    <p:sldId id="257" r:id="rId4"/>
-    <p:sldId id="260" r:id="rId5"/>
-    <p:sldId id="259" r:id="rId6"/>
-    <p:sldId id="261" r:id="rId7"/>
-    <p:sldId id="262" r:id="rId8"/>
+    <p:sldId id="265" r:id="rId3"/>
+    <p:sldId id="258" r:id="rId4"/>
+    <p:sldId id="257" r:id="rId5"/>
+    <p:sldId id="260" r:id="rId6"/>
+    <p:sldId id="259" r:id="rId7"/>
+    <p:sldId id="261" r:id="rId8"/>
+    <p:sldId id="264" r:id="rId9"/>
+    <p:sldId id="263" r:id="rId10"/>
+    <p:sldId id="262" r:id="rId11"/>
   </p:sldIdLst>
   <p:sldSz cx="12192000" cy="6858000"/>
   <p:notesSz cx="6858000" cy="9144000"/>
@@ -110,6 +113,11 @@
       </a:defRPr>
     </a:lvl9pPr>
   </p:defaultTextStyle>
+  <p:extLst>
+    <p:ext uri="{EFAFB233-063F-42B5-8137-9DF3F51BA10A}">
+      <p15:sldGuideLst xmlns:p15="http://schemas.microsoft.com/office/powerpoint/2012/main"/>
+    </p:ext>
+  </p:extLst>
 </p:presentation>
 </file>
 
@@ -244,7 +252,7 @@
           <a:p>
             <a:fld id="{483151B9-E384-44C8-A2FA-5C914BD11DE6}" type="datetimeFigureOut">
               <a:rPr lang="pt-BR" smtClean="0"/>
-              <a:t>28/04/2018</a:t>
+              <a:t>29/04/2018</a:t>
             </a:fld>
             <a:endParaRPr lang="pt-BR"/>
           </a:p>
@@ -414,7 +422,7 @@
           <a:p>
             <a:fld id="{483151B9-E384-44C8-A2FA-5C914BD11DE6}" type="datetimeFigureOut">
               <a:rPr lang="pt-BR" smtClean="0"/>
-              <a:t>28/04/2018</a:t>
+              <a:t>29/04/2018</a:t>
             </a:fld>
             <a:endParaRPr lang="pt-BR"/>
           </a:p>
@@ -594,7 +602,7 @@
           <a:p>
             <a:fld id="{483151B9-E384-44C8-A2FA-5C914BD11DE6}" type="datetimeFigureOut">
               <a:rPr lang="pt-BR" smtClean="0"/>
-              <a:t>28/04/2018</a:t>
+              <a:t>29/04/2018</a:t>
             </a:fld>
             <a:endParaRPr lang="pt-BR"/>
           </a:p>
@@ -764,7 +772,7 @@
           <a:p>
             <a:fld id="{483151B9-E384-44C8-A2FA-5C914BD11DE6}" type="datetimeFigureOut">
               <a:rPr lang="pt-BR" smtClean="0"/>
-              <a:t>28/04/2018</a:t>
+              <a:t>29/04/2018</a:t>
             </a:fld>
             <a:endParaRPr lang="pt-BR"/>
           </a:p>
@@ -1010,7 +1018,7 @@
           <a:p>
             <a:fld id="{483151B9-E384-44C8-A2FA-5C914BD11DE6}" type="datetimeFigureOut">
               <a:rPr lang="pt-BR" smtClean="0"/>
-              <a:t>28/04/2018</a:t>
+              <a:t>29/04/2018</a:t>
             </a:fld>
             <a:endParaRPr lang="pt-BR"/>
           </a:p>
@@ -1242,7 +1250,7 @@
           <a:p>
             <a:fld id="{483151B9-E384-44C8-A2FA-5C914BD11DE6}" type="datetimeFigureOut">
               <a:rPr lang="pt-BR" smtClean="0"/>
-              <a:t>28/04/2018</a:t>
+              <a:t>29/04/2018</a:t>
             </a:fld>
             <a:endParaRPr lang="pt-BR"/>
           </a:p>
@@ -1609,7 +1617,7 @@
           <a:p>
             <a:fld id="{483151B9-E384-44C8-A2FA-5C914BD11DE6}" type="datetimeFigureOut">
               <a:rPr lang="pt-BR" smtClean="0"/>
-              <a:t>28/04/2018</a:t>
+              <a:t>29/04/2018</a:t>
             </a:fld>
             <a:endParaRPr lang="pt-BR"/>
           </a:p>
@@ -1727,7 +1735,7 @@
           <a:p>
             <a:fld id="{483151B9-E384-44C8-A2FA-5C914BD11DE6}" type="datetimeFigureOut">
               <a:rPr lang="pt-BR" smtClean="0"/>
-              <a:t>28/04/2018</a:t>
+              <a:t>29/04/2018</a:t>
             </a:fld>
             <a:endParaRPr lang="pt-BR"/>
           </a:p>
@@ -1822,7 +1830,7 @@
           <a:p>
             <a:fld id="{483151B9-E384-44C8-A2FA-5C914BD11DE6}" type="datetimeFigureOut">
               <a:rPr lang="pt-BR" smtClean="0"/>
-              <a:t>28/04/2018</a:t>
+              <a:t>29/04/2018</a:t>
             </a:fld>
             <a:endParaRPr lang="pt-BR"/>
           </a:p>
@@ -2099,7 +2107,7 @@
           <a:p>
             <a:fld id="{483151B9-E384-44C8-A2FA-5C914BD11DE6}" type="datetimeFigureOut">
               <a:rPr lang="pt-BR" smtClean="0"/>
-              <a:t>28/04/2018</a:t>
+              <a:t>29/04/2018</a:t>
             </a:fld>
             <a:endParaRPr lang="pt-BR"/>
           </a:p>
@@ -2352,7 +2360,7 @@
           <a:p>
             <a:fld id="{483151B9-E384-44C8-A2FA-5C914BD11DE6}" type="datetimeFigureOut">
               <a:rPr lang="pt-BR" smtClean="0"/>
-              <a:t>28/04/2018</a:t>
+              <a:t>29/04/2018</a:t>
             </a:fld>
             <a:endParaRPr lang="pt-BR"/>
           </a:p>
@@ -2565,7 +2573,7 @@
           <a:p>
             <a:fld id="{483151B9-E384-44C8-A2FA-5C914BD11DE6}" type="datetimeFigureOut">
               <a:rPr lang="pt-BR" smtClean="0"/>
-              <a:t>28/04/2018</a:t>
+              <a:t>29/04/2018</a:t>
             </a:fld>
             <a:endParaRPr lang="pt-BR"/>
           </a:p>
@@ -3028,21 +3036,8 @@
           <a:p>
             <a:r>
               <a:rPr lang="pt-BR" sz="1600" dirty="0" smtClean="0"/>
-              <a:t>Flavio Gabriel da Silva </a:t>
-            </a:r>
-            <a:r>
-              <a:rPr lang="pt-BR" sz="1600" dirty="0" smtClean="0"/>
-              <a:t>–</a:t>
-            </a:r>
-            <a:r>
-              <a:rPr lang="pt-BR" sz="1600" dirty="0" smtClean="0"/>
-              <a:t> </a:t>
-            </a:r>
-            <a:r>
-              <a:rPr lang="pt-BR" sz="1600" dirty="0" smtClean="0"/>
-              <a:t>71658084 </a:t>
-            </a:r>
-            <a:endParaRPr lang="pt-BR" sz="1600" dirty="0" smtClean="0"/>
+              <a:t>Flavio Gabriel da Silva – 71658084 </a:t>
+            </a:r>
           </a:p>
         </p:txBody>
       </p:sp>
@@ -3056,6 +3051,192 @@
   <p:clrMapOvr>
     <a:masterClrMapping/>
   </p:clrMapOvr>
+  <p:timing>
+    <p:tnLst>
+      <p:par>
+        <p:cTn id="1" dur="indefinite" restart="never" nodeType="tmRoot"/>
+      </p:par>
+    </p:tnLst>
+  </p:timing>
+</p:sld>
+</file>
+
+<file path=ppt/slides/slide10.xml><?xml version="1.0" encoding="utf-8"?>
+<p:sld xmlns:a="http://schemas.openxmlformats.org/drawingml/2006/main" xmlns:r="http://schemas.openxmlformats.org/officeDocument/2006/relationships" xmlns:p="http://schemas.openxmlformats.org/presentationml/2006/main">
+  <p:cSld>
+    <p:spTree>
+      <p:nvGrpSpPr>
+        <p:cNvPr id="1" name=""/>
+        <p:cNvGrpSpPr/>
+        <p:nvPr/>
+      </p:nvGrpSpPr>
+      <p:grpSpPr>
+        <a:xfrm>
+          <a:off x="0" y="0"/>
+          <a:ext cx="0" cy="0"/>
+          <a:chOff x="0" y="0"/>
+          <a:chExt cx="0" cy="0"/>
+        </a:xfrm>
+      </p:grpSpPr>
+      <p:sp>
+        <p:nvSpPr>
+          <p:cNvPr id="2" name="Título 1"/>
+          <p:cNvSpPr>
+            <a:spLocks noGrp="1"/>
+          </p:cNvSpPr>
+          <p:nvPr>
+            <p:ph type="title"/>
+          </p:nvPr>
+        </p:nvSpPr>
+        <p:spPr/>
+        <p:txBody>
+          <a:bodyPr/>
+          <a:lstStyle/>
+          <a:p>
+            <a:r>
+              <a:rPr lang="pt-BR" dirty="0" smtClean="0"/>
+              <a:t>Modelo preditivo: regressão logística</a:t>
+            </a:r>
+            <a:endParaRPr lang="pt-BR" dirty="0"/>
+          </a:p>
+        </p:txBody>
+      </p:sp>
+      <p:sp>
+        <p:nvSpPr>
+          <p:cNvPr id="3" name="Espaço Reservado para Conteúdo 2"/>
+          <p:cNvSpPr>
+            <a:spLocks noGrp="1"/>
+          </p:cNvSpPr>
+          <p:nvPr>
+            <p:ph idx="1"/>
+          </p:nvPr>
+        </p:nvSpPr>
+        <p:spPr/>
+        <p:txBody>
+          <a:bodyPr/>
+          <a:lstStyle/>
+          <a:p>
+            <a:pPr marL="0" indent="0">
+              <a:buNone/>
+            </a:pPr>
+            <a:r>
+              <a:rPr lang="pt-BR" dirty="0" smtClean="0"/>
+              <a:t>Output:</a:t>
+            </a:r>
+          </a:p>
+          <a:p>
+            <a:pPr marL="0" indent="0">
+              <a:buNone/>
+            </a:pPr>
+            <a:endParaRPr lang="pt-BR" dirty="0"/>
+          </a:p>
+          <a:p>
+            <a:pPr marL="0" indent="0">
+              <a:buNone/>
+            </a:pPr>
+            <a:endParaRPr lang="pt-BR" dirty="0" smtClean="0"/>
+          </a:p>
+          <a:p>
+            <a:pPr marL="0" indent="0">
+              <a:buNone/>
+            </a:pPr>
+            <a:endParaRPr lang="pt-BR" dirty="0"/>
+          </a:p>
+          <a:p>
+            <a:pPr marL="0" indent="0">
+              <a:buNone/>
+            </a:pPr>
+            <a:endParaRPr lang="pt-BR" dirty="0" smtClean="0"/>
+          </a:p>
+          <a:p>
+            <a:pPr marL="0" indent="0">
+              <a:buNone/>
+            </a:pPr>
+            <a:r>
+              <a:rPr lang="pt-BR" dirty="0" smtClean="0"/>
+              <a:t>Curva ROC:</a:t>
+            </a:r>
+            <a:endParaRPr lang="pt-BR" dirty="0" smtClean="0"/>
+          </a:p>
+          <a:p>
+            <a:pPr marL="0" indent="0">
+              <a:buNone/>
+            </a:pPr>
+            <a:endParaRPr lang="pt-BR" dirty="0" smtClean="0"/>
+          </a:p>
+          <a:p>
+            <a:pPr marL="0" indent="0">
+              <a:buNone/>
+            </a:pPr>
+            <a:endParaRPr lang="pt-BR" dirty="0"/>
+          </a:p>
+        </p:txBody>
+      </p:sp>
+      <p:pic>
+        <p:nvPicPr>
+          <p:cNvPr id="5" name="Imagem 4"/>
+          <p:cNvPicPr>
+            <a:picLocks noChangeAspect="1"/>
+          </p:cNvPicPr>
+          <p:nvPr/>
+        </p:nvPicPr>
+        <p:blipFill>
+          <a:blip r:embed="rId2"/>
+          <a:stretch>
+            <a:fillRect/>
+          </a:stretch>
+        </p:blipFill>
+        <p:spPr>
+          <a:xfrm>
+            <a:off x="838200" y="2305844"/>
+            <a:ext cx="8591550" cy="1695450"/>
+          </a:xfrm>
+          <a:prstGeom prst="rect">
+            <a:avLst/>
+          </a:prstGeom>
+        </p:spPr>
+      </p:pic>
+      <p:pic>
+        <p:nvPicPr>
+          <p:cNvPr id="6" name="Imagem 5"/>
+          <p:cNvPicPr>
+            <a:picLocks noChangeAspect="1"/>
+          </p:cNvPicPr>
+          <p:nvPr/>
+        </p:nvPicPr>
+        <p:blipFill>
+          <a:blip r:embed="rId3"/>
+          <a:stretch>
+            <a:fillRect/>
+          </a:stretch>
+        </p:blipFill>
+        <p:spPr>
+          <a:xfrm>
+            <a:off x="3949130" y="4001294"/>
+            <a:ext cx="5480620" cy="2402559"/>
+          </a:xfrm>
+          <a:prstGeom prst="rect">
+            <a:avLst/>
+          </a:prstGeom>
+        </p:spPr>
+      </p:pic>
+    </p:spTree>
+    <p:extLst>
+      <p:ext uri="{BB962C8B-B14F-4D97-AF65-F5344CB8AC3E}">
+        <p14:creationId xmlns:p14="http://schemas.microsoft.com/office/powerpoint/2010/main" val="1993662160"/>
+      </p:ext>
+    </p:extLst>
+  </p:cSld>
+  <p:clrMapOvr>
+    <a:masterClrMapping/>
+  </p:clrMapOvr>
+  <p:timing>
+    <p:tnLst>
+      <p:par>
+        <p:cTn id="1" dur="indefinite" restart="never" nodeType="tmRoot"/>
+      </p:par>
+    </p:tnLst>
+  </p:timing>
 </p:sld>
 </file>
 
@@ -3093,6 +3274,92 @@
           <a:p>
             <a:r>
               <a:rPr lang="pt-BR" dirty="0" smtClean="0"/>
+              <a:t>Scripts disponíveis no GitHub</a:t>
+            </a:r>
+            <a:endParaRPr lang="pt-BR" dirty="0"/>
+          </a:p>
+        </p:txBody>
+      </p:sp>
+      <p:sp>
+        <p:nvSpPr>
+          <p:cNvPr id="3" name="Espaço Reservado para Conteúdo 2"/>
+          <p:cNvSpPr>
+            <a:spLocks noGrp="1"/>
+          </p:cNvSpPr>
+          <p:nvPr>
+            <p:ph idx="1"/>
+          </p:nvPr>
+        </p:nvSpPr>
+        <p:spPr/>
+        <p:txBody>
+          <a:bodyPr/>
+          <a:lstStyle/>
+          <a:p>
+            <a:pPr marL="0" indent="0">
+              <a:buNone/>
+            </a:pPr>
+            <a:r>
+              <a:rPr lang="pt-BR" dirty="0" smtClean="0"/>
+              <a:t>Todos os scripts completos para desenvolvimento deste trabalho estão disponibilizados no repositório livre:</a:t>
+            </a:r>
+            <a:endParaRPr lang="pt-BR" dirty="0"/>
+          </a:p>
+        </p:txBody>
+      </p:sp>
+    </p:spTree>
+    <p:extLst>
+      <p:ext uri="{BB962C8B-B14F-4D97-AF65-F5344CB8AC3E}">
+        <p14:creationId xmlns:p14="http://schemas.microsoft.com/office/powerpoint/2010/main" val="876939232"/>
+      </p:ext>
+    </p:extLst>
+  </p:cSld>
+  <p:clrMapOvr>
+    <a:masterClrMapping/>
+  </p:clrMapOvr>
+  <p:timing>
+    <p:tnLst>
+      <p:par>
+        <p:cTn id="1" dur="indefinite" restart="never" nodeType="tmRoot"/>
+      </p:par>
+    </p:tnLst>
+  </p:timing>
+</p:sld>
+</file>
+
+<file path=ppt/slides/slide3.xml><?xml version="1.0" encoding="utf-8"?>
+<p:sld xmlns:a="http://schemas.openxmlformats.org/drawingml/2006/main" xmlns:r="http://schemas.openxmlformats.org/officeDocument/2006/relationships" xmlns:p="http://schemas.openxmlformats.org/presentationml/2006/main">
+  <p:cSld>
+    <p:spTree>
+      <p:nvGrpSpPr>
+        <p:cNvPr id="1" name=""/>
+        <p:cNvGrpSpPr/>
+        <p:nvPr/>
+      </p:nvGrpSpPr>
+      <p:grpSpPr>
+        <a:xfrm>
+          <a:off x="0" y="0"/>
+          <a:ext cx="0" cy="0"/>
+          <a:chOff x="0" y="0"/>
+          <a:chExt cx="0" cy="0"/>
+        </a:xfrm>
+      </p:grpSpPr>
+      <p:sp>
+        <p:nvSpPr>
+          <p:cNvPr id="2" name="Título 1"/>
+          <p:cNvSpPr>
+            <a:spLocks noGrp="1"/>
+          </p:cNvSpPr>
+          <p:nvPr>
+            <p:ph type="title"/>
+          </p:nvPr>
+        </p:nvSpPr>
+        <p:spPr/>
+        <p:txBody>
+          <a:bodyPr/>
+          <a:lstStyle/>
+          <a:p>
+            <a:r>
+              <a:rPr lang="pt-BR" dirty="0" smtClean="0"/>
               <a:t>A </a:t>
             </a:r>
             <a:r>
@@ -3230,10 +3497,17 @@
   <p:clrMapOvr>
     <a:masterClrMapping/>
   </p:clrMapOvr>
+  <p:timing>
+    <p:tnLst>
+      <p:par>
+        <p:cTn id="1" dur="indefinite" restart="never" nodeType="tmRoot"/>
+      </p:par>
+    </p:tnLst>
+  </p:timing>
 </p:sld>
 </file>
 
-<file path=ppt/slides/slide3.xml><?xml version="1.0" encoding="utf-8"?>
+<file path=ppt/slides/slide4.xml><?xml version="1.0" encoding="utf-8"?>
 <p:sld xmlns:a="http://schemas.openxmlformats.org/drawingml/2006/main" xmlns:r="http://schemas.openxmlformats.org/officeDocument/2006/relationships" xmlns:p="http://schemas.openxmlformats.org/presentationml/2006/main">
   <p:cSld>
     <p:spTree>
@@ -3354,101 +3628,13 @@
   <p:clrMapOvr>
     <a:masterClrMapping/>
   </p:clrMapOvr>
-</p:sld>
-</file>
-
-<file path=ppt/slides/slide4.xml><?xml version="1.0" encoding="utf-8"?>
-<p:sld xmlns:a="http://schemas.openxmlformats.org/drawingml/2006/main" xmlns:r="http://schemas.openxmlformats.org/officeDocument/2006/relationships" xmlns:p="http://schemas.openxmlformats.org/presentationml/2006/main">
-  <p:cSld>
-    <p:spTree>
-      <p:nvGrpSpPr>
-        <p:cNvPr id="1" name=""/>
-        <p:cNvGrpSpPr/>
-        <p:nvPr/>
-      </p:nvGrpSpPr>
-      <p:grpSpPr>
-        <a:xfrm>
-          <a:off x="0" y="0"/>
-          <a:ext cx="0" cy="0"/>
-          <a:chOff x="0" y="0"/>
-          <a:chExt cx="0" cy="0"/>
-        </a:xfrm>
-      </p:grpSpPr>
-      <p:sp>
-        <p:nvSpPr>
-          <p:cNvPr id="2" name="Título 1"/>
-          <p:cNvSpPr>
-            <a:spLocks noGrp="1"/>
-          </p:cNvSpPr>
-          <p:nvPr>
-            <p:ph type="title"/>
-          </p:nvPr>
-        </p:nvSpPr>
-        <p:spPr/>
-        <p:txBody>
-          <a:bodyPr/>
-          <a:lstStyle/>
-          <a:p>
-            <a:r>
-              <a:rPr lang="pt-BR" dirty="0" smtClean="0"/>
-              <a:t>Objetivo</a:t>
-            </a:r>
-            <a:endParaRPr lang="pt-BR" dirty="0"/>
-          </a:p>
-        </p:txBody>
-      </p:sp>
-      <p:sp>
-        <p:nvSpPr>
-          <p:cNvPr id="3" name="Espaço Reservado para Conteúdo 2"/>
-          <p:cNvSpPr>
-            <a:spLocks noGrp="1"/>
-          </p:cNvSpPr>
-          <p:nvPr>
-            <p:ph idx="1"/>
-          </p:nvPr>
-        </p:nvSpPr>
-        <p:spPr/>
-        <p:txBody>
-          <a:bodyPr/>
-          <a:lstStyle/>
-          <a:p>
-            <a:pPr marL="0" indent="0">
-              <a:buNone/>
-            </a:pPr>
-            <a:r>
-              <a:rPr lang="pt-BR" dirty="0" smtClean="0"/>
-              <a:t>Utilizar os modelos preditivos de regressão logística e </a:t>
-            </a:r>
-            <a:r>
-              <a:rPr lang="pt-BR" dirty="0" err="1" smtClean="0"/>
-              <a:t>random</a:t>
-            </a:r>
-            <a:r>
-              <a:rPr lang="pt-BR" dirty="0" smtClean="0"/>
-              <a:t> </a:t>
-            </a:r>
-            <a:r>
-              <a:rPr lang="pt-BR" dirty="0" err="1" smtClean="0"/>
-              <a:t>forest</a:t>
-            </a:r>
-            <a:r>
-              <a:rPr lang="pt-BR" dirty="0" smtClean="0"/>
-              <a:t> para predizer a saída de novos registros e assim poder identificar padrões e novas fraudes.</a:t>
-            </a:r>
-            <a:endParaRPr lang="pt-BR" dirty="0"/>
-          </a:p>
-        </p:txBody>
-      </p:sp>
-    </p:spTree>
-    <p:extLst>
-      <p:ext uri="{BB962C8B-B14F-4D97-AF65-F5344CB8AC3E}">
-        <p14:creationId xmlns:p14="http://schemas.microsoft.com/office/powerpoint/2010/main" val="4189734270"/>
-      </p:ext>
-    </p:extLst>
-  </p:cSld>
-  <p:clrMapOvr>
-    <a:masterClrMapping/>
-  </p:clrMapOvr>
+  <p:timing>
+    <p:tnLst>
+      <p:par>
+        <p:cTn id="1" dur="indefinite" restart="never" nodeType="tmRoot"/>
+      </p:par>
+    </p:tnLst>
+  </p:timing>
 </p:sld>
 </file>
 
@@ -3486,7 +3672,7 @@
           <a:p>
             <a:r>
               <a:rPr lang="pt-BR" dirty="0" smtClean="0"/>
-              <a:t>Modelo preditivo: regressão logística</a:t>
+              <a:t>Objetivo</a:t>
             </a:r>
             <a:endParaRPr lang="pt-BR" dirty="0"/>
           </a:p>
@@ -3512,63 +3698,23 @@
             </a:pPr>
             <a:r>
               <a:rPr lang="pt-BR" dirty="0" smtClean="0"/>
-              <a:t>Para aplicar a função de regressão logística é necessário converter a variável “</a:t>
+              <a:t>Utilizar os modelos preditivos de regressão logística e </a:t>
             </a:r>
             <a:r>
               <a:rPr lang="pt-BR" dirty="0" err="1" smtClean="0"/>
-              <a:t>fradulent</a:t>
+              <a:t>random</a:t>
             </a:r>
             <a:r>
               <a:rPr lang="pt-BR" dirty="0" smtClean="0"/>
-              <a:t>” para binária. E além dela também a “</a:t>
+              <a:t> </a:t>
             </a:r>
             <a:r>
               <a:rPr lang="pt-BR" dirty="0" err="1" smtClean="0"/>
-              <a:t>charge_time</a:t>
+              <a:t>forest</a:t>
             </a:r>
             <a:r>
               <a:rPr lang="pt-BR" dirty="0" smtClean="0"/>
-              <a:t>” para numérica.</a:t>
-            </a:r>
-          </a:p>
-          <a:p>
-            <a:pPr marL="0" indent="0">
-              <a:buNone/>
-            </a:pPr>
-            <a:endParaRPr lang="pt-BR" dirty="0"/>
-          </a:p>
-          <a:p>
-            <a:pPr marL="0" indent="0">
-              <a:buNone/>
-            </a:pPr>
-            <a:r>
-              <a:rPr lang="pt-BR" dirty="0" smtClean="0"/>
-              <a:t>Para esta prática foram utilizadas duas abordagens:</a:t>
-            </a:r>
-          </a:p>
-          <a:p>
-            <a:pPr marL="0" indent="0">
-              <a:buNone/>
-            </a:pPr>
-            <a:r>
-              <a:rPr lang="pt-BR" dirty="0" smtClean="0"/>
-              <a:t>Uso da biblioteca “</a:t>
-            </a:r>
-            <a:r>
-              <a:rPr lang="pt-BR" dirty="0" err="1" smtClean="0"/>
-              <a:t>sqldf</a:t>
-            </a:r>
-            <a:r>
-              <a:rPr lang="pt-BR" dirty="0" smtClean="0"/>
-              <a:t>” e conversão direta com “</a:t>
-            </a:r>
-            <a:r>
-              <a:rPr lang="pt-BR" dirty="0" err="1" smtClean="0"/>
-              <a:t>as.numeric</a:t>
-            </a:r>
-            <a:r>
-              <a:rPr lang="pt-BR" dirty="0" smtClean="0"/>
-              <a:t>”.</a:t>
+              <a:t> para predizer a saída de novos registros e assim poder identificar padrões e novas fraudes.</a:t>
             </a:r>
             <a:endParaRPr lang="pt-BR" dirty="0"/>
           </a:p>
@@ -3577,13 +3723,20 @@
     </p:spTree>
     <p:extLst>
       <p:ext uri="{BB962C8B-B14F-4D97-AF65-F5344CB8AC3E}">
-        <p14:creationId xmlns:p14="http://schemas.microsoft.com/office/powerpoint/2010/main" val="3402073818"/>
+        <p14:creationId xmlns:p14="http://schemas.microsoft.com/office/powerpoint/2010/main" val="4189734270"/>
       </p:ext>
     </p:extLst>
   </p:cSld>
   <p:clrMapOvr>
     <a:masterClrMapping/>
   </p:clrMapOvr>
+  <p:timing>
+    <p:tnLst>
+      <p:par>
+        <p:cTn id="1" dur="indefinite" restart="never" nodeType="tmRoot"/>
+      </p:par>
+    </p:tnLst>
+  </p:timing>
 </p:sld>
 </file>
 
@@ -3637,6 +3790,148 @@
             <p:ph idx="1"/>
           </p:nvPr>
         </p:nvSpPr>
+        <p:spPr/>
+        <p:txBody>
+          <a:bodyPr/>
+          <a:lstStyle/>
+          <a:p>
+            <a:pPr marL="0" indent="0">
+              <a:buNone/>
+            </a:pPr>
+            <a:r>
+              <a:rPr lang="pt-BR" dirty="0" smtClean="0"/>
+              <a:t>Para aplicar a função de regressão logística é necessário converter a variável “</a:t>
+            </a:r>
+            <a:r>
+              <a:rPr lang="pt-BR" dirty="0" err="1" smtClean="0"/>
+              <a:t>fradulent</a:t>
+            </a:r>
+            <a:r>
+              <a:rPr lang="pt-BR" dirty="0" smtClean="0"/>
+              <a:t>” para binária. E além dela também a “</a:t>
+            </a:r>
+            <a:r>
+              <a:rPr lang="pt-BR" dirty="0" err="1" smtClean="0"/>
+              <a:t>charge_time</a:t>
+            </a:r>
+            <a:r>
+              <a:rPr lang="pt-BR" dirty="0" smtClean="0"/>
+              <a:t>” para numérica.</a:t>
+            </a:r>
+          </a:p>
+          <a:p>
+            <a:pPr marL="0" indent="0">
+              <a:buNone/>
+            </a:pPr>
+            <a:endParaRPr lang="pt-BR" dirty="0"/>
+          </a:p>
+          <a:p>
+            <a:pPr marL="0" indent="0">
+              <a:buNone/>
+            </a:pPr>
+            <a:r>
+              <a:rPr lang="pt-BR" dirty="0" smtClean="0"/>
+              <a:t>Para esta prática foram utilizadas duas abordagens:</a:t>
+            </a:r>
+          </a:p>
+          <a:p>
+            <a:pPr marL="0" indent="0">
+              <a:buNone/>
+            </a:pPr>
+            <a:r>
+              <a:rPr lang="pt-BR" dirty="0" smtClean="0"/>
+              <a:t>Uso da biblioteca “</a:t>
+            </a:r>
+            <a:r>
+              <a:rPr lang="pt-BR" dirty="0" err="1" smtClean="0"/>
+              <a:t>sqldf</a:t>
+            </a:r>
+            <a:r>
+              <a:rPr lang="pt-BR" dirty="0" smtClean="0"/>
+              <a:t>” e conversão direta com “</a:t>
+            </a:r>
+            <a:r>
+              <a:rPr lang="pt-BR" dirty="0" err="1" smtClean="0"/>
+              <a:t>as.numeric</a:t>
+            </a:r>
+            <a:r>
+              <a:rPr lang="pt-BR" dirty="0" smtClean="0"/>
+              <a:t>”.</a:t>
+            </a:r>
+            <a:endParaRPr lang="pt-BR" dirty="0"/>
+          </a:p>
+        </p:txBody>
+      </p:sp>
+    </p:spTree>
+    <p:extLst>
+      <p:ext uri="{BB962C8B-B14F-4D97-AF65-F5344CB8AC3E}">
+        <p14:creationId xmlns:p14="http://schemas.microsoft.com/office/powerpoint/2010/main" val="3402073818"/>
+      </p:ext>
+    </p:extLst>
+  </p:cSld>
+  <p:clrMapOvr>
+    <a:masterClrMapping/>
+  </p:clrMapOvr>
+  <p:timing>
+    <p:tnLst>
+      <p:par>
+        <p:cTn id="1" dur="indefinite" restart="never" nodeType="tmRoot"/>
+      </p:par>
+    </p:tnLst>
+  </p:timing>
+</p:sld>
+</file>
+
+<file path=ppt/slides/slide7.xml><?xml version="1.0" encoding="utf-8"?>
+<p:sld xmlns:a="http://schemas.openxmlformats.org/drawingml/2006/main" xmlns:r="http://schemas.openxmlformats.org/officeDocument/2006/relationships" xmlns:p="http://schemas.openxmlformats.org/presentationml/2006/main">
+  <p:cSld>
+    <p:spTree>
+      <p:nvGrpSpPr>
+        <p:cNvPr id="1" name=""/>
+        <p:cNvGrpSpPr/>
+        <p:nvPr/>
+      </p:nvGrpSpPr>
+      <p:grpSpPr>
+        <a:xfrm>
+          <a:off x="0" y="0"/>
+          <a:ext cx="0" cy="0"/>
+          <a:chOff x="0" y="0"/>
+          <a:chExt cx="0" cy="0"/>
+        </a:xfrm>
+      </p:grpSpPr>
+      <p:sp>
+        <p:nvSpPr>
+          <p:cNvPr id="2" name="Título 1"/>
+          <p:cNvSpPr>
+            <a:spLocks noGrp="1"/>
+          </p:cNvSpPr>
+          <p:nvPr>
+            <p:ph type="title"/>
+          </p:nvPr>
+        </p:nvSpPr>
+        <p:spPr/>
+        <p:txBody>
+          <a:bodyPr/>
+          <a:lstStyle/>
+          <a:p>
+            <a:r>
+              <a:rPr lang="pt-BR" dirty="0" smtClean="0"/>
+              <a:t>Modelo preditivo: regressão logística</a:t>
+            </a:r>
+            <a:endParaRPr lang="pt-BR" dirty="0"/>
+          </a:p>
+        </p:txBody>
+      </p:sp>
+      <p:sp>
+        <p:nvSpPr>
+          <p:cNvPr id="3" name="Espaço Reservado para Conteúdo 2"/>
+          <p:cNvSpPr>
+            <a:spLocks noGrp="1"/>
+          </p:cNvSpPr>
+          <p:nvPr>
+            <p:ph idx="1"/>
+          </p:nvPr>
+        </p:nvSpPr>
         <p:spPr>
           <a:xfrm>
             <a:off x="838200" y="1825624"/>
@@ -3677,10 +3972,7 @@
             <a:pPr marL="0" indent="0">
               <a:buNone/>
             </a:pPr>
-            <a:r>
-              <a:rPr lang="pt-BR" dirty="0" smtClean="0"/>
-              <a:t>Matriz de confusão:</a:t>
-            </a:r>
+            <a:endParaRPr lang="pt-BR" dirty="0" smtClean="0"/>
           </a:p>
           <a:p>
             <a:pPr marL="0" indent="0">
@@ -3704,6 +3996,225 @@
             <a:pPr marL="0" indent="0">
               <a:buNone/>
             </a:pPr>
+            <a:endParaRPr lang="pt-BR" dirty="0"/>
+          </a:p>
+        </p:txBody>
+      </p:sp>
+      <p:pic>
+        <p:nvPicPr>
+          <p:cNvPr id="4" name="Imagem 3"/>
+          <p:cNvPicPr>
+            <a:picLocks noChangeAspect="1"/>
+          </p:cNvPicPr>
+          <p:nvPr/>
+        </p:nvPicPr>
+        <p:blipFill>
+          <a:blip r:embed="rId2"/>
+          <a:stretch>
+            <a:fillRect/>
+          </a:stretch>
+        </p:blipFill>
+        <p:spPr>
+          <a:xfrm>
+            <a:off x="906607" y="2257414"/>
+            <a:ext cx="4476750" cy="1714500"/>
+          </a:xfrm>
+          <a:prstGeom prst="rect">
+            <a:avLst/>
+          </a:prstGeom>
+        </p:spPr>
+      </p:pic>
+    </p:spTree>
+    <p:extLst>
+      <p:ext uri="{BB962C8B-B14F-4D97-AF65-F5344CB8AC3E}">
+        <p14:creationId xmlns:p14="http://schemas.microsoft.com/office/powerpoint/2010/main" val="1216913165"/>
+      </p:ext>
+    </p:extLst>
+  </p:cSld>
+  <p:clrMapOvr>
+    <a:masterClrMapping/>
+  </p:clrMapOvr>
+  <p:timing>
+    <p:tnLst>
+      <p:par>
+        <p:cTn id="1" dur="indefinite" restart="never" nodeType="tmRoot"/>
+      </p:par>
+    </p:tnLst>
+  </p:timing>
+</p:sld>
+</file>
+
+<file path=ppt/slides/slide8.xml><?xml version="1.0" encoding="utf-8"?>
+<p:sld xmlns:a="http://schemas.openxmlformats.org/drawingml/2006/main" xmlns:r="http://schemas.openxmlformats.org/officeDocument/2006/relationships" xmlns:p="http://schemas.openxmlformats.org/presentationml/2006/main">
+  <p:cSld>
+    <p:spTree>
+      <p:nvGrpSpPr>
+        <p:cNvPr id="1" name=""/>
+        <p:cNvGrpSpPr/>
+        <p:nvPr/>
+      </p:nvGrpSpPr>
+      <p:grpSpPr>
+        <a:xfrm>
+          <a:off x="0" y="0"/>
+          <a:ext cx="0" cy="0"/>
+          <a:chOff x="0" y="0"/>
+          <a:chExt cx="0" cy="0"/>
+        </a:xfrm>
+      </p:grpSpPr>
+      <p:sp>
+        <p:nvSpPr>
+          <p:cNvPr id="2" name="Título 1"/>
+          <p:cNvSpPr>
+            <a:spLocks noGrp="1"/>
+          </p:cNvSpPr>
+          <p:nvPr>
+            <p:ph type="title"/>
+          </p:nvPr>
+        </p:nvSpPr>
+        <p:spPr/>
+        <p:txBody>
+          <a:bodyPr/>
+          <a:lstStyle/>
+          <a:p>
+            <a:r>
+              <a:rPr lang="pt-BR" dirty="0"/>
+              <a:t>Modelo preditivo: regressão logística</a:t>
+            </a:r>
+          </a:p>
+        </p:txBody>
+      </p:sp>
+      <p:sp>
+        <p:nvSpPr>
+          <p:cNvPr id="3" name="Espaço Reservado para Conteúdo 2"/>
+          <p:cNvSpPr>
+            <a:spLocks noGrp="1"/>
+          </p:cNvSpPr>
+          <p:nvPr>
+            <p:ph idx="1"/>
+          </p:nvPr>
+        </p:nvSpPr>
+        <p:spPr/>
+        <p:txBody>
+          <a:bodyPr/>
+          <a:lstStyle/>
+          <a:p>
+            <a:r>
+              <a:rPr lang="pt-BR" dirty="0" smtClean="0"/>
+              <a:t>Output:</a:t>
+            </a:r>
+          </a:p>
+          <a:p>
+            <a:endParaRPr lang="pt-BR" dirty="0"/>
+          </a:p>
+        </p:txBody>
+      </p:sp>
+      <p:pic>
+        <p:nvPicPr>
+          <p:cNvPr id="4" name="Imagem 3"/>
+          <p:cNvPicPr>
+            <a:picLocks noChangeAspect="1"/>
+          </p:cNvPicPr>
+          <p:nvPr/>
+        </p:nvPicPr>
+        <p:blipFill>
+          <a:blip r:embed="rId2"/>
+          <a:stretch>
+            <a:fillRect/>
+          </a:stretch>
+        </p:blipFill>
+        <p:spPr>
+          <a:xfrm>
+            <a:off x="903920" y="2329656"/>
+            <a:ext cx="7458075" cy="3343275"/>
+          </a:xfrm>
+          <a:prstGeom prst="rect">
+            <a:avLst/>
+          </a:prstGeom>
+          <a:effectLst>
+            <a:softEdge rad="0"/>
+          </a:effectLst>
+        </p:spPr>
+      </p:pic>
+    </p:spTree>
+    <p:extLst>
+      <p:ext uri="{BB962C8B-B14F-4D97-AF65-F5344CB8AC3E}">
+        <p14:creationId xmlns:p14="http://schemas.microsoft.com/office/powerpoint/2010/main" val="1530904632"/>
+      </p:ext>
+    </p:extLst>
+  </p:cSld>
+  <p:clrMapOvr>
+    <a:masterClrMapping/>
+  </p:clrMapOvr>
+  <p:timing>
+    <p:tnLst>
+      <p:par>
+        <p:cTn id="1" dur="indefinite" restart="never" nodeType="tmRoot"/>
+      </p:par>
+    </p:tnLst>
+  </p:timing>
+</p:sld>
+</file>
+
+<file path=ppt/slides/slide9.xml><?xml version="1.0" encoding="utf-8"?>
+<p:sld xmlns:a="http://schemas.openxmlformats.org/drawingml/2006/main" xmlns:r="http://schemas.openxmlformats.org/officeDocument/2006/relationships" xmlns:p="http://schemas.openxmlformats.org/presentationml/2006/main">
+  <p:cSld>
+    <p:spTree>
+      <p:nvGrpSpPr>
+        <p:cNvPr id="1" name=""/>
+        <p:cNvGrpSpPr/>
+        <p:nvPr/>
+      </p:nvGrpSpPr>
+      <p:grpSpPr>
+        <a:xfrm>
+          <a:off x="0" y="0"/>
+          <a:ext cx="0" cy="0"/>
+          <a:chOff x="0" y="0"/>
+          <a:chExt cx="0" cy="0"/>
+        </a:xfrm>
+      </p:grpSpPr>
+      <p:sp>
+        <p:nvSpPr>
+          <p:cNvPr id="2" name="Título 1"/>
+          <p:cNvSpPr>
+            <a:spLocks noGrp="1"/>
+          </p:cNvSpPr>
+          <p:nvPr>
+            <p:ph type="title"/>
+          </p:nvPr>
+        </p:nvSpPr>
+        <p:spPr/>
+        <p:txBody>
+          <a:bodyPr/>
+          <a:lstStyle/>
+          <a:p>
+            <a:r>
+              <a:rPr lang="pt-BR" dirty="0"/>
+              <a:t>Modelo preditivo: regressão logística</a:t>
+            </a:r>
+          </a:p>
+        </p:txBody>
+      </p:sp>
+      <p:sp>
+        <p:nvSpPr>
+          <p:cNvPr id="3" name="Espaço Reservado para Conteúdo 2"/>
+          <p:cNvSpPr>
+            <a:spLocks noGrp="1"/>
+          </p:cNvSpPr>
+          <p:nvPr>
+            <p:ph idx="1"/>
+          </p:nvPr>
+        </p:nvSpPr>
+        <p:spPr/>
+        <p:txBody>
+          <a:bodyPr/>
+          <a:lstStyle/>
+          <a:p>
+            <a:r>
+              <a:rPr lang="pt-BR" dirty="0" smtClean="0"/>
+              <a:t>Foi necessário converter algumas variáveis e então aplicar a regressão e a matriz de confusão:</a:t>
+            </a:r>
+          </a:p>
+          <a:p>
             <a:endParaRPr lang="pt-BR" dirty="0"/>
           </a:p>
         </p:txBody>
@@ -3724,8 +4235,8 @@
         </p:blipFill>
         <p:spPr>
           <a:xfrm>
-            <a:off x="899160" y="2281646"/>
-            <a:ext cx="6248400" cy="1371600"/>
+            <a:off x="1118148" y="2590453"/>
+            <a:ext cx="7096125" cy="1943100"/>
           </a:xfrm>
           <a:prstGeom prst="rect">
             <a:avLst/>
@@ -3748,8 +4259,8 @@
         </p:blipFill>
         <p:spPr>
           <a:xfrm>
-            <a:off x="899160" y="4473892"/>
-            <a:ext cx="1676400" cy="714375"/>
+            <a:off x="1118148" y="4533553"/>
+            <a:ext cx="6086475" cy="1457325"/>
           </a:xfrm>
           <a:prstGeom prst="rect">
             <a:avLst/>
@@ -3759,121 +4270,20 @@
     </p:spTree>
     <p:extLst>
       <p:ext uri="{BB962C8B-B14F-4D97-AF65-F5344CB8AC3E}">
-        <p14:creationId xmlns:p14="http://schemas.microsoft.com/office/powerpoint/2010/main" val="1216913165"/>
+        <p14:creationId xmlns:p14="http://schemas.microsoft.com/office/powerpoint/2010/main" val="3641908221"/>
       </p:ext>
     </p:extLst>
   </p:cSld>
   <p:clrMapOvr>
     <a:masterClrMapping/>
   </p:clrMapOvr>
-</p:sld>
-</file>
-
-<file path=ppt/slides/slide7.xml><?xml version="1.0" encoding="utf-8"?>
-<p:sld xmlns:a="http://schemas.openxmlformats.org/drawingml/2006/main" xmlns:r="http://schemas.openxmlformats.org/officeDocument/2006/relationships" xmlns:p="http://schemas.openxmlformats.org/presentationml/2006/main">
-  <p:cSld>
-    <p:spTree>
-      <p:nvGrpSpPr>
-        <p:cNvPr id="1" name=""/>
-        <p:cNvGrpSpPr/>
-        <p:nvPr/>
-      </p:nvGrpSpPr>
-      <p:grpSpPr>
-        <a:xfrm>
-          <a:off x="0" y="0"/>
-          <a:ext cx="0" cy="0"/>
-          <a:chOff x="0" y="0"/>
-          <a:chExt cx="0" cy="0"/>
-        </a:xfrm>
-      </p:grpSpPr>
-      <p:sp>
-        <p:nvSpPr>
-          <p:cNvPr id="2" name="Título 1"/>
-          <p:cNvSpPr>
-            <a:spLocks noGrp="1"/>
-          </p:cNvSpPr>
-          <p:nvPr>
-            <p:ph type="title"/>
-          </p:nvPr>
-        </p:nvSpPr>
-        <p:spPr/>
-        <p:txBody>
-          <a:bodyPr/>
-          <a:lstStyle/>
-          <a:p>
-            <a:r>
-              <a:rPr lang="pt-BR" dirty="0" smtClean="0"/>
-              <a:t>Modelo preditivo: regressão logística</a:t>
-            </a:r>
-            <a:endParaRPr lang="pt-BR" dirty="0"/>
-          </a:p>
-        </p:txBody>
-      </p:sp>
-      <p:sp>
-        <p:nvSpPr>
-          <p:cNvPr id="3" name="Espaço Reservado para Conteúdo 2"/>
-          <p:cNvSpPr>
-            <a:spLocks noGrp="1"/>
-          </p:cNvSpPr>
-          <p:nvPr>
-            <p:ph idx="1"/>
-          </p:nvPr>
-        </p:nvSpPr>
-        <p:spPr/>
-        <p:txBody>
-          <a:bodyPr/>
-          <a:lstStyle/>
-          <a:p>
-            <a:pPr marL="0" indent="0">
-              <a:buNone/>
-            </a:pPr>
-            <a:r>
-              <a:rPr lang="pt-BR" dirty="0" smtClean="0"/>
-              <a:t>Acurácia:</a:t>
-            </a:r>
-          </a:p>
-          <a:p>
-            <a:pPr marL="0" indent="0">
-              <a:buNone/>
-            </a:pPr>
-            <a:endParaRPr lang="pt-BR" dirty="0"/>
-          </a:p>
-        </p:txBody>
-      </p:sp>
-      <p:pic>
-        <p:nvPicPr>
-          <p:cNvPr id="4" name="Imagem 3"/>
-          <p:cNvPicPr>
-            <a:picLocks noChangeAspect="1"/>
-          </p:cNvPicPr>
-          <p:nvPr/>
-        </p:nvPicPr>
-        <p:blipFill>
-          <a:blip r:embed="rId2"/>
-          <a:stretch>
-            <a:fillRect/>
-          </a:stretch>
-        </p:blipFill>
-        <p:spPr>
-          <a:xfrm>
-            <a:off x="838200" y="2323556"/>
-            <a:ext cx="2209800" cy="190500"/>
-          </a:xfrm>
-          <a:prstGeom prst="rect">
-            <a:avLst/>
-          </a:prstGeom>
-        </p:spPr>
-      </p:pic>
-    </p:spTree>
-    <p:extLst>
-      <p:ext uri="{BB962C8B-B14F-4D97-AF65-F5344CB8AC3E}">
-        <p14:creationId xmlns:p14="http://schemas.microsoft.com/office/powerpoint/2010/main" val="1993662160"/>
-      </p:ext>
-    </p:extLst>
-  </p:cSld>
-  <p:clrMapOvr>
-    <a:masterClrMapping/>
-  </p:clrMapOvr>
+  <p:timing>
+    <p:tnLst>
+      <p:par>
+        <p:cTn id="1" dur="indefinite" restart="never" nodeType="tmRoot"/>
+      </p:par>
+    </p:tnLst>
+  </p:timing>
 </p:sld>
 </file>
 

--- a/regressao/apresentacao.pptx
+++ b/regressao/apresentacao.pptx
@@ -15,6 +15,17 @@
     <p:sldId id="264" r:id="rId9"/>
     <p:sldId id="263" r:id="rId10"/>
     <p:sldId id="262" r:id="rId11"/>
+    <p:sldId id="266" r:id="rId12"/>
+    <p:sldId id="267" r:id="rId13"/>
+    <p:sldId id="268" r:id="rId14"/>
+    <p:sldId id="269" r:id="rId15"/>
+    <p:sldId id="270" r:id="rId16"/>
+    <p:sldId id="271" r:id="rId17"/>
+    <p:sldId id="272" r:id="rId18"/>
+    <p:sldId id="273" r:id="rId19"/>
+    <p:sldId id="274" r:id="rId20"/>
+    <p:sldId id="275" r:id="rId21"/>
+    <p:sldId id="276" r:id="rId22"/>
   </p:sldIdLst>
   <p:sldSz cx="12192000" cy="6858000"/>
   <p:notesSz cx="6858000" cy="9144000"/>
@@ -252,7 +263,7 @@
           <a:p>
             <a:fld id="{483151B9-E384-44C8-A2FA-5C914BD11DE6}" type="datetimeFigureOut">
               <a:rPr lang="pt-BR" smtClean="0"/>
-              <a:t>29/04/2018</a:t>
+              <a:t>30/04/2018</a:t>
             </a:fld>
             <a:endParaRPr lang="pt-BR"/>
           </a:p>
@@ -422,7 +433,7 @@
           <a:p>
             <a:fld id="{483151B9-E384-44C8-A2FA-5C914BD11DE6}" type="datetimeFigureOut">
               <a:rPr lang="pt-BR" smtClean="0"/>
-              <a:t>29/04/2018</a:t>
+              <a:t>30/04/2018</a:t>
             </a:fld>
             <a:endParaRPr lang="pt-BR"/>
           </a:p>
@@ -602,7 +613,7 @@
           <a:p>
             <a:fld id="{483151B9-E384-44C8-A2FA-5C914BD11DE6}" type="datetimeFigureOut">
               <a:rPr lang="pt-BR" smtClean="0"/>
-              <a:t>29/04/2018</a:t>
+              <a:t>30/04/2018</a:t>
             </a:fld>
             <a:endParaRPr lang="pt-BR"/>
           </a:p>
@@ -772,7 +783,7 @@
           <a:p>
             <a:fld id="{483151B9-E384-44C8-A2FA-5C914BD11DE6}" type="datetimeFigureOut">
               <a:rPr lang="pt-BR" smtClean="0"/>
-              <a:t>29/04/2018</a:t>
+              <a:t>30/04/2018</a:t>
             </a:fld>
             <a:endParaRPr lang="pt-BR"/>
           </a:p>
@@ -1018,7 +1029,7 @@
           <a:p>
             <a:fld id="{483151B9-E384-44C8-A2FA-5C914BD11DE6}" type="datetimeFigureOut">
               <a:rPr lang="pt-BR" smtClean="0"/>
-              <a:t>29/04/2018</a:t>
+              <a:t>30/04/2018</a:t>
             </a:fld>
             <a:endParaRPr lang="pt-BR"/>
           </a:p>
@@ -1250,7 +1261,7 @@
           <a:p>
             <a:fld id="{483151B9-E384-44C8-A2FA-5C914BD11DE6}" type="datetimeFigureOut">
               <a:rPr lang="pt-BR" smtClean="0"/>
-              <a:t>29/04/2018</a:t>
+              <a:t>30/04/2018</a:t>
             </a:fld>
             <a:endParaRPr lang="pt-BR"/>
           </a:p>
@@ -1617,7 +1628,7 @@
           <a:p>
             <a:fld id="{483151B9-E384-44C8-A2FA-5C914BD11DE6}" type="datetimeFigureOut">
               <a:rPr lang="pt-BR" smtClean="0"/>
-              <a:t>29/04/2018</a:t>
+              <a:t>30/04/2018</a:t>
             </a:fld>
             <a:endParaRPr lang="pt-BR"/>
           </a:p>
@@ -1735,7 +1746,7 @@
           <a:p>
             <a:fld id="{483151B9-E384-44C8-A2FA-5C914BD11DE6}" type="datetimeFigureOut">
               <a:rPr lang="pt-BR" smtClean="0"/>
-              <a:t>29/04/2018</a:t>
+              <a:t>30/04/2018</a:t>
             </a:fld>
             <a:endParaRPr lang="pt-BR"/>
           </a:p>
@@ -1830,7 +1841,7 @@
           <a:p>
             <a:fld id="{483151B9-E384-44C8-A2FA-5C914BD11DE6}" type="datetimeFigureOut">
               <a:rPr lang="pt-BR" smtClean="0"/>
-              <a:t>29/04/2018</a:t>
+              <a:t>30/04/2018</a:t>
             </a:fld>
             <a:endParaRPr lang="pt-BR"/>
           </a:p>
@@ -2107,7 +2118,7 @@
           <a:p>
             <a:fld id="{483151B9-E384-44C8-A2FA-5C914BD11DE6}" type="datetimeFigureOut">
               <a:rPr lang="pt-BR" smtClean="0"/>
-              <a:t>29/04/2018</a:t>
+              <a:t>30/04/2018</a:t>
             </a:fld>
             <a:endParaRPr lang="pt-BR"/>
           </a:p>
@@ -2360,7 +2371,7 @@
           <a:p>
             <a:fld id="{483151B9-E384-44C8-A2FA-5C914BD11DE6}" type="datetimeFigureOut">
               <a:rPr lang="pt-BR" smtClean="0"/>
-              <a:t>29/04/2018</a:t>
+              <a:t>30/04/2018</a:t>
             </a:fld>
             <a:endParaRPr lang="pt-BR"/>
           </a:p>
@@ -2573,7 +2584,7 @@
           <a:p>
             <a:fld id="{483151B9-E384-44C8-A2FA-5C914BD11DE6}" type="datetimeFigureOut">
               <a:rPr lang="pt-BR" smtClean="0"/>
-              <a:t>29/04/2018</a:t>
+              <a:t>30/04/2018</a:t>
             </a:fld>
             <a:endParaRPr lang="pt-BR"/>
           </a:p>
@@ -3121,8 +3132,9 @@
             </a:pPr>
             <a:r>
               <a:rPr lang="pt-BR" dirty="0" smtClean="0"/>
-              <a:t>Output:</a:t>
-            </a:r>
+              <a:t>Resultado:</a:t>
+            </a:r>
+            <a:endParaRPr lang="pt-BR" dirty="0" smtClean="0"/>
           </a:p>
           <a:p>
             <a:pPr marL="0" indent="0">
@@ -3156,7 +3168,6 @@
               <a:rPr lang="pt-BR" dirty="0" smtClean="0"/>
               <a:t>Curva ROC:</a:t>
             </a:r>
-            <a:endParaRPr lang="pt-BR" dirty="0" smtClean="0"/>
           </a:p>
           <a:p>
             <a:pPr marL="0" indent="0">
@@ -3240,6 +3251,1181 @@
 </p:sld>
 </file>
 
+<file path=ppt/slides/slide11.xml><?xml version="1.0" encoding="utf-8"?>
+<p:sld xmlns:a="http://schemas.openxmlformats.org/drawingml/2006/main" xmlns:r="http://schemas.openxmlformats.org/officeDocument/2006/relationships" xmlns:p="http://schemas.openxmlformats.org/presentationml/2006/main">
+  <p:cSld>
+    <p:spTree>
+      <p:nvGrpSpPr>
+        <p:cNvPr id="1" name=""/>
+        <p:cNvGrpSpPr/>
+        <p:nvPr/>
+      </p:nvGrpSpPr>
+      <p:grpSpPr>
+        <a:xfrm>
+          <a:off x="0" y="0"/>
+          <a:ext cx="0" cy="0"/>
+          <a:chOff x="0" y="0"/>
+          <a:chExt cx="0" cy="0"/>
+        </a:xfrm>
+      </p:grpSpPr>
+      <p:sp>
+        <p:nvSpPr>
+          <p:cNvPr id="2" name="Título 1"/>
+          <p:cNvSpPr>
+            <a:spLocks noGrp="1"/>
+          </p:cNvSpPr>
+          <p:nvPr>
+            <p:ph type="title"/>
+          </p:nvPr>
+        </p:nvSpPr>
+        <p:spPr/>
+        <p:txBody>
+          <a:bodyPr/>
+          <a:lstStyle/>
+          <a:p>
+            <a:r>
+              <a:rPr lang="pt-BR" dirty="0"/>
+              <a:t>Modelo preditivo: </a:t>
+            </a:r>
+            <a:r>
+              <a:rPr lang="pt-BR" dirty="0" smtClean="0"/>
+              <a:t>arvore de decisão</a:t>
+            </a:r>
+            <a:endParaRPr lang="pt-BR" dirty="0"/>
+          </a:p>
+        </p:txBody>
+      </p:sp>
+      <p:sp>
+        <p:nvSpPr>
+          <p:cNvPr id="3" name="Espaço Reservado para Conteúdo 2"/>
+          <p:cNvSpPr>
+            <a:spLocks noGrp="1"/>
+          </p:cNvSpPr>
+          <p:nvPr>
+            <p:ph idx="1"/>
+          </p:nvPr>
+        </p:nvSpPr>
+        <p:spPr/>
+        <p:txBody>
+          <a:bodyPr/>
+          <a:lstStyle/>
+          <a:p>
+            <a:pPr marL="0" indent="0">
+              <a:buNone/>
+            </a:pPr>
+            <a:r>
+              <a:rPr lang="pt-BR" dirty="0" smtClean="0"/>
+              <a:t>Para aplicar o modelo de arvore de decisão foi retirado uma amostra aleatória de 1000 registros da base. Com registros mais elevados o processamento se mostrou muito lento. A amostra pode ser encontrada no repositório do GitHub mencionado no inicio do trabalho.</a:t>
+            </a:r>
+            <a:endParaRPr lang="pt-BR" dirty="0"/>
+          </a:p>
+        </p:txBody>
+      </p:sp>
+      <p:pic>
+        <p:nvPicPr>
+          <p:cNvPr id="4" name="Imagem 3"/>
+          <p:cNvPicPr>
+            <a:picLocks noChangeAspect="1"/>
+          </p:cNvPicPr>
+          <p:nvPr/>
+        </p:nvPicPr>
+        <p:blipFill>
+          <a:blip r:embed="rId2"/>
+          <a:stretch>
+            <a:fillRect/>
+          </a:stretch>
+        </p:blipFill>
+        <p:spPr>
+          <a:xfrm>
+            <a:off x="937953" y="4253605"/>
+            <a:ext cx="6315075" cy="1476375"/>
+          </a:xfrm>
+          <a:prstGeom prst="rect">
+            <a:avLst/>
+          </a:prstGeom>
+        </p:spPr>
+      </p:pic>
+    </p:spTree>
+    <p:extLst>
+      <p:ext uri="{BB962C8B-B14F-4D97-AF65-F5344CB8AC3E}">
+        <p14:creationId xmlns:p14="http://schemas.microsoft.com/office/powerpoint/2010/main" val="2430916644"/>
+      </p:ext>
+    </p:extLst>
+  </p:cSld>
+  <p:clrMapOvr>
+    <a:masterClrMapping/>
+  </p:clrMapOvr>
+</p:sld>
+</file>
+
+<file path=ppt/slides/slide12.xml><?xml version="1.0" encoding="utf-8"?>
+<p:sld xmlns:a="http://schemas.openxmlformats.org/drawingml/2006/main" xmlns:r="http://schemas.openxmlformats.org/officeDocument/2006/relationships" xmlns:p="http://schemas.openxmlformats.org/presentationml/2006/main">
+  <p:cSld>
+    <p:spTree>
+      <p:nvGrpSpPr>
+        <p:cNvPr id="1" name=""/>
+        <p:cNvGrpSpPr/>
+        <p:nvPr/>
+      </p:nvGrpSpPr>
+      <p:grpSpPr>
+        <a:xfrm>
+          <a:off x="0" y="0"/>
+          <a:ext cx="0" cy="0"/>
+          <a:chOff x="0" y="0"/>
+          <a:chExt cx="0" cy="0"/>
+        </a:xfrm>
+      </p:grpSpPr>
+      <p:sp>
+        <p:nvSpPr>
+          <p:cNvPr id="2" name="Título 1"/>
+          <p:cNvSpPr>
+            <a:spLocks noGrp="1"/>
+          </p:cNvSpPr>
+          <p:nvPr>
+            <p:ph type="title"/>
+          </p:nvPr>
+        </p:nvSpPr>
+        <p:spPr/>
+        <p:txBody>
+          <a:bodyPr/>
+          <a:lstStyle/>
+          <a:p>
+            <a:r>
+              <a:rPr lang="pt-BR" dirty="0"/>
+              <a:t>Modelo preditivo: arvore de decisão</a:t>
+            </a:r>
+          </a:p>
+        </p:txBody>
+      </p:sp>
+      <p:sp>
+        <p:nvSpPr>
+          <p:cNvPr id="3" name="Espaço Reservado para Conteúdo 2"/>
+          <p:cNvSpPr>
+            <a:spLocks noGrp="1"/>
+          </p:cNvSpPr>
+          <p:nvPr>
+            <p:ph idx="1"/>
+          </p:nvPr>
+        </p:nvSpPr>
+        <p:spPr/>
+        <p:txBody>
+          <a:bodyPr/>
+          <a:lstStyle/>
+          <a:p>
+            <a:pPr marL="0" indent="0">
+              <a:buNone/>
+            </a:pPr>
+            <a:r>
+              <a:rPr lang="pt-BR" dirty="0" smtClean="0"/>
+              <a:t>Foram utilizados 2/3 destes dados para treino e 1/3 de teste:</a:t>
+            </a:r>
+          </a:p>
+          <a:p>
+            <a:pPr marL="0" indent="0">
+              <a:buNone/>
+            </a:pPr>
+            <a:endParaRPr lang="pt-BR" dirty="0"/>
+          </a:p>
+          <a:p>
+            <a:pPr marL="0" indent="0">
+              <a:buNone/>
+            </a:pPr>
+            <a:endParaRPr lang="pt-BR" dirty="0" smtClean="0"/>
+          </a:p>
+          <a:p>
+            <a:pPr marL="0" indent="0">
+              <a:buNone/>
+            </a:pPr>
+            <a:endParaRPr lang="pt-BR" dirty="0"/>
+          </a:p>
+          <a:p>
+            <a:pPr marL="0" indent="0">
+              <a:buNone/>
+            </a:pPr>
+            <a:endParaRPr lang="pt-BR" dirty="0" smtClean="0"/>
+          </a:p>
+          <a:p>
+            <a:pPr marL="0" indent="0">
+              <a:buNone/>
+            </a:pPr>
+            <a:r>
+              <a:rPr lang="pt-BR" dirty="0" smtClean="0"/>
+              <a:t>Matriz de confusão e resultado:</a:t>
+            </a:r>
+            <a:endParaRPr lang="pt-BR" dirty="0"/>
+          </a:p>
+        </p:txBody>
+      </p:sp>
+      <p:pic>
+        <p:nvPicPr>
+          <p:cNvPr id="4" name="Imagem 3"/>
+          <p:cNvPicPr>
+            <a:picLocks noChangeAspect="1"/>
+          </p:cNvPicPr>
+          <p:nvPr/>
+        </p:nvPicPr>
+        <p:blipFill>
+          <a:blip r:embed="rId2"/>
+          <a:stretch>
+            <a:fillRect/>
+          </a:stretch>
+        </p:blipFill>
+        <p:spPr>
+          <a:xfrm>
+            <a:off x="960528" y="2365057"/>
+            <a:ext cx="4105275" cy="1762125"/>
+          </a:xfrm>
+          <a:prstGeom prst="rect">
+            <a:avLst/>
+          </a:prstGeom>
+        </p:spPr>
+      </p:pic>
+      <p:pic>
+        <p:nvPicPr>
+          <p:cNvPr id="5" name="Imagem 4"/>
+          <p:cNvPicPr>
+            <a:picLocks noChangeAspect="1"/>
+          </p:cNvPicPr>
+          <p:nvPr/>
+        </p:nvPicPr>
+        <p:blipFill>
+          <a:blip r:embed="rId3"/>
+          <a:stretch>
+            <a:fillRect/>
+          </a:stretch>
+        </p:blipFill>
+        <p:spPr>
+          <a:xfrm>
+            <a:off x="960528" y="5035550"/>
+            <a:ext cx="6172200" cy="1276350"/>
+          </a:xfrm>
+          <a:prstGeom prst="rect">
+            <a:avLst/>
+          </a:prstGeom>
+        </p:spPr>
+      </p:pic>
+    </p:spTree>
+    <p:extLst>
+      <p:ext uri="{BB962C8B-B14F-4D97-AF65-F5344CB8AC3E}">
+        <p14:creationId xmlns:p14="http://schemas.microsoft.com/office/powerpoint/2010/main" val="3919719133"/>
+      </p:ext>
+    </p:extLst>
+  </p:cSld>
+  <p:clrMapOvr>
+    <a:masterClrMapping/>
+  </p:clrMapOvr>
+</p:sld>
+</file>
+
+<file path=ppt/slides/slide13.xml><?xml version="1.0" encoding="utf-8"?>
+<p:sld xmlns:a="http://schemas.openxmlformats.org/drawingml/2006/main" xmlns:r="http://schemas.openxmlformats.org/officeDocument/2006/relationships" xmlns:p="http://schemas.openxmlformats.org/presentationml/2006/main">
+  <p:cSld>
+    <p:spTree>
+      <p:nvGrpSpPr>
+        <p:cNvPr id="1" name=""/>
+        <p:cNvGrpSpPr/>
+        <p:nvPr/>
+      </p:nvGrpSpPr>
+      <p:grpSpPr>
+        <a:xfrm>
+          <a:off x="0" y="0"/>
+          <a:ext cx="0" cy="0"/>
+          <a:chOff x="0" y="0"/>
+          <a:chExt cx="0" cy="0"/>
+        </a:xfrm>
+      </p:grpSpPr>
+      <p:sp>
+        <p:nvSpPr>
+          <p:cNvPr id="2" name="Título 1"/>
+          <p:cNvSpPr>
+            <a:spLocks noGrp="1"/>
+          </p:cNvSpPr>
+          <p:nvPr>
+            <p:ph type="title"/>
+          </p:nvPr>
+        </p:nvSpPr>
+        <p:spPr/>
+        <p:txBody>
+          <a:bodyPr/>
+          <a:lstStyle/>
+          <a:p>
+            <a:r>
+              <a:rPr lang="pt-BR" dirty="0"/>
+              <a:t>Modelo preditivo: arvore de decisão</a:t>
+            </a:r>
+          </a:p>
+        </p:txBody>
+      </p:sp>
+      <p:pic>
+        <p:nvPicPr>
+          <p:cNvPr id="4" name="Espaço Reservado para Conteúdo 3"/>
+          <p:cNvPicPr>
+            <a:picLocks noGrp="1" noChangeAspect="1"/>
+          </p:cNvPicPr>
+          <p:nvPr>
+            <p:ph idx="1"/>
+          </p:nvPr>
+        </p:nvPicPr>
+        <p:blipFill>
+          <a:blip r:embed="rId2"/>
+          <a:stretch>
+            <a:fillRect/>
+          </a:stretch>
+        </p:blipFill>
+        <p:spPr>
+          <a:xfrm>
+            <a:off x="2605514" y="1825625"/>
+            <a:ext cx="6980971" cy="4351338"/>
+          </a:xfrm>
+          <a:prstGeom prst="rect">
+            <a:avLst/>
+          </a:prstGeom>
+        </p:spPr>
+      </p:pic>
+      <p:pic>
+        <p:nvPicPr>
+          <p:cNvPr id="5" name="Imagem 4"/>
+          <p:cNvPicPr>
+            <a:picLocks noChangeAspect="1"/>
+          </p:cNvPicPr>
+          <p:nvPr/>
+        </p:nvPicPr>
+        <p:blipFill>
+          <a:blip r:embed="rId3"/>
+          <a:stretch>
+            <a:fillRect/>
+          </a:stretch>
+        </p:blipFill>
+        <p:spPr>
+          <a:xfrm>
+            <a:off x="838200" y="1825625"/>
+            <a:ext cx="1057275" cy="219075"/>
+          </a:xfrm>
+          <a:prstGeom prst="rect">
+            <a:avLst/>
+          </a:prstGeom>
+        </p:spPr>
+      </p:pic>
+    </p:spTree>
+    <p:extLst>
+      <p:ext uri="{BB962C8B-B14F-4D97-AF65-F5344CB8AC3E}">
+        <p14:creationId xmlns:p14="http://schemas.microsoft.com/office/powerpoint/2010/main" val="541269454"/>
+      </p:ext>
+    </p:extLst>
+  </p:cSld>
+  <p:clrMapOvr>
+    <a:masterClrMapping/>
+  </p:clrMapOvr>
+</p:sld>
+</file>
+
+<file path=ppt/slides/slide14.xml><?xml version="1.0" encoding="utf-8"?>
+<p:sld xmlns:a="http://schemas.openxmlformats.org/drawingml/2006/main" xmlns:r="http://schemas.openxmlformats.org/officeDocument/2006/relationships" xmlns:p="http://schemas.openxmlformats.org/presentationml/2006/main">
+  <p:cSld>
+    <p:spTree>
+      <p:nvGrpSpPr>
+        <p:cNvPr id="1" name=""/>
+        <p:cNvGrpSpPr/>
+        <p:nvPr/>
+      </p:nvGrpSpPr>
+      <p:grpSpPr>
+        <a:xfrm>
+          <a:off x="0" y="0"/>
+          <a:ext cx="0" cy="0"/>
+          <a:chOff x="0" y="0"/>
+          <a:chExt cx="0" cy="0"/>
+        </a:xfrm>
+      </p:grpSpPr>
+      <p:sp>
+        <p:nvSpPr>
+          <p:cNvPr id="2" name="Título 1"/>
+          <p:cNvSpPr>
+            <a:spLocks noGrp="1"/>
+          </p:cNvSpPr>
+          <p:nvPr>
+            <p:ph type="title"/>
+          </p:nvPr>
+        </p:nvSpPr>
+        <p:spPr/>
+        <p:txBody>
+          <a:bodyPr/>
+          <a:lstStyle/>
+          <a:p>
+            <a:r>
+              <a:rPr lang="pt-BR" dirty="0" smtClean="0"/>
+              <a:t>Modelo preditivo: </a:t>
+            </a:r>
+            <a:r>
+              <a:rPr lang="pt-BR" dirty="0" err="1"/>
+              <a:t>n</a:t>
+            </a:r>
+            <a:r>
+              <a:rPr lang="pt-BR" dirty="0" err="1" smtClean="0"/>
+              <a:t>aive</a:t>
+            </a:r>
+            <a:r>
+              <a:rPr lang="pt-BR" dirty="0" smtClean="0"/>
+              <a:t> </a:t>
+            </a:r>
+            <a:r>
+              <a:rPr lang="pt-BR" dirty="0" err="1"/>
+              <a:t>b</a:t>
+            </a:r>
+            <a:r>
+              <a:rPr lang="pt-BR" dirty="0" err="1" smtClean="0"/>
+              <a:t>ayes</a:t>
+            </a:r>
+            <a:endParaRPr lang="pt-BR" dirty="0"/>
+          </a:p>
+        </p:txBody>
+      </p:sp>
+      <p:sp>
+        <p:nvSpPr>
+          <p:cNvPr id="3" name="Espaço Reservado para Conteúdo 2"/>
+          <p:cNvSpPr>
+            <a:spLocks noGrp="1"/>
+          </p:cNvSpPr>
+          <p:nvPr>
+            <p:ph idx="1"/>
+          </p:nvPr>
+        </p:nvSpPr>
+        <p:spPr/>
+        <p:txBody>
+          <a:bodyPr/>
+          <a:lstStyle/>
+          <a:p>
+            <a:pPr marL="0" indent="0">
+              <a:buNone/>
+            </a:pPr>
+            <a:r>
+              <a:rPr lang="pt-BR" dirty="0" smtClean="0"/>
+              <a:t>Para este modelo será mantida a mesma taxa de teste e treino do modelo de regressão logística:</a:t>
+            </a:r>
+            <a:endParaRPr lang="pt-BR" dirty="0"/>
+          </a:p>
+        </p:txBody>
+      </p:sp>
+      <p:pic>
+        <p:nvPicPr>
+          <p:cNvPr id="4" name="Imagem 3"/>
+          <p:cNvPicPr>
+            <a:picLocks noChangeAspect="1"/>
+          </p:cNvPicPr>
+          <p:nvPr/>
+        </p:nvPicPr>
+        <p:blipFill>
+          <a:blip r:embed="rId2"/>
+          <a:stretch>
+            <a:fillRect/>
+          </a:stretch>
+        </p:blipFill>
+        <p:spPr>
+          <a:xfrm>
+            <a:off x="935491" y="2845661"/>
+            <a:ext cx="5095875" cy="1724025"/>
+          </a:xfrm>
+          <a:prstGeom prst="rect">
+            <a:avLst/>
+          </a:prstGeom>
+        </p:spPr>
+      </p:pic>
+    </p:spTree>
+    <p:extLst>
+      <p:ext uri="{BB962C8B-B14F-4D97-AF65-F5344CB8AC3E}">
+        <p14:creationId xmlns:p14="http://schemas.microsoft.com/office/powerpoint/2010/main" val="239943065"/>
+      </p:ext>
+    </p:extLst>
+  </p:cSld>
+  <p:clrMapOvr>
+    <a:masterClrMapping/>
+  </p:clrMapOvr>
+</p:sld>
+</file>
+
+<file path=ppt/slides/slide15.xml><?xml version="1.0" encoding="utf-8"?>
+<p:sld xmlns:a="http://schemas.openxmlformats.org/drawingml/2006/main" xmlns:r="http://schemas.openxmlformats.org/officeDocument/2006/relationships" xmlns:p="http://schemas.openxmlformats.org/presentationml/2006/main">
+  <p:cSld>
+    <p:spTree>
+      <p:nvGrpSpPr>
+        <p:cNvPr id="1" name=""/>
+        <p:cNvGrpSpPr/>
+        <p:nvPr/>
+      </p:nvGrpSpPr>
+      <p:grpSpPr>
+        <a:xfrm>
+          <a:off x="0" y="0"/>
+          <a:ext cx="0" cy="0"/>
+          <a:chOff x="0" y="0"/>
+          <a:chExt cx="0" cy="0"/>
+        </a:xfrm>
+      </p:grpSpPr>
+      <p:sp>
+        <p:nvSpPr>
+          <p:cNvPr id="2" name="Título 1"/>
+          <p:cNvSpPr>
+            <a:spLocks noGrp="1"/>
+          </p:cNvSpPr>
+          <p:nvPr>
+            <p:ph type="title"/>
+          </p:nvPr>
+        </p:nvSpPr>
+        <p:spPr/>
+        <p:txBody>
+          <a:bodyPr/>
+          <a:lstStyle/>
+          <a:p>
+            <a:r>
+              <a:rPr lang="pt-BR" dirty="0"/>
+              <a:t>Modelo preditivo: </a:t>
+            </a:r>
+            <a:r>
+              <a:rPr lang="pt-BR" dirty="0" err="1"/>
+              <a:t>naive</a:t>
+            </a:r>
+            <a:r>
+              <a:rPr lang="pt-BR" dirty="0"/>
+              <a:t> </a:t>
+            </a:r>
+            <a:r>
+              <a:rPr lang="pt-BR" dirty="0" err="1"/>
+              <a:t>bayes</a:t>
+            </a:r>
+            <a:endParaRPr lang="pt-BR" dirty="0"/>
+          </a:p>
+        </p:txBody>
+      </p:sp>
+      <p:pic>
+        <p:nvPicPr>
+          <p:cNvPr id="4" name="Espaço Reservado para Conteúdo 3"/>
+          <p:cNvPicPr>
+            <a:picLocks noGrp="1" noChangeAspect="1"/>
+          </p:cNvPicPr>
+          <p:nvPr>
+            <p:ph idx="1"/>
+          </p:nvPr>
+        </p:nvPicPr>
+        <p:blipFill>
+          <a:blip r:embed="rId2"/>
+          <a:stretch>
+            <a:fillRect/>
+          </a:stretch>
+        </p:blipFill>
+        <p:spPr>
+          <a:xfrm>
+            <a:off x="912479" y="1690688"/>
+            <a:ext cx="3539521" cy="4351338"/>
+          </a:xfrm>
+          <a:prstGeom prst="rect">
+            <a:avLst/>
+          </a:prstGeom>
+        </p:spPr>
+      </p:pic>
+    </p:spTree>
+    <p:extLst>
+      <p:ext uri="{BB962C8B-B14F-4D97-AF65-F5344CB8AC3E}">
+        <p14:creationId xmlns:p14="http://schemas.microsoft.com/office/powerpoint/2010/main" val="797630572"/>
+      </p:ext>
+    </p:extLst>
+  </p:cSld>
+  <p:clrMapOvr>
+    <a:masterClrMapping/>
+  </p:clrMapOvr>
+</p:sld>
+</file>
+
+<file path=ppt/slides/slide16.xml><?xml version="1.0" encoding="utf-8"?>
+<p:sld xmlns:a="http://schemas.openxmlformats.org/drawingml/2006/main" xmlns:r="http://schemas.openxmlformats.org/officeDocument/2006/relationships" xmlns:p="http://schemas.openxmlformats.org/presentationml/2006/main">
+  <p:cSld>
+    <p:spTree>
+      <p:nvGrpSpPr>
+        <p:cNvPr id="1" name=""/>
+        <p:cNvGrpSpPr/>
+        <p:nvPr/>
+      </p:nvGrpSpPr>
+      <p:grpSpPr>
+        <a:xfrm>
+          <a:off x="0" y="0"/>
+          <a:ext cx="0" cy="0"/>
+          <a:chOff x="0" y="0"/>
+          <a:chExt cx="0" cy="0"/>
+        </a:xfrm>
+      </p:grpSpPr>
+      <p:sp>
+        <p:nvSpPr>
+          <p:cNvPr id="2" name="Título 1"/>
+          <p:cNvSpPr>
+            <a:spLocks noGrp="1"/>
+          </p:cNvSpPr>
+          <p:nvPr>
+            <p:ph type="title"/>
+          </p:nvPr>
+        </p:nvSpPr>
+        <p:spPr/>
+        <p:txBody>
+          <a:bodyPr/>
+          <a:lstStyle/>
+          <a:p>
+            <a:r>
+              <a:rPr lang="pt-BR" dirty="0"/>
+              <a:t>Modelo preditivo: </a:t>
+            </a:r>
+            <a:r>
+              <a:rPr lang="pt-BR" dirty="0" err="1"/>
+              <a:t>naive</a:t>
+            </a:r>
+            <a:r>
+              <a:rPr lang="pt-BR" dirty="0"/>
+              <a:t> </a:t>
+            </a:r>
+            <a:r>
+              <a:rPr lang="pt-BR" dirty="0" err="1"/>
+              <a:t>bayes</a:t>
+            </a:r>
+            <a:endParaRPr lang="pt-BR" dirty="0"/>
+          </a:p>
+        </p:txBody>
+      </p:sp>
+      <p:sp>
+        <p:nvSpPr>
+          <p:cNvPr id="3" name="Espaço Reservado para Conteúdo 2"/>
+          <p:cNvSpPr>
+            <a:spLocks noGrp="1"/>
+          </p:cNvSpPr>
+          <p:nvPr>
+            <p:ph idx="1"/>
+          </p:nvPr>
+        </p:nvSpPr>
+        <p:spPr/>
+        <p:txBody>
+          <a:bodyPr/>
+          <a:lstStyle/>
+          <a:p>
+            <a:pPr marL="0" indent="0">
+              <a:buNone/>
+            </a:pPr>
+            <a:r>
+              <a:rPr lang="pt-BR" dirty="0" smtClean="0"/>
+              <a:t>Predição:</a:t>
+            </a:r>
+          </a:p>
+          <a:p>
+            <a:pPr marL="0" indent="0">
+              <a:buNone/>
+            </a:pPr>
+            <a:endParaRPr lang="pt-BR" dirty="0"/>
+          </a:p>
+        </p:txBody>
+      </p:sp>
+      <p:pic>
+        <p:nvPicPr>
+          <p:cNvPr id="4" name="Imagem 3"/>
+          <p:cNvPicPr>
+            <a:picLocks noChangeAspect="1"/>
+          </p:cNvPicPr>
+          <p:nvPr/>
+        </p:nvPicPr>
+        <p:blipFill>
+          <a:blip r:embed="rId2"/>
+          <a:stretch>
+            <a:fillRect/>
+          </a:stretch>
+        </p:blipFill>
+        <p:spPr>
+          <a:xfrm>
+            <a:off x="922564" y="2323691"/>
+            <a:ext cx="5295900" cy="1304925"/>
+          </a:xfrm>
+          <a:prstGeom prst="rect">
+            <a:avLst/>
+          </a:prstGeom>
+        </p:spPr>
+      </p:pic>
+      <p:pic>
+        <p:nvPicPr>
+          <p:cNvPr id="5" name="Imagem 4"/>
+          <p:cNvPicPr>
+            <a:picLocks noChangeAspect="1"/>
+          </p:cNvPicPr>
+          <p:nvPr/>
+        </p:nvPicPr>
+        <p:blipFill>
+          <a:blip r:embed="rId3"/>
+          <a:stretch>
+            <a:fillRect/>
+          </a:stretch>
+        </p:blipFill>
+        <p:spPr>
+          <a:xfrm>
+            <a:off x="922564" y="3873001"/>
+            <a:ext cx="5505450" cy="2543175"/>
+          </a:xfrm>
+          <a:prstGeom prst="rect">
+            <a:avLst/>
+          </a:prstGeom>
+        </p:spPr>
+      </p:pic>
+    </p:spTree>
+    <p:extLst>
+      <p:ext uri="{BB962C8B-B14F-4D97-AF65-F5344CB8AC3E}">
+        <p14:creationId xmlns:p14="http://schemas.microsoft.com/office/powerpoint/2010/main" val="1921130231"/>
+      </p:ext>
+    </p:extLst>
+  </p:cSld>
+  <p:clrMapOvr>
+    <a:masterClrMapping/>
+  </p:clrMapOvr>
+</p:sld>
+</file>
+
+<file path=ppt/slides/slide17.xml><?xml version="1.0" encoding="utf-8"?>
+<p:sld xmlns:a="http://schemas.openxmlformats.org/drawingml/2006/main" xmlns:r="http://schemas.openxmlformats.org/officeDocument/2006/relationships" xmlns:p="http://schemas.openxmlformats.org/presentationml/2006/main">
+  <p:cSld>
+    <p:spTree>
+      <p:nvGrpSpPr>
+        <p:cNvPr id="1" name=""/>
+        <p:cNvGrpSpPr/>
+        <p:nvPr/>
+      </p:nvGrpSpPr>
+      <p:grpSpPr>
+        <a:xfrm>
+          <a:off x="0" y="0"/>
+          <a:ext cx="0" cy="0"/>
+          <a:chOff x="0" y="0"/>
+          <a:chExt cx="0" cy="0"/>
+        </a:xfrm>
+      </p:grpSpPr>
+      <p:sp>
+        <p:nvSpPr>
+          <p:cNvPr id="2" name="Título 1"/>
+          <p:cNvSpPr>
+            <a:spLocks noGrp="1"/>
+          </p:cNvSpPr>
+          <p:nvPr>
+            <p:ph type="title"/>
+          </p:nvPr>
+        </p:nvSpPr>
+        <p:spPr/>
+        <p:txBody>
+          <a:bodyPr/>
+          <a:lstStyle/>
+          <a:p>
+            <a:r>
+              <a:rPr lang="pt-BR" dirty="0"/>
+              <a:t>Modelo preditivo: </a:t>
+            </a:r>
+            <a:r>
+              <a:rPr lang="pt-BR" dirty="0" err="1"/>
+              <a:t>naive</a:t>
+            </a:r>
+            <a:r>
+              <a:rPr lang="pt-BR" dirty="0"/>
+              <a:t> </a:t>
+            </a:r>
+            <a:r>
+              <a:rPr lang="pt-BR" dirty="0" err="1"/>
+              <a:t>bayes</a:t>
+            </a:r>
+            <a:endParaRPr lang="pt-BR" dirty="0"/>
+          </a:p>
+        </p:txBody>
+      </p:sp>
+      <p:sp>
+        <p:nvSpPr>
+          <p:cNvPr id="3" name="Espaço Reservado para Conteúdo 2"/>
+          <p:cNvSpPr>
+            <a:spLocks noGrp="1"/>
+          </p:cNvSpPr>
+          <p:nvPr>
+            <p:ph idx="1"/>
+          </p:nvPr>
+        </p:nvSpPr>
+        <p:spPr/>
+        <p:txBody>
+          <a:bodyPr/>
+          <a:lstStyle/>
+          <a:p>
+            <a:pPr marL="0" indent="0">
+              <a:buNone/>
+            </a:pPr>
+            <a:r>
+              <a:rPr lang="pt-BR" dirty="0" smtClean="0"/>
+              <a:t>Matriz de confusão e resultado:</a:t>
+            </a:r>
+            <a:endParaRPr lang="pt-BR" dirty="0"/>
+          </a:p>
+        </p:txBody>
+      </p:sp>
+      <p:pic>
+        <p:nvPicPr>
+          <p:cNvPr id="4" name="Imagem 3"/>
+          <p:cNvPicPr>
+            <a:picLocks noChangeAspect="1"/>
+          </p:cNvPicPr>
+          <p:nvPr/>
+        </p:nvPicPr>
+        <p:blipFill>
+          <a:blip r:embed="rId2"/>
+          <a:stretch>
+            <a:fillRect/>
+          </a:stretch>
+        </p:blipFill>
+        <p:spPr>
+          <a:xfrm>
+            <a:off x="959711" y="2382202"/>
+            <a:ext cx="5953125" cy="752475"/>
+          </a:xfrm>
+          <a:prstGeom prst="rect">
+            <a:avLst/>
+          </a:prstGeom>
+        </p:spPr>
+      </p:pic>
+      <p:pic>
+        <p:nvPicPr>
+          <p:cNvPr id="5" name="Imagem 4"/>
+          <p:cNvPicPr>
+            <a:picLocks noChangeAspect="1"/>
+          </p:cNvPicPr>
+          <p:nvPr/>
+        </p:nvPicPr>
+        <p:blipFill>
+          <a:blip r:embed="rId3"/>
+          <a:stretch>
+            <a:fillRect/>
+          </a:stretch>
+        </p:blipFill>
+        <p:spPr>
+          <a:xfrm>
+            <a:off x="959711" y="3269614"/>
+            <a:ext cx="6181725" cy="1238250"/>
+          </a:xfrm>
+          <a:prstGeom prst="rect">
+            <a:avLst/>
+          </a:prstGeom>
+        </p:spPr>
+      </p:pic>
+    </p:spTree>
+    <p:extLst>
+      <p:ext uri="{BB962C8B-B14F-4D97-AF65-F5344CB8AC3E}">
+        <p14:creationId xmlns:p14="http://schemas.microsoft.com/office/powerpoint/2010/main" val="3267895507"/>
+      </p:ext>
+    </p:extLst>
+  </p:cSld>
+  <p:clrMapOvr>
+    <a:masterClrMapping/>
+  </p:clrMapOvr>
+</p:sld>
+</file>
+
+<file path=ppt/slides/slide18.xml><?xml version="1.0" encoding="utf-8"?>
+<p:sld xmlns:a="http://schemas.openxmlformats.org/drawingml/2006/main" xmlns:r="http://schemas.openxmlformats.org/officeDocument/2006/relationships" xmlns:p="http://schemas.openxmlformats.org/presentationml/2006/main">
+  <p:cSld>
+    <p:spTree>
+      <p:nvGrpSpPr>
+        <p:cNvPr id="1" name=""/>
+        <p:cNvGrpSpPr/>
+        <p:nvPr/>
+      </p:nvGrpSpPr>
+      <p:grpSpPr>
+        <a:xfrm>
+          <a:off x="0" y="0"/>
+          <a:ext cx="0" cy="0"/>
+          <a:chOff x="0" y="0"/>
+          <a:chExt cx="0" cy="0"/>
+        </a:xfrm>
+      </p:grpSpPr>
+      <p:sp>
+        <p:nvSpPr>
+          <p:cNvPr id="2" name="Título 1"/>
+          <p:cNvSpPr>
+            <a:spLocks noGrp="1"/>
+          </p:cNvSpPr>
+          <p:nvPr>
+            <p:ph type="title"/>
+          </p:nvPr>
+        </p:nvSpPr>
+        <p:spPr/>
+        <p:txBody>
+          <a:bodyPr/>
+          <a:lstStyle/>
+          <a:p>
+            <a:r>
+              <a:rPr lang="pt-BR" dirty="0"/>
+              <a:t>Modelo preditivo: </a:t>
+            </a:r>
+            <a:r>
+              <a:rPr lang="pt-BR" dirty="0" err="1"/>
+              <a:t>naive</a:t>
+            </a:r>
+            <a:r>
+              <a:rPr lang="pt-BR" dirty="0"/>
+              <a:t> </a:t>
+            </a:r>
+            <a:r>
+              <a:rPr lang="pt-BR" dirty="0" err="1"/>
+              <a:t>bayes</a:t>
+            </a:r>
+            <a:endParaRPr lang="pt-BR" dirty="0"/>
+          </a:p>
+        </p:txBody>
+      </p:sp>
+      <p:sp>
+        <p:nvSpPr>
+          <p:cNvPr id="3" name="Espaço Reservado para Conteúdo 2"/>
+          <p:cNvSpPr>
+            <a:spLocks noGrp="1"/>
+          </p:cNvSpPr>
+          <p:nvPr>
+            <p:ph idx="1"/>
+          </p:nvPr>
+        </p:nvSpPr>
+        <p:spPr/>
+        <p:txBody>
+          <a:bodyPr/>
+          <a:lstStyle/>
+          <a:p>
+            <a:pPr marL="0" indent="0">
+              <a:buNone/>
+            </a:pPr>
+            <a:r>
+              <a:rPr lang="pt-BR" dirty="0" smtClean="0"/>
+              <a:t>Curva ROC:</a:t>
+            </a:r>
+            <a:endParaRPr lang="pt-BR" dirty="0"/>
+          </a:p>
+        </p:txBody>
+      </p:sp>
+      <p:pic>
+        <p:nvPicPr>
+          <p:cNvPr id="4" name="Imagem 3"/>
+          <p:cNvPicPr>
+            <a:picLocks noChangeAspect="1"/>
+          </p:cNvPicPr>
+          <p:nvPr/>
+        </p:nvPicPr>
+        <p:blipFill>
+          <a:blip r:embed="rId2"/>
+          <a:stretch>
+            <a:fillRect/>
+          </a:stretch>
+        </p:blipFill>
+        <p:spPr>
+          <a:xfrm>
+            <a:off x="914400" y="2355125"/>
+            <a:ext cx="6705600" cy="1485900"/>
+          </a:xfrm>
+          <a:prstGeom prst="rect">
+            <a:avLst/>
+          </a:prstGeom>
+        </p:spPr>
+      </p:pic>
+      <p:pic>
+        <p:nvPicPr>
+          <p:cNvPr id="5" name="Imagem 4"/>
+          <p:cNvPicPr>
+            <a:picLocks noChangeAspect="1"/>
+          </p:cNvPicPr>
+          <p:nvPr/>
+        </p:nvPicPr>
+        <p:blipFill>
+          <a:blip r:embed="rId3"/>
+          <a:stretch>
+            <a:fillRect/>
+          </a:stretch>
+        </p:blipFill>
+        <p:spPr>
+          <a:xfrm>
+            <a:off x="4606834" y="3067364"/>
+            <a:ext cx="6682332" cy="3790636"/>
+          </a:xfrm>
+          <a:prstGeom prst="rect">
+            <a:avLst/>
+          </a:prstGeom>
+        </p:spPr>
+      </p:pic>
+      <p:pic>
+        <p:nvPicPr>
+          <p:cNvPr id="6" name="Imagem 5"/>
+          <p:cNvPicPr>
+            <a:picLocks noChangeAspect="1"/>
+          </p:cNvPicPr>
+          <p:nvPr/>
+        </p:nvPicPr>
+        <p:blipFill>
+          <a:blip r:embed="rId4"/>
+          <a:stretch>
+            <a:fillRect/>
+          </a:stretch>
+        </p:blipFill>
+        <p:spPr>
+          <a:xfrm>
+            <a:off x="914400" y="4001294"/>
+            <a:ext cx="1133475" cy="352425"/>
+          </a:xfrm>
+          <a:prstGeom prst="rect">
+            <a:avLst/>
+          </a:prstGeom>
+        </p:spPr>
+      </p:pic>
+    </p:spTree>
+    <p:extLst>
+      <p:ext uri="{BB962C8B-B14F-4D97-AF65-F5344CB8AC3E}">
+        <p14:creationId xmlns:p14="http://schemas.microsoft.com/office/powerpoint/2010/main" val="3492921871"/>
+      </p:ext>
+    </p:extLst>
+  </p:cSld>
+  <p:clrMapOvr>
+    <a:masterClrMapping/>
+  </p:clrMapOvr>
+</p:sld>
+</file>
+
+<file path=ppt/slides/slide19.xml><?xml version="1.0" encoding="utf-8"?>
+<p:sld xmlns:a="http://schemas.openxmlformats.org/drawingml/2006/main" xmlns:r="http://schemas.openxmlformats.org/officeDocument/2006/relationships" xmlns:p="http://schemas.openxmlformats.org/presentationml/2006/main">
+  <p:cSld>
+    <p:spTree>
+      <p:nvGrpSpPr>
+        <p:cNvPr id="1" name=""/>
+        <p:cNvGrpSpPr/>
+        <p:nvPr/>
+      </p:nvGrpSpPr>
+      <p:grpSpPr>
+        <a:xfrm>
+          <a:off x="0" y="0"/>
+          <a:ext cx="0" cy="0"/>
+          <a:chOff x="0" y="0"/>
+          <a:chExt cx="0" cy="0"/>
+        </a:xfrm>
+      </p:grpSpPr>
+      <p:sp>
+        <p:nvSpPr>
+          <p:cNvPr id="2" name="Título 1"/>
+          <p:cNvSpPr>
+            <a:spLocks noGrp="1"/>
+          </p:cNvSpPr>
+          <p:nvPr>
+            <p:ph type="title"/>
+          </p:nvPr>
+        </p:nvSpPr>
+        <p:spPr/>
+        <p:txBody>
+          <a:bodyPr/>
+          <a:lstStyle/>
+          <a:p>
+            <a:r>
+              <a:rPr lang="pt-BR" dirty="0"/>
+              <a:t>Modelo preditivo: </a:t>
+            </a:r>
+            <a:r>
+              <a:rPr lang="pt-BR" dirty="0" err="1"/>
+              <a:t>naive</a:t>
+            </a:r>
+            <a:r>
+              <a:rPr lang="pt-BR" dirty="0"/>
+              <a:t> </a:t>
+            </a:r>
+            <a:r>
+              <a:rPr lang="pt-BR" dirty="0" err="1"/>
+              <a:t>bayes</a:t>
+            </a:r>
+            <a:endParaRPr lang="pt-BR" dirty="0"/>
+          </a:p>
+        </p:txBody>
+      </p:sp>
+      <p:sp>
+        <p:nvSpPr>
+          <p:cNvPr id="3" name="Espaço Reservado para Conteúdo 2"/>
+          <p:cNvSpPr>
+            <a:spLocks noGrp="1"/>
+          </p:cNvSpPr>
+          <p:nvPr>
+            <p:ph idx="1"/>
+          </p:nvPr>
+        </p:nvSpPr>
+        <p:spPr/>
+        <p:txBody>
+          <a:bodyPr/>
+          <a:lstStyle/>
+          <a:p>
+            <a:pPr marL="0" indent="0">
+              <a:buNone/>
+            </a:pPr>
+            <a:r>
+              <a:rPr lang="pt-BR" dirty="0" smtClean="0"/>
+              <a:t>Como bônus, o comando </a:t>
+            </a:r>
+            <a:r>
+              <a:rPr lang="pt-BR" dirty="0" err="1" smtClean="0"/>
+              <a:t>cut</a:t>
+            </a:r>
+            <a:r>
+              <a:rPr lang="pt-BR" dirty="0" smtClean="0"/>
+              <a:t> foi utilizado para agrupar valores e então testado novamente com os mesmos valores, porém tendo retorno mais assertivo:</a:t>
+            </a:r>
+            <a:endParaRPr lang="pt-BR" dirty="0"/>
+          </a:p>
+        </p:txBody>
+      </p:sp>
+      <p:pic>
+        <p:nvPicPr>
+          <p:cNvPr id="4" name="Imagem 3"/>
+          <p:cNvPicPr>
+            <a:picLocks noChangeAspect="1"/>
+          </p:cNvPicPr>
+          <p:nvPr/>
+        </p:nvPicPr>
+        <p:blipFill>
+          <a:blip r:embed="rId2"/>
+          <a:stretch>
+            <a:fillRect/>
+          </a:stretch>
+        </p:blipFill>
+        <p:spPr>
+          <a:xfrm>
+            <a:off x="838200" y="3171009"/>
+            <a:ext cx="4762500" cy="533400"/>
+          </a:xfrm>
+          <a:prstGeom prst="rect">
+            <a:avLst/>
+          </a:prstGeom>
+        </p:spPr>
+      </p:pic>
+      <p:pic>
+        <p:nvPicPr>
+          <p:cNvPr id="5" name="Imagem 4"/>
+          <p:cNvPicPr>
+            <a:picLocks noChangeAspect="1"/>
+          </p:cNvPicPr>
+          <p:nvPr/>
+        </p:nvPicPr>
+        <p:blipFill>
+          <a:blip r:embed="rId3"/>
+          <a:stretch>
+            <a:fillRect/>
+          </a:stretch>
+        </p:blipFill>
+        <p:spPr>
+          <a:xfrm>
+            <a:off x="838200" y="4001294"/>
+            <a:ext cx="6172200" cy="1285875"/>
+          </a:xfrm>
+          <a:prstGeom prst="rect">
+            <a:avLst/>
+          </a:prstGeom>
+        </p:spPr>
+      </p:pic>
+    </p:spTree>
+    <p:extLst>
+      <p:ext uri="{BB962C8B-B14F-4D97-AF65-F5344CB8AC3E}">
+        <p14:creationId xmlns:p14="http://schemas.microsoft.com/office/powerpoint/2010/main" val="2558945306"/>
+      </p:ext>
+    </p:extLst>
+  </p:cSld>
+  <p:clrMapOvr>
+    <a:masterClrMapping/>
+  </p:clrMapOvr>
+</p:sld>
+</file>
+
 <file path=ppt/slides/slide2.xml><?xml version="1.0" encoding="utf-8"?>
 <p:sld xmlns:a="http://schemas.openxmlformats.org/drawingml/2006/main" xmlns:r="http://schemas.openxmlformats.org/officeDocument/2006/relationships" xmlns:p="http://schemas.openxmlformats.org/presentationml/2006/main">
   <p:cSld>
@@ -3302,7 +4488,24 @@
               <a:rPr lang="pt-BR" dirty="0" smtClean="0"/>
               <a:t>Todos os scripts completos para desenvolvimento deste trabalho estão disponibilizados no repositório livre:</a:t>
             </a:r>
+          </a:p>
+          <a:p>
+            <a:pPr marL="0" indent="0">
+              <a:buNone/>
+            </a:pPr>
             <a:endParaRPr lang="pt-BR" dirty="0"/>
+          </a:p>
+          <a:p>
+            <a:pPr marL="0" indent="0">
+              <a:buNone/>
+            </a:pPr>
+            <a:r>
+              <a:rPr lang="pt-BR" sz="2400" dirty="0">
+                <a:hlinkClick r:id="rId2"/>
+              </a:rPr>
+              <a:t>https://github.com/padovese/academic-projects/tree/master/regressao</a:t>
+            </a:r>
+            <a:endParaRPr lang="pt-BR" sz="2400" dirty="0"/>
           </a:p>
         </p:txBody>
       </p:sp>
@@ -3323,6 +4526,212 @@
       </p:par>
     </p:tnLst>
   </p:timing>
+</p:sld>
+</file>
+
+<file path=ppt/slides/slide20.xml><?xml version="1.0" encoding="utf-8"?>
+<p:sld xmlns:a="http://schemas.openxmlformats.org/drawingml/2006/main" xmlns:r="http://schemas.openxmlformats.org/officeDocument/2006/relationships" xmlns:p="http://schemas.openxmlformats.org/presentationml/2006/main">
+  <p:cSld>
+    <p:spTree>
+      <p:nvGrpSpPr>
+        <p:cNvPr id="1" name=""/>
+        <p:cNvGrpSpPr/>
+        <p:nvPr/>
+      </p:nvGrpSpPr>
+      <p:grpSpPr>
+        <a:xfrm>
+          <a:off x="0" y="0"/>
+          <a:ext cx="0" cy="0"/>
+          <a:chOff x="0" y="0"/>
+          <a:chExt cx="0" cy="0"/>
+        </a:xfrm>
+      </p:grpSpPr>
+      <p:sp>
+        <p:nvSpPr>
+          <p:cNvPr id="2" name="Título 1"/>
+          <p:cNvSpPr>
+            <a:spLocks noGrp="1"/>
+          </p:cNvSpPr>
+          <p:nvPr>
+            <p:ph type="title"/>
+          </p:nvPr>
+        </p:nvSpPr>
+        <p:spPr/>
+        <p:txBody>
+          <a:bodyPr/>
+          <a:lstStyle/>
+          <a:p>
+            <a:r>
+              <a:rPr lang="pt-BR" dirty="0"/>
+              <a:t>Modelo preditivo: </a:t>
+            </a:r>
+            <a:r>
+              <a:rPr lang="pt-BR" dirty="0" err="1"/>
+              <a:t>naive</a:t>
+            </a:r>
+            <a:r>
+              <a:rPr lang="pt-BR" dirty="0"/>
+              <a:t> </a:t>
+            </a:r>
+            <a:r>
+              <a:rPr lang="pt-BR" dirty="0" err="1"/>
+              <a:t>bayes</a:t>
+            </a:r>
+            <a:endParaRPr lang="pt-BR" dirty="0"/>
+          </a:p>
+        </p:txBody>
+      </p:sp>
+      <p:sp>
+        <p:nvSpPr>
+          <p:cNvPr id="3" name="Espaço Reservado para Conteúdo 2"/>
+          <p:cNvSpPr>
+            <a:spLocks noGrp="1"/>
+          </p:cNvSpPr>
+          <p:nvPr>
+            <p:ph idx="1"/>
+          </p:nvPr>
+        </p:nvSpPr>
+        <p:spPr/>
+        <p:txBody>
+          <a:bodyPr/>
+          <a:lstStyle/>
+          <a:p>
+            <a:pPr marL="0" indent="0">
+              <a:buNone/>
+            </a:pPr>
+            <a:r>
+              <a:rPr lang="pt-BR" dirty="0" smtClean="0"/>
+              <a:t>Curva ROC gerada novamente: </a:t>
+            </a:r>
+            <a:endParaRPr lang="pt-BR" dirty="0"/>
+          </a:p>
+        </p:txBody>
+      </p:sp>
+      <p:pic>
+        <p:nvPicPr>
+          <p:cNvPr id="4" name="Imagem 3"/>
+          <p:cNvPicPr>
+            <a:picLocks noChangeAspect="1"/>
+          </p:cNvPicPr>
+          <p:nvPr/>
+        </p:nvPicPr>
+        <p:blipFill>
+          <a:blip r:embed="rId2"/>
+          <a:stretch>
+            <a:fillRect/>
+          </a:stretch>
+        </p:blipFill>
+        <p:spPr>
+          <a:xfrm>
+            <a:off x="2786742" y="2439939"/>
+            <a:ext cx="7184571" cy="4125726"/>
+          </a:xfrm>
+          <a:prstGeom prst="rect">
+            <a:avLst/>
+          </a:prstGeom>
+        </p:spPr>
+      </p:pic>
+    </p:spTree>
+    <p:extLst>
+      <p:ext uri="{BB962C8B-B14F-4D97-AF65-F5344CB8AC3E}">
+        <p14:creationId xmlns:p14="http://schemas.microsoft.com/office/powerpoint/2010/main" val="2199113831"/>
+      </p:ext>
+    </p:extLst>
+  </p:cSld>
+  <p:clrMapOvr>
+    <a:masterClrMapping/>
+  </p:clrMapOvr>
+</p:sld>
+</file>
+
+<file path=ppt/slides/slide21.xml><?xml version="1.0" encoding="utf-8"?>
+<p:sld xmlns:a="http://schemas.openxmlformats.org/drawingml/2006/main" xmlns:r="http://schemas.openxmlformats.org/officeDocument/2006/relationships" xmlns:p="http://schemas.openxmlformats.org/presentationml/2006/main">
+  <p:cSld>
+    <p:spTree>
+      <p:nvGrpSpPr>
+        <p:cNvPr id="1" name=""/>
+        <p:cNvGrpSpPr/>
+        <p:nvPr/>
+      </p:nvGrpSpPr>
+      <p:grpSpPr>
+        <a:xfrm>
+          <a:off x="0" y="0"/>
+          <a:ext cx="0" cy="0"/>
+          <a:chOff x="0" y="0"/>
+          <a:chExt cx="0" cy="0"/>
+        </a:xfrm>
+      </p:grpSpPr>
+      <p:sp>
+        <p:nvSpPr>
+          <p:cNvPr id="2" name="Título 1"/>
+          <p:cNvSpPr>
+            <a:spLocks noGrp="1"/>
+          </p:cNvSpPr>
+          <p:nvPr>
+            <p:ph type="title"/>
+          </p:nvPr>
+        </p:nvSpPr>
+        <p:spPr/>
+        <p:txBody>
+          <a:bodyPr/>
+          <a:lstStyle/>
+          <a:p>
+            <a:r>
+              <a:rPr lang="pt-BR" dirty="0" smtClean="0"/>
+              <a:t>Conclusão</a:t>
+            </a:r>
+            <a:endParaRPr lang="pt-BR" dirty="0"/>
+          </a:p>
+        </p:txBody>
+      </p:sp>
+      <p:sp>
+        <p:nvSpPr>
+          <p:cNvPr id="3" name="Espaço Reservado para Conteúdo 2"/>
+          <p:cNvSpPr>
+            <a:spLocks noGrp="1"/>
+          </p:cNvSpPr>
+          <p:nvPr>
+            <p:ph idx="1"/>
+          </p:nvPr>
+        </p:nvSpPr>
+        <p:spPr/>
+        <p:txBody>
+          <a:bodyPr/>
+          <a:lstStyle/>
+          <a:p>
+            <a:pPr marL="0" indent="0">
+              <a:buNone/>
+            </a:pPr>
+            <a:r>
+              <a:rPr lang="pt-BR" dirty="0" smtClean="0"/>
+              <a:t>Fazer conclusão e adicionar </a:t>
+            </a:r>
+            <a:r>
+              <a:rPr lang="pt-BR" dirty="0" err="1" smtClean="0"/>
+              <a:t>cross</a:t>
+            </a:r>
+            <a:r>
+              <a:rPr lang="pt-BR" dirty="0" smtClean="0"/>
+              <a:t> </a:t>
+            </a:r>
+            <a:r>
+              <a:rPr lang="pt-BR" dirty="0" err="1" smtClean="0"/>
+              <a:t>validation</a:t>
+            </a:r>
+            <a:endParaRPr lang="pt-BR" dirty="0"/>
+          </a:p>
+        </p:txBody>
+      </p:sp>
+    </p:spTree>
+    <p:extLst>
+      <p:ext uri="{BB962C8B-B14F-4D97-AF65-F5344CB8AC3E}">
+        <p14:creationId xmlns:p14="http://schemas.microsoft.com/office/powerpoint/2010/main" val="1428268646"/>
+      </p:ext>
+    </p:extLst>
+  </p:cSld>
+  <p:clrMapOvr>
+    <a:masterClrMapping/>
+  </p:clrMapOvr>
 </p:sld>
 </file>
 
@@ -3698,23 +5107,39 @@
             </a:pPr>
             <a:r>
               <a:rPr lang="pt-BR" dirty="0" smtClean="0"/>
-              <a:t>Utilizar os modelos preditivos de regressão logística e </a:t>
+              <a:t>Utilizar os modelos preditivos de regressão </a:t>
+            </a:r>
+            <a:r>
+              <a:rPr lang="pt-BR" dirty="0" smtClean="0"/>
+              <a:t>logística, arvore </a:t>
+            </a:r>
+            <a:r>
+              <a:rPr lang="pt-BR" dirty="0"/>
+              <a:t>de decisão e </a:t>
+            </a:r>
+            <a:r>
+              <a:rPr lang="pt-BR" dirty="0" err="1"/>
+              <a:t>naive</a:t>
+            </a:r>
+            <a:r>
+              <a:rPr lang="pt-BR" dirty="0"/>
+              <a:t> </a:t>
             </a:r>
             <a:r>
               <a:rPr lang="pt-BR" dirty="0" err="1" smtClean="0"/>
-              <a:t>random</a:t>
+              <a:t>bayes</a:t>
             </a:r>
             <a:r>
               <a:rPr lang="pt-BR" dirty="0" smtClean="0"/>
-              <a:t> </a:t>
-            </a:r>
-            <a:r>
-              <a:rPr lang="pt-BR" dirty="0" err="1" smtClean="0"/>
-              <a:t>forest</a:t>
+              <a:t> para </a:t>
             </a:r>
             <a:r>
               <a:rPr lang="pt-BR" dirty="0" smtClean="0"/>
-              <a:t> para predizer a saída de novos registros e assim poder identificar padrões e novas fraudes.</a:t>
+              <a:t>predizer a saída de novos registros e assim poder identificar padrões e novas fraudes</a:t>
+            </a:r>
+            <a:r>
+              <a:rPr lang="pt-BR" dirty="0" smtClean="0"/>
+              <a:t>.</a:t>
             </a:r>
             <a:endParaRPr lang="pt-BR" dirty="0"/>
           </a:p>
@@ -3947,7 +5372,7 @@
             </a:pPr>
             <a:r>
               <a:rPr lang="pt-BR" dirty="0" smtClean="0"/>
-              <a:t>O modelo foi treinado em 70% para treinamento e 30% para teste:</a:t>
+              <a:t>O modelo foi separado em teste e treino:</a:t>
             </a:r>
           </a:p>
           <a:p>
@@ -4100,8 +5525,9 @@
           <a:p>
             <a:r>
               <a:rPr lang="pt-BR" dirty="0" smtClean="0"/>
-              <a:t>Output:</a:t>
-            </a:r>
+              <a:t>Exploração do dado:</a:t>
+            </a:r>
+            <a:endParaRPr lang="pt-BR" dirty="0" smtClean="0"/>
           </a:p>
           <a:p>
             <a:endParaRPr lang="pt-BR" dirty="0"/>

--- a/regressao/apresentacao.pptx
+++ b/regressao/apresentacao.pptx
@@ -25,7 +25,9 @@
     <p:sldId id="273" r:id="rId19"/>
     <p:sldId id="274" r:id="rId20"/>
     <p:sldId id="275" r:id="rId21"/>
-    <p:sldId id="276" r:id="rId22"/>
+    <p:sldId id="277" r:id="rId22"/>
+    <p:sldId id="278" r:id="rId23"/>
+    <p:sldId id="276" r:id="rId24"/>
   </p:sldIdLst>
   <p:sldSz cx="12192000" cy="6858000"/>
   <p:notesSz cx="6858000" cy="9144000"/>
@@ -263,7 +265,7 @@
           <a:p>
             <a:fld id="{483151B9-E384-44C8-A2FA-5C914BD11DE6}" type="datetimeFigureOut">
               <a:rPr lang="pt-BR" smtClean="0"/>
-              <a:t>30/04/2018</a:t>
+              <a:t>02/05/2018</a:t>
             </a:fld>
             <a:endParaRPr lang="pt-BR"/>
           </a:p>
@@ -433,7 +435,7 @@
           <a:p>
             <a:fld id="{483151B9-E384-44C8-A2FA-5C914BD11DE6}" type="datetimeFigureOut">
               <a:rPr lang="pt-BR" smtClean="0"/>
-              <a:t>30/04/2018</a:t>
+              <a:t>02/05/2018</a:t>
             </a:fld>
             <a:endParaRPr lang="pt-BR"/>
           </a:p>
@@ -613,7 +615,7 @@
           <a:p>
             <a:fld id="{483151B9-E384-44C8-A2FA-5C914BD11DE6}" type="datetimeFigureOut">
               <a:rPr lang="pt-BR" smtClean="0"/>
-              <a:t>30/04/2018</a:t>
+              <a:t>02/05/2018</a:t>
             </a:fld>
             <a:endParaRPr lang="pt-BR"/>
           </a:p>
@@ -783,7 +785,7 @@
           <a:p>
             <a:fld id="{483151B9-E384-44C8-A2FA-5C914BD11DE6}" type="datetimeFigureOut">
               <a:rPr lang="pt-BR" smtClean="0"/>
-              <a:t>30/04/2018</a:t>
+              <a:t>02/05/2018</a:t>
             </a:fld>
             <a:endParaRPr lang="pt-BR"/>
           </a:p>
@@ -1029,7 +1031,7 @@
           <a:p>
             <a:fld id="{483151B9-E384-44C8-A2FA-5C914BD11DE6}" type="datetimeFigureOut">
               <a:rPr lang="pt-BR" smtClean="0"/>
-              <a:t>30/04/2018</a:t>
+              <a:t>02/05/2018</a:t>
             </a:fld>
             <a:endParaRPr lang="pt-BR"/>
           </a:p>
@@ -1261,7 +1263,7 @@
           <a:p>
             <a:fld id="{483151B9-E384-44C8-A2FA-5C914BD11DE6}" type="datetimeFigureOut">
               <a:rPr lang="pt-BR" smtClean="0"/>
-              <a:t>30/04/2018</a:t>
+              <a:t>02/05/2018</a:t>
             </a:fld>
             <a:endParaRPr lang="pt-BR"/>
           </a:p>
@@ -1628,7 +1630,7 @@
           <a:p>
             <a:fld id="{483151B9-E384-44C8-A2FA-5C914BD11DE6}" type="datetimeFigureOut">
               <a:rPr lang="pt-BR" smtClean="0"/>
-              <a:t>30/04/2018</a:t>
+              <a:t>02/05/2018</a:t>
             </a:fld>
             <a:endParaRPr lang="pt-BR"/>
           </a:p>
@@ -1746,7 +1748,7 @@
           <a:p>
             <a:fld id="{483151B9-E384-44C8-A2FA-5C914BD11DE6}" type="datetimeFigureOut">
               <a:rPr lang="pt-BR" smtClean="0"/>
-              <a:t>30/04/2018</a:t>
+              <a:t>02/05/2018</a:t>
             </a:fld>
             <a:endParaRPr lang="pt-BR"/>
           </a:p>
@@ -1841,7 +1843,7 @@
           <a:p>
             <a:fld id="{483151B9-E384-44C8-A2FA-5C914BD11DE6}" type="datetimeFigureOut">
               <a:rPr lang="pt-BR" smtClean="0"/>
-              <a:t>30/04/2018</a:t>
+              <a:t>02/05/2018</a:t>
             </a:fld>
             <a:endParaRPr lang="pt-BR"/>
           </a:p>
@@ -2118,7 +2120,7 @@
           <a:p>
             <a:fld id="{483151B9-E384-44C8-A2FA-5C914BD11DE6}" type="datetimeFigureOut">
               <a:rPr lang="pt-BR" smtClean="0"/>
-              <a:t>30/04/2018</a:t>
+              <a:t>02/05/2018</a:t>
             </a:fld>
             <a:endParaRPr lang="pt-BR"/>
           </a:p>
@@ -2371,7 +2373,7 @@
           <a:p>
             <a:fld id="{483151B9-E384-44C8-A2FA-5C914BD11DE6}" type="datetimeFigureOut">
               <a:rPr lang="pt-BR" smtClean="0"/>
-              <a:t>30/04/2018</a:t>
+              <a:t>02/05/2018</a:t>
             </a:fld>
             <a:endParaRPr lang="pt-BR"/>
           </a:p>
@@ -2584,7 +2586,7 @@
           <a:p>
             <a:fld id="{483151B9-E384-44C8-A2FA-5C914BD11DE6}" type="datetimeFigureOut">
               <a:rPr lang="pt-BR" smtClean="0"/>
-              <a:t>30/04/2018</a:t>
+              <a:t>02/05/2018</a:t>
             </a:fld>
             <a:endParaRPr lang="pt-BR"/>
           </a:p>
@@ -3134,7 +3136,6 @@
               <a:rPr lang="pt-BR" dirty="0" smtClean="0"/>
               <a:t>Resultado:</a:t>
             </a:r>
-            <a:endParaRPr lang="pt-BR" dirty="0" smtClean="0"/>
           </a:p>
           <a:p>
             <a:pPr marL="0" indent="0">
@@ -4359,7 +4360,11 @@
             </a:r>
             <a:r>
               <a:rPr lang="pt-BR" dirty="0" smtClean="0"/>
-              <a:t> foi utilizado para agrupar valores e então testado novamente com os mesmos valores, porém tendo retorno mais assertivo:</a:t>
+              <a:t>(20) </a:t>
+            </a:r>
+            <a:r>
+              <a:rPr lang="pt-BR" dirty="0" smtClean="0"/>
+              <a:t>foi utilizado para agrupar valores e então testado novamente com os mesmos valores, porém tendo retorno mais assertivo:</a:t>
             </a:r>
             <a:endParaRPr lang="pt-BR" dirty="0"/>
           </a:p>
@@ -4677,6 +4682,268 @@
           <a:lstStyle/>
           <a:p>
             <a:r>
+              <a:rPr lang="pt-BR" dirty="0"/>
+              <a:t>Modelo preditivo: </a:t>
+            </a:r>
+            <a:r>
+              <a:rPr lang="pt-BR" dirty="0" err="1"/>
+              <a:t>naive</a:t>
+            </a:r>
+            <a:r>
+              <a:rPr lang="pt-BR" dirty="0"/>
+              <a:t> </a:t>
+            </a:r>
+            <a:r>
+              <a:rPr lang="pt-BR" dirty="0" err="1"/>
+              <a:t>bayes</a:t>
+            </a:r>
+            <a:endParaRPr lang="pt-BR" dirty="0"/>
+          </a:p>
+        </p:txBody>
+      </p:sp>
+      <p:sp>
+        <p:nvSpPr>
+          <p:cNvPr id="3" name="Espaço Reservado para Conteúdo 2"/>
+          <p:cNvSpPr>
+            <a:spLocks noGrp="1"/>
+          </p:cNvSpPr>
+          <p:nvPr>
+            <p:ph idx="1"/>
+          </p:nvPr>
+        </p:nvSpPr>
+        <p:spPr/>
+        <p:txBody>
+          <a:bodyPr/>
+          <a:lstStyle/>
+          <a:p>
+            <a:pPr marL="0" indent="0">
+              <a:buNone/>
+            </a:pPr>
+            <a:r>
+              <a:rPr lang="pt-BR" dirty="0" smtClean="0"/>
+              <a:t>Utilizando o </a:t>
+            </a:r>
+            <a:r>
+              <a:rPr lang="pt-BR" dirty="0" err="1" smtClean="0"/>
+              <a:t>cut</a:t>
+            </a:r>
+            <a:r>
+              <a:rPr lang="pt-BR" dirty="0" smtClean="0"/>
+              <a:t>(100) obtivemos um resultado ainda melhor:</a:t>
+            </a:r>
+            <a:endParaRPr lang="pt-BR" dirty="0"/>
+          </a:p>
+        </p:txBody>
+      </p:sp>
+      <p:pic>
+        <p:nvPicPr>
+          <p:cNvPr id="4" name="Imagem 3"/>
+          <p:cNvPicPr>
+            <a:picLocks noChangeAspect="1"/>
+          </p:cNvPicPr>
+          <p:nvPr/>
+        </p:nvPicPr>
+        <p:blipFill>
+          <a:blip r:embed="rId2"/>
+          <a:stretch>
+            <a:fillRect/>
+          </a:stretch>
+        </p:blipFill>
+        <p:spPr>
+          <a:xfrm>
+            <a:off x="909637" y="2433093"/>
+            <a:ext cx="4886325" cy="581025"/>
+          </a:xfrm>
+          <a:prstGeom prst="rect">
+            <a:avLst/>
+          </a:prstGeom>
+        </p:spPr>
+      </p:pic>
+      <p:pic>
+        <p:nvPicPr>
+          <p:cNvPr id="5" name="Imagem 4"/>
+          <p:cNvPicPr>
+            <a:picLocks noChangeAspect="1"/>
+          </p:cNvPicPr>
+          <p:nvPr/>
+        </p:nvPicPr>
+        <p:blipFill>
+          <a:blip r:embed="rId3"/>
+          <a:stretch>
+            <a:fillRect/>
+          </a:stretch>
+        </p:blipFill>
+        <p:spPr>
+          <a:xfrm>
+            <a:off x="909637" y="3396456"/>
+            <a:ext cx="6162675" cy="1209675"/>
+          </a:xfrm>
+          <a:prstGeom prst="rect">
+            <a:avLst/>
+          </a:prstGeom>
+        </p:spPr>
+      </p:pic>
+    </p:spTree>
+    <p:extLst>
+      <p:ext uri="{BB962C8B-B14F-4D97-AF65-F5344CB8AC3E}">
+        <p14:creationId xmlns:p14="http://schemas.microsoft.com/office/powerpoint/2010/main" val="2704164687"/>
+      </p:ext>
+    </p:extLst>
+  </p:cSld>
+  <p:clrMapOvr>
+    <a:masterClrMapping/>
+  </p:clrMapOvr>
+</p:sld>
+</file>
+
+<file path=ppt/slides/slide22.xml><?xml version="1.0" encoding="utf-8"?>
+<p:sld xmlns:a="http://schemas.openxmlformats.org/drawingml/2006/main" xmlns:r="http://schemas.openxmlformats.org/officeDocument/2006/relationships" xmlns:p="http://schemas.openxmlformats.org/presentationml/2006/main">
+  <p:cSld>
+    <p:spTree>
+      <p:nvGrpSpPr>
+        <p:cNvPr id="1" name=""/>
+        <p:cNvGrpSpPr/>
+        <p:nvPr/>
+      </p:nvGrpSpPr>
+      <p:grpSpPr>
+        <a:xfrm>
+          <a:off x="0" y="0"/>
+          <a:ext cx="0" cy="0"/>
+          <a:chOff x="0" y="0"/>
+          <a:chExt cx="0" cy="0"/>
+        </a:xfrm>
+      </p:grpSpPr>
+      <p:sp>
+        <p:nvSpPr>
+          <p:cNvPr id="2" name="Título 1"/>
+          <p:cNvSpPr>
+            <a:spLocks noGrp="1"/>
+          </p:cNvSpPr>
+          <p:nvPr>
+            <p:ph type="title"/>
+          </p:nvPr>
+        </p:nvSpPr>
+        <p:spPr/>
+        <p:txBody>
+          <a:bodyPr/>
+          <a:lstStyle/>
+          <a:p>
+            <a:r>
+              <a:rPr lang="pt-BR" dirty="0"/>
+              <a:t>Modelo preditivo: </a:t>
+            </a:r>
+            <a:r>
+              <a:rPr lang="pt-BR" dirty="0" err="1"/>
+              <a:t>naive</a:t>
+            </a:r>
+            <a:r>
+              <a:rPr lang="pt-BR" dirty="0"/>
+              <a:t> </a:t>
+            </a:r>
+            <a:r>
+              <a:rPr lang="pt-BR" dirty="0" err="1"/>
+              <a:t>bayes</a:t>
+            </a:r>
+            <a:endParaRPr lang="pt-BR" dirty="0"/>
+          </a:p>
+        </p:txBody>
+      </p:sp>
+      <p:sp>
+        <p:nvSpPr>
+          <p:cNvPr id="3" name="Espaço Reservado para Conteúdo 2"/>
+          <p:cNvSpPr>
+            <a:spLocks noGrp="1"/>
+          </p:cNvSpPr>
+          <p:nvPr>
+            <p:ph idx="1"/>
+          </p:nvPr>
+        </p:nvSpPr>
+        <p:spPr/>
+        <p:txBody>
+          <a:bodyPr/>
+          <a:lstStyle/>
+          <a:p>
+            <a:pPr marL="0" indent="0">
+              <a:buNone/>
+            </a:pPr>
+            <a:r>
+              <a:rPr lang="pt-BR" dirty="0" smtClean="0"/>
+              <a:t>Curva ROC gerada novamente: </a:t>
+            </a:r>
+            <a:endParaRPr lang="pt-BR" dirty="0"/>
+          </a:p>
+        </p:txBody>
+      </p:sp>
+      <p:pic>
+        <p:nvPicPr>
+          <p:cNvPr id="5" name="Imagem 4"/>
+          <p:cNvPicPr>
+            <a:picLocks noChangeAspect="1"/>
+          </p:cNvPicPr>
+          <p:nvPr/>
+        </p:nvPicPr>
+        <p:blipFill>
+          <a:blip r:embed="rId2"/>
+          <a:stretch>
+            <a:fillRect/>
+          </a:stretch>
+        </p:blipFill>
+        <p:spPr>
+          <a:xfrm>
+            <a:off x="2647406" y="2583424"/>
+            <a:ext cx="6552519" cy="3728476"/>
+          </a:xfrm>
+          <a:prstGeom prst="rect">
+            <a:avLst/>
+          </a:prstGeom>
+        </p:spPr>
+      </p:pic>
+    </p:spTree>
+    <p:extLst>
+      <p:ext uri="{BB962C8B-B14F-4D97-AF65-F5344CB8AC3E}">
+        <p14:creationId xmlns:p14="http://schemas.microsoft.com/office/powerpoint/2010/main" val="1874684301"/>
+      </p:ext>
+    </p:extLst>
+  </p:cSld>
+  <p:clrMapOvr>
+    <a:masterClrMapping/>
+  </p:clrMapOvr>
+</p:sld>
+</file>
+
+<file path=ppt/slides/slide23.xml><?xml version="1.0" encoding="utf-8"?>
+<p:sld xmlns:a="http://schemas.openxmlformats.org/drawingml/2006/main" xmlns:r="http://schemas.openxmlformats.org/officeDocument/2006/relationships" xmlns:p="http://schemas.openxmlformats.org/presentationml/2006/main">
+  <p:cSld>
+    <p:spTree>
+      <p:nvGrpSpPr>
+        <p:cNvPr id="1" name=""/>
+        <p:cNvGrpSpPr/>
+        <p:nvPr/>
+      </p:nvGrpSpPr>
+      <p:grpSpPr>
+        <a:xfrm>
+          <a:off x="0" y="0"/>
+          <a:ext cx="0" cy="0"/>
+          <a:chOff x="0" y="0"/>
+          <a:chExt cx="0" cy="0"/>
+        </a:xfrm>
+      </p:grpSpPr>
+      <p:sp>
+        <p:nvSpPr>
+          <p:cNvPr id="2" name="Título 1"/>
+          <p:cNvSpPr>
+            <a:spLocks noGrp="1"/>
+          </p:cNvSpPr>
+          <p:nvPr>
+            <p:ph type="title"/>
+          </p:nvPr>
+        </p:nvSpPr>
+        <p:spPr/>
+        <p:txBody>
+          <a:bodyPr/>
+          <a:lstStyle/>
+          <a:p>
+            <a:r>
               <a:rPr lang="pt-BR" dirty="0" smtClean="0"/>
               <a:t>Conclusão</a:t>
             </a:r>
@@ -5107,11 +5374,7 @@
             </a:pPr>
             <a:r>
               <a:rPr lang="pt-BR" dirty="0" smtClean="0"/>
-              <a:t>Utilizar os modelos preditivos de regressão </a:t>
-            </a:r>
-            <a:r>
-              <a:rPr lang="pt-BR" dirty="0" smtClean="0"/>
-              <a:t>logística, arvore </a:t>
+              <a:t>Utilizar os modelos preditivos de regressão logística, arvore </a:t>
             </a:r>
             <a:r>
               <a:rPr lang="pt-BR" dirty="0"/>
@@ -5131,15 +5394,7 @@
             </a:r>
             <a:r>
               <a:rPr lang="pt-BR" dirty="0" smtClean="0"/>
-              <a:t> para </a:t>
-            </a:r>
-            <a:r>
-              <a:rPr lang="pt-BR" dirty="0" smtClean="0"/>
-              <a:t>predizer a saída de novos registros e assim poder identificar padrões e novas fraudes</a:t>
-            </a:r>
-            <a:r>
-              <a:rPr lang="pt-BR" dirty="0" smtClean="0"/>
-              <a:t>.</a:t>
+              <a:t> para predizer a saída de novos registros e assim poder identificar padrões e novas fraudes.</a:t>
             </a:r>
             <a:endParaRPr lang="pt-BR" dirty="0"/>
           </a:p>
@@ -5527,7 +5782,6 @@
               <a:rPr lang="pt-BR" dirty="0" smtClean="0"/>
               <a:t>Exploração do dado:</a:t>
             </a:r>
-            <a:endParaRPr lang="pt-BR" dirty="0" smtClean="0"/>
           </a:p>
           <a:p>
             <a:endParaRPr lang="pt-BR" dirty="0"/>

--- a/regressao/apresentacao.pptx
+++ b/regressao/apresentacao.pptx
@@ -10,24 +10,35 @@
     <p:sldId id="258" r:id="rId4"/>
     <p:sldId id="257" r:id="rId5"/>
     <p:sldId id="260" r:id="rId6"/>
-    <p:sldId id="259" r:id="rId7"/>
-    <p:sldId id="261" r:id="rId8"/>
-    <p:sldId id="264" r:id="rId9"/>
-    <p:sldId id="263" r:id="rId10"/>
-    <p:sldId id="262" r:id="rId11"/>
-    <p:sldId id="266" r:id="rId12"/>
-    <p:sldId id="267" r:id="rId13"/>
-    <p:sldId id="268" r:id="rId14"/>
-    <p:sldId id="269" r:id="rId15"/>
-    <p:sldId id="270" r:id="rId16"/>
-    <p:sldId id="271" r:id="rId17"/>
-    <p:sldId id="272" r:id="rId18"/>
-    <p:sldId id="273" r:id="rId19"/>
-    <p:sldId id="274" r:id="rId20"/>
-    <p:sldId id="275" r:id="rId21"/>
-    <p:sldId id="277" r:id="rId22"/>
-    <p:sldId id="278" r:id="rId23"/>
-    <p:sldId id="276" r:id="rId24"/>
+    <p:sldId id="286" r:id="rId7"/>
+    <p:sldId id="285" r:id="rId8"/>
+    <p:sldId id="287" r:id="rId9"/>
+    <p:sldId id="259" r:id="rId10"/>
+    <p:sldId id="261" r:id="rId11"/>
+    <p:sldId id="264" r:id="rId12"/>
+    <p:sldId id="263" r:id="rId13"/>
+    <p:sldId id="262" r:id="rId14"/>
+    <p:sldId id="279" r:id="rId15"/>
+    <p:sldId id="281" r:id="rId16"/>
+    <p:sldId id="280" r:id="rId17"/>
+    <p:sldId id="282" r:id="rId18"/>
+    <p:sldId id="283" r:id="rId19"/>
+    <p:sldId id="284" r:id="rId20"/>
+    <p:sldId id="266" r:id="rId21"/>
+    <p:sldId id="267" r:id="rId22"/>
+    <p:sldId id="268" r:id="rId23"/>
+    <p:sldId id="269" r:id="rId24"/>
+    <p:sldId id="270" r:id="rId25"/>
+    <p:sldId id="271" r:id="rId26"/>
+    <p:sldId id="272" r:id="rId27"/>
+    <p:sldId id="273" r:id="rId28"/>
+    <p:sldId id="274" r:id="rId29"/>
+    <p:sldId id="275" r:id="rId30"/>
+    <p:sldId id="277" r:id="rId31"/>
+    <p:sldId id="278" r:id="rId32"/>
+    <p:sldId id="288" r:id="rId33"/>
+    <p:sldId id="289" r:id="rId34"/>
+    <p:sldId id="276" r:id="rId35"/>
   </p:sldIdLst>
   <p:sldSz cx="12192000" cy="6858000"/>
   <p:notesSz cx="6858000" cy="9144000"/>
@@ -128,7 +139,7 @@
   </p:defaultTextStyle>
   <p:extLst>
     <p:ext uri="{EFAFB233-063F-42B5-8137-9DF3F51BA10A}">
-      <p15:sldGuideLst xmlns:p15="http://schemas.microsoft.com/office/powerpoint/2012/main"/>
+      <p15:sldGuideLst xmlns:p15="http://schemas.microsoft.com/office/powerpoint/2012/main" xmlns=""/>
     </p:ext>
   </p:extLst>
 </p:presentation>
@@ -267,7 +278,7 @@
               <a:rPr lang="pt-BR" smtClean="0"/>
               <a:t>02/05/2018</a:t>
             </a:fld>
-            <a:endParaRPr lang="pt-BR"/>
+            <a:endParaRPr lang="pt-BR" dirty="0"/>
           </a:p>
         </p:txBody>
       </p:sp>
@@ -286,7 +297,7 @@
           <a:bodyPr/>
           <a:lstStyle/>
           <a:p>
-            <a:endParaRPr lang="pt-BR"/>
+            <a:endParaRPr lang="pt-BR" dirty="0"/>
           </a:p>
         </p:txBody>
       </p:sp>
@@ -309,7 +320,7 @@
               <a:rPr lang="pt-BR" smtClean="0"/>
               <a:t>‹nº›</a:t>
             </a:fld>
-            <a:endParaRPr lang="pt-BR"/>
+            <a:endParaRPr lang="pt-BR" dirty="0"/>
           </a:p>
         </p:txBody>
       </p:sp>
@@ -437,7 +448,7 @@
               <a:rPr lang="pt-BR" smtClean="0"/>
               <a:t>02/05/2018</a:t>
             </a:fld>
-            <a:endParaRPr lang="pt-BR"/>
+            <a:endParaRPr lang="pt-BR" dirty="0"/>
           </a:p>
         </p:txBody>
       </p:sp>
@@ -456,7 +467,7 @@
           <a:bodyPr/>
           <a:lstStyle/>
           <a:p>
-            <a:endParaRPr lang="pt-BR"/>
+            <a:endParaRPr lang="pt-BR" dirty="0"/>
           </a:p>
         </p:txBody>
       </p:sp>
@@ -479,7 +490,7 @@
               <a:rPr lang="pt-BR" smtClean="0"/>
               <a:t>‹nº›</a:t>
             </a:fld>
-            <a:endParaRPr lang="pt-BR"/>
+            <a:endParaRPr lang="pt-BR" dirty="0"/>
           </a:p>
         </p:txBody>
       </p:sp>
@@ -617,7 +628,7 @@
               <a:rPr lang="pt-BR" smtClean="0"/>
               <a:t>02/05/2018</a:t>
             </a:fld>
-            <a:endParaRPr lang="pt-BR"/>
+            <a:endParaRPr lang="pt-BR" dirty="0"/>
           </a:p>
         </p:txBody>
       </p:sp>
@@ -636,7 +647,7 @@
           <a:bodyPr/>
           <a:lstStyle/>
           <a:p>
-            <a:endParaRPr lang="pt-BR"/>
+            <a:endParaRPr lang="pt-BR" dirty="0"/>
           </a:p>
         </p:txBody>
       </p:sp>
@@ -659,7 +670,7 @@
               <a:rPr lang="pt-BR" smtClean="0"/>
               <a:t>‹nº›</a:t>
             </a:fld>
-            <a:endParaRPr lang="pt-BR"/>
+            <a:endParaRPr lang="pt-BR" dirty="0"/>
           </a:p>
         </p:txBody>
       </p:sp>
@@ -787,7 +798,7 @@
               <a:rPr lang="pt-BR" smtClean="0"/>
               <a:t>02/05/2018</a:t>
             </a:fld>
-            <a:endParaRPr lang="pt-BR"/>
+            <a:endParaRPr lang="pt-BR" dirty="0"/>
           </a:p>
         </p:txBody>
       </p:sp>
@@ -806,7 +817,7 @@
           <a:bodyPr/>
           <a:lstStyle/>
           <a:p>
-            <a:endParaRPr lang="pt-BR"/>
+            <a:endParaRPr lang="pt-BR" dirty="0"/>
           </a:p>
         </p:txBody>
       </p:sp>
@@ -829,7 +840,7 @@
               <a:rPr lang="pt-BR" smtClean="0"/>
               <a:t>‹nº›</a:t>
             </a:fld>
-            <a:endParaRPr lang="pt-BR"/>
+            <a:endParaRPr lang="pt-BR" dirty="0"/>
           </a:p>
         </p:txBody>
       </p:sp>
@@ -1033,7 +1044,7 @@
               <a:rPr lang="pt-BR" smtClean="0"/>
               <a:t>02/05/2018</a:t>
             </a:fld>
-            <a:endParaRPr lang="pt-BR"/>
+            <a:endParaRPr lang="pt-BR" dirty="0"/>
           </a:p>
         </p:txBody>
       </p:sp>
@@ -1052,7 +1063,7 @@
           <a:bodyPr/>
           <a:lstStyle/>
           <a:p>
-            <a:endParaRPr lang="pt-BR"/>
+            <a:endParaRPr lang="pt-BR" dirty="0"/>
           </a:p>
         </p:txBody>
       </p:sp>
@@ -1075,7 +1086,7 @@
               <a:rPr lang="pt-BR" smtClean="0"/>
               <a:t>‹nº›</a:t>
             </a:fld>
-            <a:endParaRPr lang="pt-BR"/>
+            <a:endParaRPr lang="pt-BR" dirty="0"/>
           </a:p>
         </p:txBody>
       </p:sp>
@@ -1265,7 +1276,7 @@
               <a:rPr lang="pt-BR" smtClean="0"/>
               <a:t>02/05/2018</a:t>
             </a:fld>
-            <a:endParaRPr lang="pt-BR"/>
+            <a:endParaRPr lang="pt-BR" dirty="0"/>
           </a:p>
         </p:txBody>
       </p:sp>
@@ -1284,7 +1295,7 @@
           <a:bodyPr/>
           <a:lstStyle/>
           <a:p>
-            <a:endParaRPr lang="pt-BR"/>
+            <a:endParaRPr lang="pt-BR" dirty="0"/>
           </a:p>
         </p:txBody>
       </p:sp>
@@ -1307,7 +1318,7 @@
               <a:rPr lang="pt-BR" smtClean="0"/>
               <a:t>‹nº›</a:t>
             </a:fld>
-            <a:endParaRPr lang="pt-BR"/>
+            <a:endParaRPr lang="pt-BR" dirty="0"/>
           </a:p>
         </p:txBody>
       </p:sp>
@@ -1632,7 +1643,7 @@
               <a:rPr lang="pt-BR" smtClean="0"/>
               <a:t>02/05/2018</a:t>
             </a:fld>
-            <a:endParaRPr lang="pt-BR"/>
+            <a:endParaRPr lang="pt-BR" dirty="0"/>
           </a:p>
         </p:txBody>
       </p:sp>
@@ -1651,7 +1662,7 @@
           <a:bodyPr/>
           <a:lstStyle/>
           <a:p>
-            <a:endParaRPr lang="pt-BR"/>
+            <a:endParaRPr lang="pt-BR" dirty="0"/>
           </a:p>
         </p:txBody>
       </p:sp>
@@ -1674,7 +1685,7 @@
               <a:rPr lang="pt-BR" smtClean="0"/>
               <a:t>‹nº›</a:t>
             </a:fld>
-            <a:endParaRPr lang="pt-BR"/>
+            <a:endParaRPr lang="pt-BR" dirty="0"/>
           </a:p>
         </p:txBody>
       </p:sp>
@@ -1750,7 +1761,7 @@
               <a:rPr lang="pt-BR" smtClean="0"/>
               <a:t>02/05/2018</a:t>
             </a:fld>
-            <a:endParaRPr lang="pt-BR"/>
+            <a:endParaRPr lang="pt-BR" dirty="0"/>
           </a:p>
         </p:txBody>
       </p:sp>
@@ -1769,7 +1780,7 @@
           <a:bodyPr/>
           <a:lstStyle/>
           <a:p>
-            <a:endParaRPr lang="pt-BR"/>
+            <a:endParaRPr lang="pt-BR" dirty="0"/>
           </a:p>
         </p:txBody>
       </p:sp>
@@ -1792,7 +1803,7 @@
               <a:rPr lang="pt-BR" smtClean="0"/>
               <a:t>‹nº›</a:t>
             </a:fld>
-            <a:endParaRPr lang="pt-BR"/>
+            <a:endParaRPr lang="pt-BR" dirty="0"/>
           </a:p>
         </p:txBody>
       </p:sp>
@@ -1845,7 +1856,7 @@
               <a:rPr lang="pt-BR" smtClean="0"/>
               <a:t>02/05/2018</a:t>
             </a:fld>
-            <a:endParaRPr lang="pt-BR"/>
+            <a:endParaRPr lang="pt-BR" dirty="0"/>
           </a:p>
         </p:txBody>
       </p:sp>
@@ -1864,7 +1875,7 @@
           <a:bodyPr/>
           <a:lstStyle/>
           <a:p>
-            <a:endParaRPr lang="pt-BR"/>
+            <a:endParaRPr lang="pt-BR" dirty="0"/>
           </a:p>
         </p:txBody>
       </p:sp>
@@ -1887,7 +1898,7 @@
               <a:rPr lang="pt-BR" smtClean="0"/>
               <a:t>‹nº›</a:t>
             </a:fld>
-            <a:endParaRPr lang="pt-BR"/>
+            <a:endParaRPr lang="pt-BR" dirty="0"/>
           </a:p>
         </p:txBody>
       </p:sp>
@@ -2122,7 +2133,7 @@
               <a:rPr lang="pt-BR" smtClean="0"/>
               <a:t>02/05/2018</a:t>
             </a:fld>
-            <a:endParaRPr lang="pt-BR"/>
+            <a:endParaRPr lang="pt-BR" dirty="0"/>
           </a:p>
         </p:txBody>
       </p:sp>
@@ -2141,7 +2152,7 @@
           <a:bodyPr/>
           <a:lstStyle/>
           <a:p>
-            <a:endParaRPr lang="pt-BR"/>
+            <a:endParaRPr lang="pt-BR" dirty="0"/>
           </a:p>
         </p:txBody>
       </p:sp>
@@ -2164,7 +2175,7 @@
               <a:rPr lang="pt-BR" smtClean="0"/>
               <a:t>‹nº›</a:t>
             </a:fld>
-            <a:endParaRPr lang="pt-BR"/>
+            <a:endParaRPr lang="pt-BR" dirty="0"/>
           </a:p>
         </p:txBody>
       </p:sp>
@@ -2287,7 +2298,7 @@
             </a:lvl9pPr>
           </a:lstStyle>
           <a:p>
-            <a:endParaRPr lang="pt-BR"/>
+            <a:endParaRPr lang="pt-BR" dirty="0"/>
           </a:p>
         </p:txBody>
       </p:sp>
@@ -2375,7 +2386,7 @@
               <a:rPr lang="pt-BR" smtClean="0"/>
               <a:t>02/05/2018</a:t>
             </a:fld>
-            <a:endParaRPr lang="pt-BR"/>
+            <a:endParaRPr lang="pt-BR" dirty="0"/>
           </a:p>
         </p:txBody>
       </p:sp>
@@ -2394,7 +2405,7 @@
           <a:bodyPr/>
           <a:lstStyle/>
           <a:p>
-            <a:endParaRPr lang="pt-BR"/>
+            <a:endParaRPr lang="pt-BR" dirty="0"/>
           </a:p>
         </p:txBody>
       </p:sp>
@@ -2417,7 +2428,7 @@
               <a:rPr lang="pt-BR" smtClean="0"/>
               <a:t>‹nº›</a:t>
             </a:fld>
-            <a:endParaRPr lang="pt-BR"/>
+            <a:endParaRPr lang="pt-BR" dirty="0"/>
           </a:p>
         </p:txBody>
       </p:sp>
@@ -2588,7 +2599,7 @@
               <a:rPr lang="pt-BR" smtClean="0"/>
               <a:t>02/05/2018</a:t>
             </a:fld>
-            <a:endParaRPr lang="pt-BR"/>
+            <a:endParaRPr lang="pt-BR" dirty="0"/>
           </a:p>
         </p:txBody>
       </p:sp>
@@ -2625,7 +2636,7 @@
             </a:lvl1pPr>
           </a:lstStyle>
           <a:p>
-            <a:endParaRPr lang="pt-BR"/>
+            <a:endParaRPr lang="pt-BR" dirty="0"/>
           </a:p>
         </p:txBody>
       </p:sp>
@@ -2666,7 +2677,7 @@
               <a:rPr lang="pt-BR" smtClean="0"/>
               <a:t>‹nº›</a:t>
             </a:fld>
-            <a:endParaRPr lang="pt-BR"/>
+            <a:endParaRPr lang="pt-BR" dirty="0"/>
           </a:p>
         </p:txBody>
       </p:sp>
@@ -3038,7 +3049,7 @@
               <a:t>Bruno Henrique Santana </a:t>
             </a:r>
             <a:r>
-              <a:rPr lang="pt-BR" sz="1600" dirty="0" err="1" smtClean="0"/>
+              <a:rPr lang="pt-BR" sz="1600" dirty="0" smtClean="0"/>
               <a:t>Padovese</a:t>
             </a:r>
             <a:r>
@@ -3075,6 +3086,411 @@
 </file>
 
 <file path=ppt/slides/slide10.xml><?xml version="1.0" encoding="utf-8"?>
+<p:sld xmlns:a="http://schemas.openxmlformats.org/drawingml/2006/main" xmlns:r="http://schemas.openxmlformats.org/officeDocument/2006/relationships" xmlns:p="http://schemas.openxmlformats.org/presentationml/2006/main">
+  <p:cSld>
+    <p:spTree>
+      <p:nvGrpSpPr>
+        <p:cNvPr id="1" name=""/>
+        <p:cNvGrpSpPr/>
+        <p:nvPr/>
+      </p:nvGrpSpPr>
+      <p:grpSpPr>
+        <a:xfrm>
+          <a:off x="0" y="0"/>
+          <a:ext cx="0" cy="0"/>
+          <a:chOff x="0" y="0"/>
+          <a:chExt cx="0" cy="0"/>
+        </a:xfrm>
+      </p:grpSpPr>
+      <p:sp>
+        <p:nvSpPr>
+          <p:cNvPr id="2" name="Título 1"/>
+          <p:cNvSpPr>
+            <a:spLocks noGrp="1"/>
+          </p:cNvSpPr>
+          <p:nvPr>
+            <p:ph type="title"/>
+          </p:nvPr>
+        </p:nvSpPr>
+        <p:spPr/>
+        <p:txBody>
+          <a:bodyPr/>
+          <a:lstStyle/>
+          <a:p>
+            <a:r>
+              <a:rPr lang="pt-BR" dirty="0" smtClean="0"/>
+              <a:t>Modelo preditivo: regressão logística</a:t>
+            </a:r>
+            <a:endParaRPr lang="pt-BR" dirty="0"/>
+          </a:p>
+        </p:txBody>
+      </p:sp>
+      <p:sp>
+        <p:nvSpPr>
+          <p:cNvPr id="3" name="Espaço Reservado para Conteúdo 2"/>
+          <p:cNvSpPr>
+            <a:spLocks noGrp="1"/>
+          </p:cNvSpPr>
+          <p:nvPr>
+            <p:ph idx="1"/>
+          </p:nvPr>
+        </p:nvSpPr>
+        <p:spPr>
+          <a:xfrm>
+            <a:off x="838200" y="1825624"/>
+            <a:ext cx="10515600" cy="12929689"/>
+          </a:xfrm>
+        </p:spPr>
+        <p:txBody>
+          <a:bodyPr/>
+          <a:lstStyle/>
+          <a:p>
+            <a:pPr marL="0" indent="0">
+              <a:buNone/>
+            </a:pPr>
+            <a:r>
+              <a:rPr lang="pt-BR" dirty="0" smtClean="0"/>
+              <a:t>O modelo foi separado em teste e treino:</a:t>
+            </a:r>
+          </a:p>
+          <a:p>
+            <a:pPr marL="0" indent="0">
+              <a:buNone/>
+            </a:pPr>
+            <a:endParaRPr lang="pt-BR" dirty="0"/>
+          </a:p>
+          <a:p>
+            <a:pPr marL="0" indent="0">
+              <a:buNone/>
+            </a:pPr>
+            <a:endParaRPr lang="pt-BR" dirty="0" smtClean="0"/>
+          </a:p>
+          <a:p>
+            <a:pPr marL="0" indent="0">
+              <a:buNone/>
+            </a:pPr>
+            <a:endParaRPr lang="pt-BR" dirty="0" smtClean="0"/>
+          </a:p>
+          <a:p>
+            <a:pPr marL="0" indent="0">
+              <a:buNone/>
+            </a:pPr>
+            <a:endParaRPr lang="pt-BR" dirty="0" smtClean="0"/>
+          </a:p>
+          <a:p>
+            <a:pPr marL="0" indent="0">
+              <a:buNone/>
+            </a:pPr>
+            <a:endParaRPr lang="pt-BR" dirty="0"/>
+          </a:p>
+          <a:p>
+            <a:pPr marL="0" indent="0">
+              <a:buNone/>
+            </a:pPr>
+            <a:endParaRPr lang="pt-BR" dirty="0" smtClean="0"/>
+          </a:p>
+          <a:p>
+            <a:pPr marL="0" indent="0">
+              <a:buNone/>
+            </a:pPr>
+            <a:endParaRPr lang="pt-BR" dirty="0"/>
+          </a:p>
+          <a:p>
+            <a:pPr marL="0" indent="0">
+              <a:buNone/>
+            </a:pPr>
+            <a:endParaRPr lang="pt-BR" dirty="0"/>
+          </a:p>
+        </p:txBody>
+      </p:sp>
+      <p:pic>
+        <p:nvPicPr>
+          <p:cNvPr id="4" name="Imagem 3"/>
+          <p:cNvPicPr>
+            <a:picLocks noChangeAspect="1"/>
+          </p:cNvPicPr>
+          <p:nvPr/>
+        </p:nvPicPr>
+        <p:blipFill>
+          <a:blip r:embed="rId2"/>
+          <a:stretch>
+            <a:fillRect/>
+          </a:stretch>
+        </p:blipFill>
+        <p:spPr>
+          <a:xfrm>
+            <a:off x="906607" y="2257414"/>
+            <a:ext cx="4476750" cy="1714500"/>
+          </a:xfrm>
+          <a:prstGeom prst="rect">
+            <a:avLst/>
+          </a:prstGeom>
+        </p:spPr>
+      </p:pic>
+    </p:spTree>
+    <p:extLst>
+      <p:ext uri="{BB962C8B-B14F-4D97-AF65-F5344CB8AC3E}">
+        <p14:creationId xmlns:p14="http://schemas.microsoft.com/office/powerpoint/2010/main" val="1216913165"/>
+      </p:ext>
+    </p:extLst>
+  </p:cSld>
+  <p:clrMapOvr>
+    <a:masterClrMapping/>
+  </p:clrMapOvr>
+  <p:timing>
+    <p:tnLst>
+      <p:par>
+        <p:cTn id="1" dur="indefinite" restart="never" nodeType="tmRoot"/>
+      </p:par>
+    </p:tnLst>
+  </p:timing>
+</p:sld>
+</file>
+
+<file path=ppt/slides/slide11.xml><?xml version="1.0" encoding="utf-8"?>
+<p:sld xmlns:a="http://schemas.openxmlformats.org/drawingml/2006/main" xmlns:r="http://schemas.openxmlformats.org/officeDocument/2006/relationships" xmlns:p="http://schemas.openxmlformats.org/presentationml/2006/main">
+  <p:cSld>
+    <p:spTree>
+      <p:nvGrpSpPr>
+        <p:cNvPr id="1" name=""/>
+        <p:cNvGrpSpPr/>
+        <p:nvPr/>
+      </p:nvGrpSpPr>
+      <p:grpSpPr>
+        <a:xfrm>
+          <a:off x="0" y="0"/>
+          <a:ext cx="0" cy="0"/>
+          <a:chOff x="0" y="0"/>
+          <a:chExt cx="0" cy="0"/>
+        </a:xfrm>
+      </p:grpSpPr>
+      <p:sp>
+        <p:nvSpPr>
+          <p:cNvPr id="2" name="Título 1"/>
+          <p:cNvSpPr>
+            <a:spLocks noGrp="1"/>
+          </p:cNvSpPr>
+          <p:nvPr>
+            <p:ph type="title"/>
+          </p:nvPr>
+        </p:nvSpPr>
+        <p:spPr/>
+        <p:txBody>
+          <a:bodyPr/>
+          <a:lstStyle/>
+          <a:p>
+            <a:r>
+              <a:rPr lang="pt-BR" dirty="0"/>
+              <a:t>Modelo preditivo: regressão logística</a:t>
+            </a:r>
+          </a:p>
+        </p:txBody>
+      </p:sp>
+      <p:sp>
+        <p:nvSpPr>
+          <p:cNvPr id="3" name="Espaço Reservado para Conteúdo 2"/>
+          <p:cNvSpPr>
+            <a:spLocks noGrp="1"/>
+          </p:cNvSpPr>
+          <p:nvPr>
+            <p:ph idx="1"/>
+          </p:nvPr>
+        </p:nvSpPr>
+        <p:spPr/>
+        <p:txBody>
+          <a:bodyPr/>
+          <a:lstStyle/>
+          <a:p>
+            <a:r>
+              <a:rPr lang="pt-BR" dirty="0" smtClean="0"/>
+              <a:t>Exploração do dado:</a:t>
+            </a:r>
+          </a:p>
+          <a:p>
+            <a:endParaRPr lang="pt-BR" dirty="0"/>
+          </a:p>
+        </p:txBody>
+      </p:sp>
+      <p:pic>
+        <p:nvPicPr>
+          <p:cNvPr id="4" name="Imagem 3"/>
+          <p:cNvPicPr>
+            <a:picLocks noChangeAspect="1"/>
+          </p:cNvPicPr>
+          <p:nvPr/>
+        </p:nvPicPr>
+        <p:blipFill>
+          <a:blip r:embed="rId2"/>
+          <a:stretch>
+            <a:fillRect/>
+          </a:stretch>
+        </p:blipFill>
+        <p:spPr>
+          <a:xfrm>
+            <a:off x="903920" y="2329656"/>
+            <a:ext cx="7458075" cy="3343275"/>
+          </a:xfrm>
+          <a:prstGeom prst="rect">
+            <a:avLst/>
+          </a:prstGeom>
+          <a:effectLst>
+            <a:softEdge rad="0"/>
+          </a:effectLst>
+        </p:spPr>
+      </p:pic>
+    </p:spTree>
+    <p:extLst>
+      <p:ext uri="{BB962C8B-B14F-4D97-AF65-F5344CB8AC3E}">
+        <p14:creationId xmlns:p14="http://schemas.microsoft.com/office/powerpoint/2010/main" val="1530904632"/>
+      </p:ext>
+    </p:extLst>
+  </p:cSld>
+  <p:clrMapOvr>
+    <a:masterClrMapping/>
+  </p:clrMapOvr>
+  <p:timing>
+    <p:tnLst>
+      <p:par>
+        <p:cTn id="1" dur="indefinite" restart="never" nodeType="tmRoot"/>
+      </p:par>
+    </p:tnLst>
+  </p:timing>
+</p:sld>
+</file>
+
+<file path=ppt/slides/slide12.xml><?xml version="1.0" encoding="utf-8"?>
+<p:sld xmlns:a="http://schemas.openxmlformats.org/drawingml/2006/main" xmlns:r="http://schemas.openxmlformats.org/officeDocument/2006/relationships" xmlns:p="http://schemas.openxmlformats.org/presentationml/2006/main">
+  <p:cSld>
+    <p:spTree>
+      <p:nvGrpSpPr>
+        <p:cNvPr id="1" name=""/>
+        <p:cNvGrpSpPr/>
+        <p:nvPr/>
+      </p:nvGrpSpPr>
+      <p:grpSpPr>
+        <a:xfrm>
+          <a:off x="0" y="0"/>
+          <a:ext cx="0" cy="0"/>
+          <a:chOff x="0" y="0"/>
+          <a:chExt cx="0" cy="0"/>
+        </a:xfrm>
+      </p:grpSpPr>
+      <p:sp>
+        <p:nvSpPr>
+          <p:cNvPr id="2" name="Título 1"/>
+          <p:cNvSpPr>
+            <a:spLocks noGrp="1"/>
+          </p:cNvSpPr>
+          <p:nvPr>
+            <p:ph type="title"/>
+          </p:nvPr>
+        </p:nvSpPr>
+        <p:spPr/>
+        <p:txBody>
+          <a:bodyPr/>
+          <a:lstStyle/>
+          <a:p>
+            <a:r>
+              <a:rPr lang="pt-BR" dirty="0"/>
+              <a:t>Modelo preditivo: regressão logística</a:t>
+            </a:r>
+          </a:p>
+        </p:txBody>
+      </p:sp>
+      <p:sp>
+        <p:nvSpPr>
+          <p:cNvPr id="3" name="Espaço Reservado para Conteúdo 2"/>
+          <p:cNvSpPr>
+            <a:spLocks noGrp="1"/>
+          </p:cNvSpPr>
+          <p:nvPr>
+            <p:ph idx="1"/>
+          </p:nvPr>
+        </p:nvSpPr>
+        <p:spPr/>
+        <p:txBody>
+          <a:bodyPr/>
+          <a:lstStyle/>
+          <a:p>
+            <a:r>
+              <a:rPr lang="pt-BR" dirty="0" smtClean="0"/>
+              <a:t>Foi necessário converter algumas variáveis e então aplicar a regressão e a matriz de confusão:</a:t>
+            </a:r>
+          </a:p>
+          <a:p>
+            <a:endParaRPr lang="pt-BR" dirty="0"/>
+          </a:p>
+        </p:txBody>
+      </p:sp>
+      <p:pic>
+        <p:nvPicPr>
+          <p:cNvPr id="7" name="Imagem 6"/>
+          <p:cNvPicPr>
+            <a:picLocks noChangeAspect="1"/>
+          </p:cNvPicPr>
+          <p:nvPr/>
+        </p:nvPicPr>
+        <p:blipFill>
+          <a:blip r:embed="rId2"/>
+          <a:stretch>
+            <a:fillRect/>
+          </a:stretch>
+        </p:blipFill>
+        <p:spPr>
+          <a:xfrm>
+            <a:off x="1118148" y="2590453"/>
+            <a:ext cx="7096125" cy="1943100"/>
+          </a:xfrm>
+          <a:prstGeom prst="rect">
+            <a:avLst/>
+          </a:prstGeom>
+        </p:spPr>
+      </p:pic>
+      <p:pic>
+        <p:nvPicPr>
+          <p:cNvPr id="8" name="Imagem 7"/>
+          <p:cNvPicPr>
+            <a:picLocks noChangeAspect="1"/>
+          </p:cNvPicPr>
+          <p:nvPr/>
+        </p:nvPicPr>
+        <p:blipFill>
+          <a:blip r:embed="rId3"/>
+          <a:stretch>
+            <a:fillRect/>
+          </a:stretch>
+        </p:blipFill>
+        <p:spPr>
+          <a:xfrm>
+            <a:off x="1118148" y="4533553"/>
+            <a:ext cx="6086475" cy="1457325"/>
+          </a:xfrm>
+          <a:prstGeom prst="rect">
+            <a:avLst/>
+          </a:prstGeom>
+        </p:spPr>
+      </p:pic>
+    </p:spTree>
+    <p:extLst>
+      <p:ext uri="{BB962C8B-B14F-4D97-AF65-F5344CB8AC3E}">
+        <p14:creationId xmlns:p14="http://schemas.microsoft.com/office/powerpoint/2010/main" val="3641908221"/>
+      </p:ext>
+    </p:extLst>
+  </p:cSld>
+  <p:clrMapOvr>
+    <a:masterClrMapping/>
+  </p:clrMapOvr>
+  <p:timing>
+    <p:tnLst>
+      <p:par>
+        <p:cTn id="1" dur="indefinite" restart="never" nodeType="tmRoot"/>
+      </p:par>
+    </p:tnLst>
+  </p:timing>
+</p:sld>
+</file>
+
+<file path=ppt/slides/slide13.xml><?xml version="1.0" encoding="utf-8"?>
 <p:sld xmlns:a="http://schemas.openxmlformats.org/drawingml/2006/main" xmlns:r="http://schemas.openxmlformats.org/officeDocument/2006/relationships" xmlns:p="http://schemas.openxmlformats.org/presentationml/2006/main">
   <p:cSld>
     <p:spTree>
@@ -3252,7 +3668,747 @@
 </p:sld>
 </file>
 
-<file path=ppt/slides/slide11.xml><?xml version="1.0" encoding="utf-8"?>
+<file path=ppt/slides/slide14.xml><?xml version="1.0" encoding="utf-8"?>
+<p:sld xmlns:a="http://schemas.openxmlformats.org/drawingml/2006/main" xmlns:r="http://schemas.openxmlformats.org/officeDocument/2006/relationships" xmlns:p="http://schemas.openxmlformats.org/presentationml/2006/main">
+  <p:cSld>
+    <p:spTree>
+      <p:nvGrpSpPr>
+        <p:cNvPr id="1" name=""/>
+        <p:cNvGrpSpPr/>
+        <p:nvPr/>
+      </p:nvGrpSpPr>
+      <p:grpSpPr>
+        <a:xfrm>
+          <a:off x="0" y="0"/>
+          <a:ext cx="0" cy="0"/>
+          <a:chOff x="0" y="0"/>
+          <a:chExt cx="0" cy="0"/>
+        </a:xfrm>
+      </p:grpSpPr>
+      <p:sp>
+        <p:nvSpPr>
+          <p:cNvPr id="2" name="Título 1"/>
+          <p:cNvSpPr>
+            <a:spLocks noGrp="1"/>
+          </p:cNvSpPr>
+          <p:nvPr>
+            <p:ph type="title"/>
+          </p:nvPr>
+        </p:nvSpPr>
+        <p:spPr/>
+        <p:txBody>
+          <a:bodyPr>
+            <a:normAutofit/>
+          </a:bodyPr>
+          <a:lstStyle/>
+          <a:p>
+            <a:r>
+              <a:rPr lang="pt-BR" sz="3600" dirty="0"/>
+              <a:t>Modelo preditivo: regressão </a:t>
+            </a:r>
+            <a:r>
+              <a:rPr lang="pt-BR" sz="3600" dirty="0" smtClean="0"/>
+              <a:t>logística – Cross Validation</a:t>
+            </a:r>
+            <a:endParaRPr lang="pt-BR" sz="3600" dirty="0"/>
+          </a:p>
+        </p:txBody>
+      </p:sp>
+      <p:sp>
+        <p:nvSpPr>
+          <p:cNvPr id="3" name="Espaço Reservado para Conteúdo 2"/>
+          <p:cNvSpPr>
+            <a:spLocks noGrp="1"/>
+          </p:cNvSpPr>
+          <p:nvPr>
+            <p:ph idx="1"/>
+          </p:nvPr>
+        </p:nvSpPr>
+        <p:spPr>
+          <a:xfrm>
+            <a:off x="838200" y="1767010"/>
+            <a:ext cx="10515600" cy="4351338"/>
+          </a:xfrm>
+        </p:spPr>
+        <p:txBody>
+          <a:bodyPr>
+            <a:normAutofit/>
+          </a:bodyPr>
+          <a:lstStyle/>
+          <a:p>
+            <a:r>
+              <a:rPr lang="pt-BR" sz="2000" dirty="0" smtClean="0"/>
+              <a:t>Para o Cross Validation, usamos o método K fold, que consiste em dividir a base em 10 subconjuntos iguais, deixar um de teste e executar a rotina nos outros 9 e por fim, aplicar o modelo obtido em todas as 10 execuções sobre a base para averiguar a acurácia.</a:t>
+            </a:r>
+          </a:p>
+          <a:p>
+            <a:r>
+              <a:rPr lang="pt-BR" sz="2000" dirty="0" smtClean="0"/>
+              <a:t>O pacote caret trás mais de 200 modelos diferentes para serem aplicados, com a opção de escolher o cross validation em diversas modalidades. Existem funções que replicam o método, mas escolhemos o caret por diversas indicações em fóruns e sua aparente simplicidade e confiabilidade</a:t>
+            </a:r>
+            <a:endParaRPr lang="pt-BR" sz="2000" dirty="0"/>
+          </a:p>
+          <a:p>
+            <a:r>
+              <a:rPr lang="pt-BR" sz="2000" dirty="0" smtClean="0"/>
+              <a:t>Comando e resultado: </a:t>
+            </a:r>
+            <a:endParaRPr lang="pt-BR" sz="2000" dirty="0"/>
+          </a:p>
+        </p:txBody>
+      </p:sp>
+      <p:pic>
+        <p:nvPicPr>
+          <p:cNvPr id="4" name="Imagem 3" descr="Recorte de Tela"/>
+          <p:cNvPicPr>
+            <a:picLocks noChangeAspect="1"/>
+          </p:cNvPicPr>
+          <p:nvPr/>
+        </p:nvPicPr>
+        <p:blipFill>
+          <a:blip r:embed="rId2">
+            <a:extLst>
+              <a:ext uri="{28A0092B-C50C-407E-A947-70E740481C1C}">
+                <a14:useLocalDpi xmlns:a14="http://schemas.microsoft.com/office/drawing/2010/main" val="0"/>
+              </a:ext>
+            </a:extLst>
+          </a:blip>
+          <a:stretch>
+            <a:fillRect/>
+          </a:stretch>
+        </p:blipFill>
+        <p:spPr>
+          <a:xfrm>
+            <a:off x="994810" y="4564582"/>
+            <a:ext cx="7763959" cy="1409897"/>
+          </a:xfrm>
+          <a:prstGeom prst="rect">
+            <a:avLst/>
+          </a:prstGeom>
+        </p:spPr>
+      </p:pic>
+    </p:spTree>
+    <p:extLst>
+      <p:ext uri="{BB962C8B-B14F-4D97-AF65-F5344CB8AC3E}">
+        <p14:creationId xmlns:p14="http://schemas.microsoft.com/office/powerpoint/2010/main" val="2327773539"/>
+      </p:ext>
+    </p:extLst>
+  </p:cSld>
+  <p:clrMapOvr>
+    <a:masterClrMapping/>
+  </p:clrMapOvr>
+</p:sld>
+</file>
+
+<file path=ppt/slides/slide15.xml><?xml version="1.0" encoding="utf-8"?>
+<p:sld xmlns:a="http://schemas.openxmlformats.org/drawingml/2006/main" xmlns:r="http://schemas.openxmlformats.org/officeDocument/2006/relationships" xmlns:p="http://schemas.openxmlformats.org/presentationml/2006/main">
+  <p:cSld>
+    <p:spTree>
+      <p:nvGrpSpPr>
+        <p:cNvPr id="1" name=""/>
+        <p:cNvGrpSpPr/>
+        <p:nvPr/>
+      </p:nvGrpSpPr>
+      <p:grpSpPr>
+        <a:xfrm>
+          <a:off x="0" y="0"/>
+          <a:ext cx="0" cy="0"/>
+          <a:chOff x="0" y="0"/>
+          <a:chExt cx="0" cy="0"/>
+        </a:xfrm>
+      </p:grpSpPr>
+      <p:pic>
+        <p:nvPicPr>
+          <p:cNvPr id="4" name="Espaço Reservado para Conteúdo 3" descr="Recorte de Tela"/>
+          <p:cNvPicPr>
+            <a:picLocks noGrp="1" noChangeAspect="1"/>
+          </p:cNvPicPr>
+          <p:nvPr>
+            <p:ph idx="1"/>
+          </p:nvPr>
+        </p:nvPicPr>
+        <p:blipFill>
+          <a:blip r:embed="rId2">
+            <a:extLst>
+              <a:ext uri="{28A0092B-C50C-407E-A947-70E740481C1C}">
+                <a14:useLocalDpi xmlns:a14="http://schemas.microsoft.com/office/drawing/2010/main" val="0"/>
+              </a:ext>
+            </a:extLst>
+          </a:blip>
+          <a:stretch>
+            <a:fillRect/>
+          </a:stretch>
+        </p:blipFill>
+        <p:spPr>
+          <a:xfrm>
+            <a:off x="789063" y="4257599"/>
+            <a:ext cx="6668431" cy="2457793"/>
+          </a:xfrm>
+        </p:spPr>
+      </p:pic>
+      <p:pic>
+        <p:nvPicPr>
+          <p:cNvPr id="5" name="Imagem 4" descr="Recorte de Tela"/>
+          <p:cNvPicPr>
+            <a:picLocks noChangeAspect="1"/>
+          </p:cNvPicPr>
+          <p:nvPr/>
+        </p:nvPicPr>
+        <p:blipFill>
+          <a:blip r:embed="rId3">
+            <a:extLst>
+              <a:ext uri="{28A0092B-C50C-407E-A947-70E740481C1C}">
+                <a14:useLocalDpi xmlns:a14="http://schemas.microsoft.com/office/drawing/2010/main" val="0"/>
+              </a:ext>
+            </a:extLst>
+          </a:blip>
+          <a:stretch>
+            <a:fillRect/>
+          </a:stretch>
+        </p:blipFill>
+        <p:spPr>
+          <a:xfrm>
+            <a:off x="789063" y="208909"/>
+            <a:ext cx="5877746" cy="4048690"/>
+          </a:xfrm>
+          <a:prstGeom prst="rect">
+            <a:avLst/>
+          </a:prstGeom>
+        </p:spPr>
+      </p:pic>
+    </p:spTree>
+    <p:extLst>
+      <p:ext uri="{BB962C8B-B14F-4D97-AF65-F5344CB8AC3E}">
+        <p14:creationId xmlns:p14="http://schemas.microsoft.com/office/powerpoint/2010/main" val="2387404600"/>
+      </p:ext>
+    </p:extLst>
+  </p:cSld>
+  <p:clrMapOvr>
+    <a:masterClrMapping/>
+  </p:clrMapOvr>
+</p:sld>
+</file>
+
+<file path=ppt/slides/slide16.xml><?xml version="1.0" encoding="utf-8"?>
+<p:sld xmlns:a="http://schemas.openxmlformats.org/drawingml/2006/main" xmlns:r="http://schemas.openxmlformats.org/officeDocument/2006/relationships" xmlns:p="http://schemas.openxmlformats.org/presentationml/2006/main">
+  <p:cSld>
+    <p:spTree>
+      <p:nvGrpSpPr>
+        <p:cNvPr id="1" name=""/>
+        <p:cNvGrpSpPr/>
+        <p:nvPr/>
+      </p:nvGrpSpPr>
+      <p:grpSpPr>
+        <a:xfrm>
+          <a:off x="0" y="0"/>
+          <a:ext cx="0" cy="0"/>
+          <a:chOff x="0" y="0"/>
+          <a:chExt cx="0" cy="0"/>
+        </a:xfrm>
+      </p:grpSpPr>
+      <p:sp>
+        <p:nvSpPr>
+          <p:cNvPr id="2" name="Título 1"/>
+          <p:cNvSpPr>
+            <a:spLocks noGrp="1"/>
+          </p:cNvSpPr>
+          <p:nvPr>
+            <p:ph type="title"/>
+          </p:nvPr>
+        </p:nvSpPr>
+        <p:spPr/>
+        <p:txBody>
+          <a:bodyPr/>
+          <a:lstStyle/>
+          <a:p>
+            <a:r>
+              <a:rPr lang="pt-BR" dirty="0" smtClean="0"/>
+              <a:t>Modelo – Random Forest</a:t>
+            </a:r>
+            <a:endParaRPr lang="pt-BR" dirty="0"/>
+          </a:p>
+        </p:txBody>
+      </p:sp>
+      <p:sp>
+        <p:nvSpPr>
+          <p:cNvPr id="3" name="Espaço Reservado para Conteúdo 2"/>
+          <p:cNvSpPr>
+            <a:spLocks noGrp="1"/>
+          </p:cNvSpPr>
+          <p:nvPr>
+            <p:ph idx="1"/>
+          </p:nvPr>
+        </p:nvSpPr>
+        <p:spPr/>
+        <p:txBody>
+          <a:bodyPr/>
+          <a:lstStyle/>
+          <a:p>
+            <a:r>
+              <a:rPr lang="pt-BR" dirty="0" smtClean="0"/>
+              <a:t>O setup para o Random Forest não exigiu nenhum tratamento à base:</a:t>
+            </a:r>
+            <a:endParaRPr lang="pt-BR" dirty="0"/>
+          </a:p>
+        </p:txBody>
+      </p:sp>
+      <p:pic>
+        <p:nvPicPr>
+          <p:cNvPr id="4" name="Imagem 3" descr="Recorte de Tela"/>
+          <p:cNvPicPr>
+            <a:picLocks noChangeAspect="1"/>
+          </p:cNvPicPr>
+          <p:nvPr/>
+        </p:nvPicPr>
+        <p:blipFill>
+          <a:blip r:embed="rId2">
+            <a:extLst>
+              <a:ext uri="{28A0092B-C50C-407E-A947-70E740481C1C}">
+                <a14:useLocalDpi xmlns:a14="http://schemas.microsoft.com/office/drawing/2010/main" val="0"/>
+              </a:ext>
+            </a:extLst>
+          </a:blip>
+          <a:stretch>
+            <a:fillRect/>
+          </a:stretch>
+        </p:blipFill>
+        <p:spPr>
+          <a:xfrm>
+            <a:off x="366685" y="2781862"/>
+            <a:ext cx="5620535" cy="2419688"/>
+          </a:xfrm>
+          <a:prstGeom prst="rect">
+            <a:avLst/>
+          </a:prstGeom>
+        </p:spPr>
+      </p:pic>
+      <p:pic>
+        <p:nvPicPr>
+          <p:cNvPr id="7" name="Imagem 6" descr="Recorte de Tela"/>
+          <p:cNvPicPr>
+            <a:picLocks noChangeAspect="1"/>
+          </p:cNvPicPr>
+          <p:nvPr/>
+        </p:nvPicPr>
+        <p:blipFill>
+          <a:blip r:embed="rId3">
+            <a:extLst>
+              <a:ext uri="{28A0092B-C50C-407E-A947-70E740481C1C}">
+                <a14:useLocalDpi xmlns:a14="http://schemas.microsoft.com/office/drawing/2010/main" val="0"/>
+              </a:ext>
+            </a:extLst>
+          </a:blip>
+          <a:stretch>
+            <a:fillRect/>
+          </a:stretch>
+        </p:blipFill>
+        <p:spPr>
+          <a:xfrm>
+            <a:off x="5987221" y="2781862"/>
+            <a:ext cx="5458587" cy="2267267"/>
+          </a:xfrm>
+          <a:prstGeom prst="rect">
+            <a:avLst/>
+          </a:prstGeom>
+        </p:spPr>
+      </p:pic>
+    </p:spTree>
+    <p:extLst>
+      <p:ext uri="{BB962C8B-B14F-4D97-AF65-F5344CB8AC3E}">
+        <p14:creationId xmlns:p14="http://schemas.microsoft.com/office/powerpoint/2010/main" val="3719958684"/>
+      </p:ext>
+    </p:extLst>
+  </p:cSld>
+  <p:clrMapOvr>
+    <a:masterClrMapping/>
+  </p:clrMapOvr>
+</p:sld>
+</file>
+
+<file path=ppt/slides/slide17.xml><?xml version="1.0" encoding="utf-8"?>
+<p:sld xmlns:a="http://schemas.openxmlformats.org/drawingml/2006/main" xmlns:r="http://schemas.openxmlformats.org/officeDocument/2006/relationships" xmlns:p="http://schemas.openxmlformats.org/presentationml/2006/main">
+  <p:cSld>
+    <p:spTree>
+      <p:nvGrpSpPr>
+        <p:cNvPr id="1" name=""/>
+        <p:cNvGrpSpPr/>
+        <p:nvPr/>
+      </p:nvGrpSpPr>
+      <p:grpSpPr>
+        <a:xfrm>
+          <a:off x="0" y="0"/>
+          <a:ext cx="0" cy="0"/>
+          <a:chOff x="0" y="0"/>
+          <a:chExt cx="0" cy="0"/>
+        </a:xfrm>
+      </p:grpSpPr>
+      <p:pic>
+        <p:nvPicPr>
+          <p:cNvPr id="4" name="Imagem 3" descr="Recorte de Tela"/>
+          <p:cNvPicPr>
+            <a:picLocks noChangeAspect="1"/>
+          </p:cNvPicPr>
+          <p:nvPr/>
+        </p:nvPicPr>
+        <p:blipFill>
+          <a:blip r:embed="rId2">
+            <a:extLst>
+              <a:ext uri="{28A0092B-C50C-407E-A947-70E740481C1C}">
+                <a14:useLocalDpi xmlns:a14="http://schemas.microsoft.com/office/drawing/2010/main" val="0"/>
+              </a:ext>
+            </a:extLst>
+          </a:blip>
+          <a:stretch>
+            <a:fillRect/>
+          </a:stretch>
+        </p:blipFill>
+        <p:spPr>
+          <a:xfrm>
+            <a:off x="1618625" y="347232"/>
+            <a:ext cx="8954750" cy="6163536"/>
+          </a:xfrm>
+          <a:prstGeom prst="rect">
+            <a:avLst/>
+          </a:prstGeom>
+        </p:spPr>
+      </p:pic>
+    </p:spTree>
+    <p:extLst>
+      <p:ext uri="{BB962C8B-B14F-4D97-AF65-F5344CB8AC3E}">
+        <p14:creationId xmlns:p14="http://schemas.microsoft.com/office/powerpoint/2010/main" val="4048590352"/>
+      </p:ext>
+    </p:extLst>
+  </p:cSld>
+  <p:clrMapOvr>
+    <a:masterClrMapping/>
+  </p:clrMapOvr>
+</p:sld>
+</file>
+
+<file path=ppt/slides/slide18.xml><?xml version="1.0" encoding="utf-8"?>
+<p:sld xmlns:a="http://schemas.openxmlformats.org/drawingml/2006/main" xmlns:r="http://schemas.openxmlformats.org/officeDocument/2006/relationships" xmlns:p="http://schemas.openxmlformats.org/presentationml/2006/main">
+  <p:cSld>
+    <p:spTree>
+      <p:nvGrpSpPr>
+        <p:cNvPr id="1" name=""/>
+        <p:cNvGrpSpPr/>
+        <p:nvPr/>
+      </p:nvGrpSpPr>
+      <p:grpSpPr>
+        <a:xfrm>
+          <a:off x="0" y="0"/>
+          <a:ext cx="0" cy="0"/>
+          <a:chOff x="0" y="0"/>
+          <a:chExt cx="0" cy="0"/>
+        </a:xfrm>
+      </p:grpSpPr>
+      <p:sp>
+        <p:nvSpPr>
+          <p:cNvPr id="2" name="Título 1"/>
+          <p:cNvSpPr>
+            <a:spLocks noGrp="1"/>
+          </p:cNvSpPr>
+          <p:nvPr>
+            <p:ph type="title"/>
+          </p:nvPr>
+        </p:nvSpPr>
+        <p:spPr/>
+        <p:txBody>
+          <a:bodyPr/>
+          <a:lstStyle/>
+          <a:p>
+            <a:r>
+              <a:rPr lang="pt-BR" dirty="0" smtClean="0"/>
+              <a:t>CV com Random Forest</a:t>
+            </a:r>
+            <a:endParaRPr lang="pt-BR" dirty="0"/>
+          </a:p>
+        </p:txBody>
+      </p:sp>
+      <p:sp>
+        <p:nvSpPr>
+          <p:cNvPr id="3" name="Espaço Reservado para Conteúdo 2"/>
+          <p:cNvSpPr>
+            <a:spLocks noGrp="1"/>
+          </p:cNvSpPr>
+          <p:nvPr>
+            <p:ph idx="1"/>
+          </p:nvPr>
+        </p:nvSpPr>
+        <p:spPr/>
+        <p:txBody>
+          <a:bodyPr>
+            <a:normAutofit/>
+          </a:bodyPr>
+          <a:lstStyle/>
+          <a:p>
+            <a:r>
+              <a:rPr lang="pt-BR" sz="2400" dirty="0" smtClean="0"/>
+              <a:t>Aplicamos mais a critério de curiosidade, usamos 20% da base e delimitamos o particionamento em 3, ao invés de 10, usado na regressão.</a:t>
+            </a:r>
+            <a:endParaRPr lang="pt-BR" sz="2400" dirty="0"/>
+          </a:p>
+        </p:txBody>
+      </p:sp>
+      <p:pic>
+        <p:nvPicPr>
+          <p:cNvPr id="4" name="Imagem 3" descr="Recorte de Tela"/>
+          <p:cNvPicPr>
+            <a:picLocks noChangeAspect="1"/>
+          </p:cNvPicPr>
+          <p:nvPr/>
+        </p:nvPicPr>
+        <p:blipFill>
+          <a:blip r:embed="rId2">
+            <a:extLst>
+              <a:ext uri="{28A0092B-C50C-407E-A947-70E740481C1C}">
+                <a14:useLocalDpi xmlns:a14="http://schemas.microsoft.com/office/drawing/2010/main" val="0"/>
+              </a:ext>
+            </a:extLst>
+          </a:blip>
+          <a:stretch>
+            <a:fillRect/>
+          </a:stretch>
+        </p:blipFill>
+        <p:spPr>
+          <a:xfrm>
+            <a:off x="993015" y="3428999"/>
+            <a:ext cx="7392432" cy="1762371"/>
+          </a:xfrm>
+          <a:prstGeom prst="rect">
+            <a:avLst/>
+          </a:prstGeom>
+        </p:spPr>
+      </p:pic>
+    </p:spTree>
+    <p:extLst>
+      <p:ext uri="{BB962C8B-B14F-4D97-AF65-F5344CB8AC3E}">
+        <p14:creationId xmlns:p14="http://schemas.microsoft.com/office/powerpoint/2010/main" val="2730448084"/>
+      </p:ext>
+    </p:extLst>
+  </p:cSld>
+  <p:clrMapOvr>
+    <a:masterClrMapping/>
+  </p:clrMapOvr>
+</p:sld>
+</file>
+
+<file path=ppt/slides/slide19.xml><?xml version="1.0" encoding="utf-8"?>
+<p:sld xmlns:a="http://schemas.openxmlformats.org/drawingml/2006/main" xmlns:r="http://schemas.openxmlformats.org/officeDocument/2006/relationships" xmlns:p="http://schemas.openxmlformats.org/presentationml/2006/main">
+  <p:cSld>
+    <p:spTree>
+      <p:nvGrpSpPr>
+        <p:cNvPr id="1" name=""/>
+        <p:cNvGrpSpPr/>
+        <p:nvPr/>
+      </p:nvGrpSpPr>
+      <p:grpSpPr>
+        <a:xfrm>
+          <a:off x="0" y="0"/>
+          <a:ext cx="0" cy="0"/>
+          <a:chOff x="0" y="0"/>
+          <a:chExt cx="0" cy="0"/>
+        </a:xfrm>
+      </p:grpSpPr>
+      <p:sp>
+        <p:nvSpPr>
+          <p:cNvPr id="2" name="Título 1"/>
+          <p:cNvSpPr>
+            <a:spLocks noGrp="1"/>
+          </p:cNvSpPr>
+          <p:nvPr>
+            <p:ph type="title"/>
+          </p:nvPr>
+        </p:nvSpPr>
+        <p:spPr/>
+        <p:txBody>
+          <a:bodyPr/>
+          <a:lstStyle/>
+          <a:p>
+            <a:r>
+              <a:rPr lang="pt-BR" dirty="0"/>
+              <a:t>CV com Random Forest</a:t>
+            </a:r>
+          </a:p>
+        </p:txBody>
+      </p:sp>
+      <p:sp>
+        <p:nvSpPr>
+          <p:cNvPr id="3" name="Espaço Reservado para Conteúdo 2"/>
+          <p:cNvSpPr>
+            <a:spLocks noGrp="1"/>
+          </p:cNvSpPr>
+          <p:nvPr>
+            <p:ph idx="1"/>
+          </p:nvPr>
+        </p:nvSpPr>
+        <p:spPr>
+          <a:xfrm>
+            <a:off x="838200" y="1450489"/>
+            <a:ext cx="10515600" cy="4351338"/>
+          </a:xfrm>
+        </p:spPr>
+        <p:txBody>
+          <a:bodyPr/>
+          <a:lstStyle/>
+          <a:p>
+            <a:r>
+              <a:rPr lang="pt-BR" dirty="0" smtClean="0"/>
+              <a:t>O resultado, com apenas 20% da base, impressiona...</a:t>
+            </a:r>
+          </a:p>
+          <a:p>
+            <a:endParaRPr lang="pt-BR" dirty="0"/>
+          </a:p>
+        </p:txBody>
+      </p:sp>
+      <p:pic>
+        <p:nvPicPr>
+          <p:cNvPr id="5" name="Imagem 4" descr="Recorte de Tela"/>
+          <p:cNvPicPr>
+            <a:picLocks noChangeAspect="1"/>
+          </p:cNvPicPr>
+          <p:nvPr/>
+        </p:nvPicPr>
+        <p:blipFill>
+          <a:blip r:embed="rId2">
+            <a:extLst>
+              <a:ext uri="{28A0092B-C50C-407E-A947-70E740481C1C}">
+                <a14:useLocalDpi xmlns:a14="http://schemas.microsoft.com/office/drawing/2010/main" val="0"/>
+              </a:ext>
+            </a:extLst>
+          </a:blip>
+          <a:stretch>
+            <a:fillRect/>
+          </a:stretch>
+        </p:blipFill>
+        <p:spPr>
+          <a:xfrm>
+            <a:off x="1336330" y="2452465"/>
+            <a:ext cx="6658905" cy="3172268"/>
+          </a:xfrm>
+          <a:prstGeom prst="rect">
+            <a:avLst/>
+          </a:prstGeom>
+        </p:spPr>
+      </p:pic>
+    </p:spTree>
+    <p:extLst>
+      <p:ext uri="{BB962C8B-B14F-4D97-AF65-F5344CB8AC3E}">
+        <p14:creationId xmlns:p14="http://schemas.microsoft.com/office/powerpoint/2010/main" val="3796481339"/>
+      </p:ext>
+    </p:extLst>
+  </p:cSld>
+  <p:clrMapOvr>
+    <a:masterClrMapping/>
+  </p:clrMapOvr>
+</p:sld>
+</file>
+
+<file path=ppt/slides/slide2.xml><?xml version="1.0" encoding="utf-8"?>
+<p:sld xmlns:a="http://schemas.openxmlformats.org/drawingml/2006/main" xmlns:r="http://schemas.openxmlformats.org/officeDocument/2006/relationships" xmlns:p="http://schemas.openxmlformats.org/presentationml/2006/main">
+  <p:cSld>
+    <p:spTree>
+      <p:nvGrpSpPr>
+        <p:cNvPr id="1" name=""/>
+        <p:cNvGrpSpPr/>
+        <p:nvPr/>
+      </p:nvGrpSpPr>
+      <p:grpSpPr>
+        <a:xfrm>
+          <a:off x="0" y="0"/>
+          <a:ext cx="0" cy="0"/>
+          <a:chOff x="0" y="0"/>
+          <a:chExt cx="0" cy="0"/>
+        </a:xfrm>
+      </p:grpSpPr>
+      <p:sp>
+        <p:nvSpPr>
+          <p:cNvPr id="2" name="Título 1"/>
+          <p:cNvSpPr>
+            <a:spLocks noGrp="1"/>
+          </p:cNvSpPr>
+          <p:nvPr>
+            <p:ph type="title"/>
+          </p:nvPr>
+        </p:nvSpPr>
+        <p:spPr/>
+        <p:txBody>
+          <a:bodyPr/>
+          <a:lstStyle/>
+          <a:p>
+            <a:r>
+              <a:rPr lang="pt-BR" dirty="0" smtClean="0"/>
+              <a:t>Scripts disponíveis no GitHub</a:t>
+            </a:r>
+            <a:endParaRPr lang="pt-BR" dirty="0"/>
+          </a:p>
+        </p:txBody>
+      </p:sp>
+      <p:sp>
+        <p:nvSpPr>
+          <p:cNvPr id="3" name="Espaço Reservado para Conteúdo 2"/>
+          <p:cNvSpPr>
+            <a:spLocks noGrp="1"/>
+          </p:cNvSpPr>
+          <p:nvPr>
+            <p:ph idx="1"/>
+          </p:nvPr>
+        </p:nvSpPr>
+        <p:spPr/>
+        <p:txBody>
+          <a:bodyPr/>
+          <a:lstStyle/>
+          <a:p>
+            <a:pPr marL="0" indent="0">
+              <a:buNone/>
+            </a:pPr>
+            <a:r>
+              <a:rPr lang="pt-BR" dirty="0" smtClean="0"/>
+              <a:t>Todos os scripts completos para desenvolvimento deste trabalho estão disponibilizados no repositório livre:</a:t>
+            </a:r>
+          </a:p>
+          <a:p>
+            <a:pPr marL="0" indent="0">
+              <a:buNone/>
+            </a:pPr>
+            <a:endParaRPr lang="pt-BR" dirty="0"/>
+          </a:p>
+          <a:p>
+            <a:pPr marL="0" indent="0">
+              <a:buNone/>
+            </a:pPr>
+            <a:r>
+              <a:rPr lang="pt-BR" sz="2400" dirty="0">
+                <a:hlinkClick r:id="rId2"/>
+              </a:rPr>
+              <a:t>https://github.com/padovese/academic-projects/tree/master/regressao</a:t>
+            </a:r>
+            <a:endParaRPr lang="pt-BR" sz="2400" dirty="0"/>
+          </a:p>
+        </p:txBody>
+      </p:sp>
+    </p:spTree>
+    <p:extLst>
+      <p:ext uri="{BB962C8B-B14F-4D97-AF65-F5344CB8AC3E}">
+        <p14:creationId xmlns:p14="http://schemas.microsoft.com/office/powerpoint/2010/main" val="876939232"/>
+      </p:ext>
+    </p:extLst>
+  </p:cSld>
+  <p:clrMapOvr>
+    <a:masterClrMapping/>
+  </p:clrMapOvr>
+  <p:timing>
+    <p:tnLst>
+      <p:par>
+        <p:cTn id="1" dur="indefinite" restart="never" nodeType="tmRoot"/>
+      </p:par>
+    </p:tnLst>
+  </p:timing>
+</p:sld>
+</file>
+
+<file path=ppt/slides/slide20.xml><?xml version="1.0" encoding="utf-8"?>
 <p:sld xmlns:a="http://schemas.openxmlformats.org/drawingml/2006/main" xmlns:r="http://schemas.openxmlformats.org/officeDocument/2006/relationships" xmlns:p="http://schemas.openxmlformats.org/presentationml/2006/main">
   <p:cSld>
     <p:spTree>
@@ -3359,7 +4515,7 @@
 </p:sld>
 </file>
 
-<file path=ppt/slides/slide12.xml><?xml version="1.0" encoding="utf-8"?>
+<file path=ppt/slides/slide21.xml><?xml version="1.0" encoding="utf-8"?>
 <p:sld xmlns:a="http://schemas.openxmlformats.org/drawingml/2006/main" xmlns:r="http://schemas.openxmlformats.org/officeDocument/2006/relationships" xmlns:p="http://schemas.openxmlformats.org/presentationml/2006/main">
   <p:cSld>
     <p:spTree>
@@ -3518,7 +4674,7 @@
 </p:sld>
 </file>
 
-<file path=ppt/slides/slide13.xml><?xml version="1.0" encoding="utf-8"?>
+<file path=ppt/slides/slide22.xml><?xml version="1.0" encoding="utf-8"?>
 <p:sld xmlns:a="http://schemas.openxmlformats.org/drawingml/2006/main" xmlns:r="http://schemas.openxmlformats.org/officeDocument/2006/relationships" xmlns:p="http://schemas.openxmlformats.org/presentationml/2006/main">
   <p:cSld>
     <p:spTree>
@@ -3620,7 +4776,7 @@
 </p:sld>
 </file>
 
-<file path=ppt/slides/slide14.xml><?xml version="1.0" encoding="utf-8"?>
+<file path=ppt/slides/slide23.xml><?xml version="1.0" encoding="utf-8"?>
 <p:sld xmlns:a="http://schemas.openxmlformats.org/drawingml/2006/main" xmlns:r="http://schemas.openxmlformats.org/officeDocument/2006/relationships" xmlns:p="http://schemas.openxmlformats.org/presentationml/2006/main">
   <p:cSld>
     <p:spTree>
@@ -3657,23 +4813,19 @@
               <a:t>Modelo preditivo: </a:t>
             </a:r>
             <a:r>
-              <a:rPr lang="pt-BR" dirty="0" err="1"/>
+              <a:rPr lang="pt-BR" dirty="0"/>
               <a:t>n</a:t>
             </a:r>
             <a:r>
-              <a:rPr lang="pt-BR" dirty="0" err="1" smtClean="0"/>
-              <a:t>aive</a:t>
-            </a:r>
-            <a:r>
               <a:rPr lang="pt-BR" dirty="0" smtClean="0"/>
-              <a:t> </a:t>
-            </a:r>
-            <a:r>
-              <a:rPr lang="pt-BR" dirty="0" err="1"/>
+              <a:t>aive </a:t>
+            </a:r>
+            <a:r>
+              <a:rPr lang="pt-BR" dirty="0"/>
               <a:t>b</a:t>
             </a:r>
             <a:r>
-              <a:rPr lang="pt-BR" dirty="0" err="1" smtClean="0"/>
+              <a:rPr lang="pt-BR" dirty="0" smtClean="0"/>
               <a:t>ayes</a:t>
             </a:r>
             <a:endParaRPr lang="pt-BR" dirty="0"/>
@@ -3743,7 +4895,7 @@
 </p:sld>
 </file>
 
-<file path=ppt/slides/slide15.xml><?xml version="1.0" encoding="utf-8"?>
+<file path=ppt/slides/slide24.xml><?xml version="1.0" encoding="utf-8"?>
 <p:sld xmlns:a="http://schemas.openxmlformats.org/drawingml/2006/main" xmlns:r="http://schemas.openxmlformats.org/officeDocument/2006/relationships" xmlns:p="http://schemas.openxmlformats.org/presentationml/2006/main">
   <p:cSld>
     <p:spTree>
@@ -3777,21 +4929,8 @@
           <a:p>
             <a:r>
               <a:rPr lang="pt-BR" dirty="0"/>
-              <a:t>Modelo preditivo: </a:t>
-            </a:r>
-            <a:r>
-              <a:rPr lang="pt-BR" dirty="0" err="1"/>
-              <a:t>naive</a:t>
-            </a:r>
-            <a:r>
-              <a:rPr lang="pt-BR" dirty="0"/>
-              <a:t> </a:t>
-            </a:r>
-            <a:r>
-              <a:rPr lang="pt-BR" dirty="0" err="1"/>
-              <a:t>bayes</a:t>
-            </a:r>
-            <a:endParaRPr lang="pt-BR" dirty="0"/>
+              <a:t>Modelo preditivo: naive bayes</a:t>
+            </a:r>
           </a:p>
         </p:txBody>
       </p:sp>
@@ -3834,7 +4973,7 @@
 </p:sld>
 </file>
 
-<file path=ppt/slides/slide16.xml><?xml version="1.0" encoding="utf-8"?>
+<file path=ppt/slides/slide25.xml><?xml version="1.0" encoding="utf-8"?>
 <p:sld xmlns:a="http://schemas.openxmlformats.org/drawingml/2006/main" xmlns:r="http://schemas.openxmlformats.org/officeDocument/2006/relationships" xmlns:p="http://schemas.openxmlformats.org/presentationml/2006/main">
   <p:cSld>
     <p:spTree>
@@ -3868,21 +5007,8 @@
           <a:p>
             <a:r>
               <a:rPr lang="pt-BR" dirty="0"/>
-              <a:t>Modelo preditivo: </a:t>
-            </a:r>
-            <a:r>
-              <a:rPr lang="pt-BR" dirty="0" err="1"/>
-              <a:t>naive</a:t>
-            </a:r>
-            <a:r>
-              <a:rPr lang="pt-BR" dirty="0"/>
-              <a:t> </a:t>
-            </a:r>
-            <a:r>
-              <a:rPr lang="pt-BR" dirty="0" err="1"/>
-              <a:t>bayes</a:t>
-            </a:r>
-            <a:endParaRPr lang="pt-BR" dirty="0"/>
+              <a:t>Modelo preditivo: naive bayes</a:t>
+            </a:r>
           </a:p>
         </p:txBody>
       </p:sp>
@@ -3978,7 +5104,7 @@
 </p:sld>
 </file>
 
-<file path=ppt/slides/slide17.xml><?xml version="1.0" encoding="utf-8"?>
+<file path=ppt/slides/slide26.xml><?xml version="1.0" encoding="utf-8"?>
 <p:sld xmlns:a="http://schemas.openxmlformats.org/drawingml/2006/main" xmlns:r="http://schemas.openxmlformats.org/officeDocument/2006/relationships" xmlns:p="http://schemas.openxmlformats.org/presentationml/2006/main">
   <p:cSld>
     <p:spTree>
@@ -4012,21 +5138,8 @@
           <a:p>
             <a:r>
               <a:rPr lang="pt-BR" dirty="0"/>
-              <a:t>Modelo preditivo: </a:t>
-            </a:r>
-            <a:r>
-              <a:rPr lang="pt-BR" dirty="0" err="1"/>
-              <a:t>naive</a:t>
-            </a:r>
-            <a:r>
-              <a:rPr lang="pt-BR" dirty="0"/>
-              <a:t> </a:t>
-            </a:r>
-            <a:r>
-              <a:rPr lang="pt-BR" dirty="0" err="1"/>
-              <a:t>bayes</a:t>
-            </a:r>
-            <a:endParaRPr lang="pt-BR" dirty="0"/>
+              <a:t>Modelo preditivo: naive bayes</a:t>
+            </a:r>
           </a:p>
         </p:txBody>
       </p:sp>
@@ -4117,7 +5230,7 @@
 </p:sld>
 </file>
 
-<file path=ppt/slides/slide18.xml><?xml version="1.0" encoding="utf-8"?>
+<file path=ppt/slides/slide27.xml><?xml version="1.0" encoding="utf-8"?>
 <p:sld xmlns:a="http://schemas.openxmlformats.org/drawingml/2006/main" xmlns:r="http://schemas.openxmlformats.org/officeDocument/2006/relationships" xmlns:p="http://schemas.openxmlformats.org/presentationml/2006/main">
   <p:cSld>
     <p:spTree>
@@ -4151,21 +5264,8 @@
           <a:p>
             <a:r>
               <a:rPr lang="pt-BR" dirty="0"/>
-              <a:t>Modelo preditivo: </a:t>
-            </a:r>
-            <a:r>
-              <a:rPr lang="pt-BR" dirty="0" err="1"/>
-              <a:t>naive</a:t>
-            </a:r>
-            <a:r>
-              <a:rPr lang="pt-BR" dirty="0"/>
-              <a:t> </a:t>
-            </a:r>
-            <a:r>
-              <a:rPr lang="pt-BR" dirty="0" err="1"/>
-              <a:t>bayes</a:t>
-            </a:r>
-            <a:endParaRPr lang="pt-BR" dirty="0"/>
+              <a:t>Modelo preditivo: naive bayes</a:t>
+            </a:r>
           </a:p>
         </p:txBody>
       </p:sp>
@@ -4280,7 +5380,7 @@
 </p:sld>
 </file>
 
-<file path=ppt/slides/slide19.xml><?xml version="1.0" encoding="utf-8"?>
+<file path=ppt/slides/slide28.xml><?xml version="1.0" encoding="utf-8"?>
 <p:sld xmlns:a="http://schemas.openxmlformats.org/drawingml/2006/main" xmlns:r="http://schemas.openxmlformats.org/officeDocument/2006/relationships" xmlns:p="http://schemas.openxmlformats.org/presentationml/2006/main">
   <p:cSld>
     <p:spTree>
@@ -4314,21 +5414,8 @@
           <a:p>
             <a:r>
               <a:rPr lang="pt-BR" dirty="0"/>
-              <a:t>Modelo preditivo: </a:t>
-            </a:r>
-            <a:r>
-              <a:rPr lang="pt-BR" dirty="0" err="1"/>
-              <a:t>naive</a:t>
-            </a:r>
-            <a:r>
-              <a:rPr lang="pt-BR" dirty="0"/>
-              <a:t> </a:t>
-            </a:r>
-            <a:r>
-              <a:rPr lang="pt-BR" dirty="0" err="1"/>
-              <a:t>bayes</a:t>
-            </a:r>
-            <a:endParaRPr lang="pt-BR" dirty="0"/>
+              <a:t>Modelo preditivo: naive bayes</a:t>
+            </a:r>
           </a:p>
         </p:txBody>
       </p:sp>
@@ -4352,19 +5439,7 @@
             </a:pPr>
             <a:r>
               <a:rPr lang="pt-BR" dirty="0" smtClean="0"/>
-              <a:t>Como bônus, o comando </a:t>
-            </a:r>
-            <a:r>
-              <a:rPr lang="pt-BR" dirty="0" err="1" smtClean="0"/>
-              <a:t>cut</a:t>
-            </a:r>
-            <a:r>
-              <a:rPr lang="pt-BR" dirty="0" smtClean="0"/>
-              <a:t>(20) </a:t>
-            </a:r>
-            <a:r>
-              <a:rPr lang="pt-BR" dirty="0" smtClean="0"/>
-              <a:t>foi utilizado para agrupar valores e então testado novamente com os mesmos valores, porém tendo retorno mais assertivo:</a:t>
+              <a:t>Como bônus, o comando cut(20) foi utilizado para agrupar valores e então testado novamente com os mesmos valores, porém tendo retorno mais assertivo:</a:t>
             </a:r>
             <a:endParaRPr lang="pt-BR" dirty="0"/>
           </a:p>
@@ -4431,7 +5506,7 @@
 </p:sld>
 </file>
 
-<file path=ppt/slides/slide2.xml><?xml version="1.0" encoding="utf-8"?>
+<file path=ppt/slides/slide29.xml><?xml version="1.0" encoding="utf-8"?>
 <p:sld xmlns:a="http://schemas.openxmlformats.org/drawingml/2006/main" xmlns:r="http://schemas.openxmlformats.org/officeDocument/2006/relationships" xmlns:p="http://schemas.openxmlformats.org/presentationml/2006/main">
   <p:cSld>
     <p:spTree>
@@ -4464,125 +5539,9 @@
           <a:lstStyle/>
           <a:p>
             <a:r>
-              <a:rPr lang="pt-BR" dirty="0" smtClean="0"/>
-              <a:t>Scripts disponíveis no GitHub</a:t>
-            </a:r>
-            <a:endParaRPr lang="pt-BR" dirty="0"/>
-          </a:p>
-        </p:txBody>
-      </p:sp>
-      <p:sp>
-        <p:nvSpPr>
-          <p:cNvPr id="3" name="Espaço Reservado para Conteúdo 2"/>
-          <p:cNvSpPr>
-            <a:spLocks noGrp="1"/>
-          </p:cNvSpPr>
-          <p:nvPr>
-            <p:ph idx="1"/>
-          </p:nvPr>
-        </p:nvSpPr>
-        <p:spPr/>
-        <p:txBody>
-          <a:bodyPr/>
-          <a:lstStyle/>
-          <a:p>
-            <a:pPr marL="0" indent="0">
-              <a:buNone/>
-            </a:pPr>
-            <a:r>
-              <a:rPr lang="pt-BR" dirty="0" smtClean="0"/>
-              <a:t>Todos os scripts completos para desenvolvimento deste trabalho estão disponibilizados no repositório livre:</a:t>
-            </a:r>
-          </a:p>
-          <a:p>
-            <a:pPr marL="0" indent="0">
-              <a:buNone/>
-            </a:pPr>
-            <a:endParaRPr lang="pt-BR" dirty="0"/>
-          </a:p>
-          <a:p>
-            <a:pPr marL="0" indent="0">
-              <a:buNone/>
-            </a:pPr>
-            <a:r>
-              <a:rPr lang="pt-BR" sz="2400" dirty="0">
-                <a:hlinkClick r:id="rId2"/>
-              </a:rPr>
-              <a:t>https://github.com/padovese/academic-projects/tree/master/regressao</a:t>
-            </a:r>
-            <a:endParaRPr lang="pt-BR" sz="2400" dirty="0"/>
-          </a:p>
-        </p:txBody>
-      </p:sp>
-    </p:spTree>
-    <p:extLst>
-      <p:ext uri="{BB962C8B-B14F-4D97-AF65-F5344CB8AC3E}">
-        <p14:creationId xmlns:p14="http://schemas.microsoft.com/office/powerpoint/2010/main" val="876939232"/>
-      </p:ext>
-    </p:extLst>
-  </p:cSld>
-  <p:clrMapOvr>
-    <a:masterClrMapping/>
-  </p:clrMapOvr>
-  <p:timing>
-    <p:tnLst>
-      <p:par>
-        <p:cTn id="1" dur="indefinite" restart="never" nodeType="tmRoot"/>
-      </p:par>
-    </p:tnLst>
-  </p:timing>
-</p:sld>
-</file>
-
-<file path=ppt/slides/slide20.xml><?xml version="1.0" encoding="utf-8"?>
-<p:sld xmlns:a="http://schemas.openxmlformats.org/drawingml/2006/main" xmlns:r="http://schemas.openxmlformats.org/officeDocument/2006/relationships" xmlns:p="http://schemas.openxmlformats.org/presentationml/2006/main">
-  <p:cSld>
-    <p:spTree>
-      <p:nvGrpSpPr>
-        <p:cNvPr id="1" name=""/>
-        <p:cNvGrpSpPr/>
-        <p:nvPr/>
-      </p:nvGrpSpPr>
-      <p:grpSpPr>
-        <a:xfrm>
-          <a:off x="0" y="0"/>
-          <a:ext cx="0" cy="0"/>
-          <a:chOff x="0" y="0"/>
-          <a:chExt cx="0" cy="0"/>
-        </a:xfrm>
-      </p:grpSpPr>
-      <p:sp>
-        <p:nvSpPr>
-          <p:cNvPr id="2" name="Título 1"/>
-          <p:cNvSpPr>
-            <a:spLocks noGrp="1"/>
-          </p:cNvSpPr>
-          <p:nvPr>
-            <p:ph type="title"/>
-          </p:nvPr>
-        </p:nvSpPr>
-        <p:spPr/>
-        <p:txBody>
-          <a:bodyPr/>
-          <a:lstStyle/>
-          <a:p>
-            <a:r>
               <a:rPr lang="pt-BR" dirty="0"/>
-              <a:t>Modelo preditivo: </a:t>
-            </a:r>
-            <a:r>
-              <a:rPr lang="pt-BR" dirty="0" err="1"/>
-              <a:t>naive</a:t>
-            </a:r>
-            <a:r>
-              <a:rPr lang="pt-BR" dirty="0"/>
-              <a:t> </a:t>
-            </a:r>
-            <a:r>
-              <a:rPr lang="pt-BR" dirty="0" err="1"/>
-              <a:t>bayes</a:t>
-            </a:r>
-            <a:endParaRPr lang="pt-BR" dirty="0"/>
+              <a:t>Modelo preditivo: naive bayes</a:t>
+            </a:r>
           </a:p>
         </p:txBody>
       </p:sp>
@@ -4649,7 +5608,7 @@
 </p:sld>
 </file>
 
-<file path=ppt/slides/slide21.xml><?xml version="1.0" encoding="utf-8"?>
+<file path=ppt/slides/slide3.xml><?xml version="1.0" encoding="utf-8"?>
 <p:sld xmlns:a="http://schemas.openxmlformats.org/drawingml/2006/main" xmlns:r="http://schemas.openxmlformats.org/officeDocument/2006/relationships" xmlns:p="http://schemas.openxmlformats.org/presentationml/2006/main">
   <p:cSld>
     <p:spTree>
@@ -4682,22 +5641,142 @@
           <a:lstStyle/>
           <a:p>
             <a:r>
+              <a:rPr lang="pt-BR" dirty="0" smtClean="0"/>
+              <a:t>A </a:t>
+            </a:r>
+            <a:r>
               <a:rPr lang="pt-BR" dirty="0"/>
-              <a:t>Modelo preditivo: </a:t>
-            </a:r>
-            <a:r>
-              <a:rPr lang="pt-BR" dirty="0" err="1"/>
-              <a:t>naive</a:t>
-            </a:r>
+              <a:t>b</a:t>
+            </a:r>
+            <a:r>
+              <a:rPr lang="pt-BR" dirty="0" smtClean="0"/>
+              <a:t>ase</a:t>
+            </a:r>
+            <a:endParaRPr lang="pt-BR" dirty="0"/>
+          </a:p>
+        </p:txBody>
+      </p:sp>
+      <p:sp>
+        <p:nvSpPr>
+          <p:cNvPr id="3" name="Espaço Reservado para Conteúdo 2"/>
+          <p:cNvSpPr>
+            <a:spLocks noGrp="1"/>
+          </p:cNvSpPr>
+          <p:nvPr>
+            <p:ph idx="1"/>
+          </p:nvPr>
+        </p:nvSpPr>
+        <p:spPr/>
+        <p:txBody>
+          <a:bodyPr/>
+          <a:lstStyle/>
+          <a:p>
+            <a:pPr marL="0" indent="0">
+              <a:buNone/>
+            </a:pPr>
+            <a:r>
+              <a:rPr lang="pt-BR" dirty="0" smtClean="0"/>
+              <a:t>A base utilizada para realização deste trabalho contém informações sobre fraudes envolvendo cartões de crédito.</a:t>
+            </a:r>
+          </a:p>
+          <a:p>
+            <a:pPr marL="0" indent="0">
+              <a:buNone/>
+            </a:pPr>
+            <a:r>
+              <a:rPr lang="pt-BR" dirty="0" smtClean="0"/>
+              <a:t>Variáveis:</a:t>
+            </a:r>
+          </a:p>
+          <a:p>
+            <a:r>
+              <a:rPr lang="pt-BR" dirty="0" smtClean="0"/>
+              <a:t>Fraudulent(fraudulento) – Boolean</a:t>
+            </a:r>
+          </a:p>
+          <a:p>
+            <a:r>
+              <a:rPr lang="pt-BR" dirty="0" smtClean="0"/>
+              <a:t>Charge_time(hora_carga) – TimeStamp</a:t>
+            </a:r>
+          </a:p>
+          <a:p>
+            <a:r>
+              <a:rPr lang="pt-BR" dirty="0" smtClean="0"/>
+              <a:t>Amount(Quantidade) – Integer</a:t>
+            </a:r>
+          </a:p>
+          <a:p>
+            <a:r>
+              <a:rPr lang="pt-BR" dirty="0" smtClean="0"/>
+              <a:t>Card_Country – String</a:t>
+            </a:r>
+          </a:p>
+          <a:p>
+            <a:r>
+              <a:rPr lang="pt-BR" dirty="0" smtClean="0"/>
+              <a:t>Card_use_24h - Integer</a:t>
+            </a:r>
+            <a:endParaRPr lang="pt-BR" dirty="0"/>
+          </a:p>
+        </p:txBody>
+      </p:sp>
+    </p:spTree>
+    <p:extLst>
+      <p:ext uri="{BB962C8B-B14F-4D97-AF65-F5344CB8AC3E}">
+        <p14:creationId xmlns:p14="http://schemas.microsoft.com/office/powerpoint/2010/main" val="1635887119"/>
+      </p:ext>
+    </p:extLst>
+  </p:cSld>
+  <p:clrMapOvr>
+    <a:masterClrMapping/>
+  </p:clrMapOvr>
+  <p:timing>
+    <p:tnLst>
+      <p:par>
+        <p:cTn id="1" dur="indefinite" restart="never" nodeType="tmRoot"/>
+      </p:par>
+    </p:tnLst>
+  </p:timing>
+</p:sld>
+</file>
+
+<file path=ppt/slides/slide30.xml><?xml version="1.0" encoding="utf-8"?>
+<p:sld xmlns:a="http://schemas.openxmlformats.org/drawingml/2006/main" xmlns:r="http://schemas.openxmlformats.org/officeDocument/2006/relationships" xmlns:p="http://schemas.openxmlformats.org/presentationml/2006/main">
+  <p:cSld>
+    <p:spTree>
+      <p:nvGrpSpPr>
+        <p:cNvPr id="1" name=""/>
+        <p:cNvGrpSpPr/>
+        <p:nvPr/>
+      </p:nvGrpSpPr>
+      <p:grpSpPr>
+        <a:xfrm>
+          <a:off x="0" y="0"/>
+          <a:ext cx="0" cy="0"/>
+          <a:chOff x="0" y="0"/>
+          <a:chExt cx="0" cy="0"/>
+        </a:xfrm>
+      </p:grpSpPr>
+      <p:sp>
+        <p:nvSpPr>
+          <p:cNvPr id="2" name="Título 1"/>
+          <p:cNvSpPr>
+            <a:spLocks noGrp="1"/>
+          </p:cNvSpPr>
+          <p:nvPr>
+            <p:ph type="title"/>
+          </p:nvPr>
+        </p:nvSpPr>
+        <p:spPr/>
+        <p:txBody>
+          <a:bodyPr/>
+          <a:lstStyle/>
+          <a:p>
             <a:r>
               <a:rPr lang="pt-BR" dirty="0"/>
-              <a:t> </a:t>
-            </a:r>
-            <a:r>
-              <a:rPr lang="pt-BR" dirty="0" err="1"/>
-              <a:t>bayes</a:t>
-            </a:r>
-            <a:endParaRPr lang="pt-BR" dirty="0"/>
+              <a:t>Modelo preditivo: naive bayes</a:t>
+            </a:r>
           </a:p>
         </p:txBody>
       </p:sp>
@@ -4721,15 +5800,7 @@
             </a:pPr>
             <a:r>
               <a:rPr lang="pt-BR" dirty="0" smtClean="0"/>
-              <a:t>Utilizando o </a:t>
-            </a:r>
-            <a:r>
-              <a:rPr lang="pt-BR" dirty="0" err="1" smtClean="0"/>
-              <a:t>cut</a:t>
-            </a:r>
-            <a:r>
-              <a:rPr lang="pt-BR" dirty="0" smtClean="0"/>
-              <a:t>(100) obtivemos um resultado ainda melhor:</a:t>
+              <a:t>Utilizando o cut(100) obtivemos um resultado ainda melhor:</a:t>
             </a:r>
             <a:endParaRPr lang="pt-BR" dirty="0"/>
           </a:p>
@@ -4796,7 +5867,7 @@
 </p:sld>
 </file>
 
-<file path=ppt/slides/slide22.xml><?xml version="1.0" encoding="utf-8"?>
+<file path=ppt/slides/slide31.xml><?xml version="1.0" encoding="utf-8"?>
 <p:sld xmlns:a="http://schemas.openxmlformats.org/drawingml/2006/main" xmlns:r="http://schemas.openxmlformats.org/officeDocument/2006/relationships" xmlns:p="http://schemas.openxmlformats.org/presentationml/2006/main">
   <p:cSld>
     <p:spTree>
@@ -4830,21 +5901,8 @@
           <a:p>
             <a:r>
               <a:rPr lang="pt-BR" dirty="0"/>
-              <a:t>Modelo preditivo: </a:t>
-            </a:r>
-            <a:r>
-              <a:rPr lang="pt-BR" dirty="0" err="1"/>
-              <a:t>naive</a:t>
-            </a:r>
-            <a:r>
-              <a:rPr lang="pt-BR" dirty="0"/>
-              <a:t> </a:t>
-            </a:r>
-            <a:r>
-              <a:rPr lang="pt-BR" dirty="0" err="1"/>
-              <a:t>bayes</a:t>
-            </a:r>
-            <a:endParaRPr lang="pt-BR" dirty="0"/>
+              <a:t>Modelo preditivo: naive bayes</a:t>
+            </a:r>
           </a:p>
         </p:txBody>
       </p:sp>
@@ -4911,7 +5969,7 @@
 </p:sld>
 </file>
 
-<file path=ppt/slides/slide23.xml><?xml version="1.0" encoding="utf-8"?>
+<file path=ppt/slides/slide32.xml><?xml version="1.0" encoding="utf-8"?>
 <p:sld xmlns:a="http://schemas.openxmlformats.org/drawingml/2006/main" xmlns:r="http://schemas.openxmlformats.org/officeDocument/2006/relationships" xmlns:p="http://schemas.openxmlformats.org/presentationml/2006/main">
   <p:cSld>
     <p:spTree>
@@ -4945,54 +6003,54 @@
           <a:p>
             <a:r>
               <a:rPr lang="pt-BR" dirty="0" smtClean="0"/>
-              <a:t>Conclusão</a:t>
-            </a:r>
-            <a:endParaRPr lang="pt-BR" dirty="0"/>
-          </a:p>
-        </p:txBody>
-      </p:sp>
-      <p:sp>
-        <p:nvSpPr>
-          <p:cNvPr id="3" name="Espaço Reservado para Conteúdo 2"/>
-          <p:cNvSpPr>
-            <a:spLocks noGrp="1"/>
-          </p:cNvSpPr>
-          <p:nvPr>
-            <p:ph idx="1"/>
-          </p:nvPr>
-        </p:nvSpPr>
-        <p:spPr/>
-        <p:txBody>
-          <a:bodyPr/>
-          <a:lstStyle/>
-          <a:p>
-            <a:pPr marL="0" indent="0">
-              <a:buNone/>
-            </a:pPr>
+              <a:t>Modelo escolhido – Random</a:t>
+            </a:r>
+            <a:r>
+              <a:rPr lang="pt-BR" dirty="0"/>
+              <a:t> </a:t>
+            </a:r>
             <a:r>
               <a:rPr lang="pt-BR" dirty="0" smtClean="0"/>
-              <a:t>Fazer conclusão e adicionar </a:t>
-            </a:r>
-            <a:r>
-              <a:rPr lang="pt-BR" dirty="0" err="1" smtClean="0"/>
-              <a:t>cross</a:t>
-            </a:r>
-            <a:r>
-              <a:rPr lang="pt-BR" dirty="0" smtClean="0"/>
-              <a:t> </a:t>
-            </a:r>
-            <a:r>
-              <a:rPr lang="pt-BR" dirty="0" err="1" smtClean="0"/>
-              <a:t>validation</a:t>
-            </a:r>
-            <a:endParaRPr lang="pt-BR" dirty="0"/>
-          </a:p>
-        </p:txBody>
-      </p:sp>
+              <a:t>Forest</a:t>
+            </a:r>
+            <a:endParaRPr lang="pt-BR" dirty="0"/>
+          </a:p>
+        </p:txBody>
+      </p:sp>
+      <p:pic>
+        <p:nvPicPr>
+          <p:cNvPr id="5" name="Imagem 4" descr="Recorte de Tela"/>
+          <p:cNvPicPr>
+            <a:picLocks noChangeAspect="1"/>
+          </p:cNvPicPr>
+          <p:nvPr/>
+        </p:nvPicPr>
+        <p:blipFill>
+          <a:blip r:embed="rId2">
+            <a:extLst>
+              <a:ext uri="{28A0092B-C50C-407E-A947-70E740481C1C}">
+                <a14:useLocalDpi xmlns:a14="http://schemas.microsoft.com/office/drawing/2010/main" val="0"/>
+              </a:ext>
+            </a:extLst>
+          </a:blip>
+          <a:stretch>
+            <a:fillRect/>
+          </a:stretch>
+        </p:blipFill>
+        <p:spPr>
+          <a:xfrm>
+            <a:off x="1086970" y="2124306"/>
+            <a:ext cx="9907384" cy="3905796"/>
+          </a:xfrm>
+          <a:prstGeom prst="rect">
+            <a:avLst/>
+          </a:prstGeom>
+        </p:spPr>
+      </p:pic>
     </p:spTree>
     <p:extLst>
       <p:ext uri="{BB962C8B-B14F-4D97-AF65-F5344CB8AC3E}">
-        <p14:creationId xmlns:p14="http://schemas.microsoft.com/office/powerpoint/2010/main" val="1428268646"/>
+        <p14:creationId xmlns:p14="http://schemas.microsoft.com/office/powerpoint/2010/main" val="4267605071"/>
       </p:ext>
     </p:extLst>
   </p:cSld>
@@ -5002,7 +6060,7 @@
 </p:sld>
 </file>
 
-<file path=ppt/slides/slide3.xml><?xml version="1.0" encoding="utf-8"?>
+<file path=ppt/slides/slide33.xml><?xml version="1.0" encoding="utf-8"?>
 <p:sld xmlns:a="http://schemas.openxmlformats.org/drawingml/2006/main" xmlns:r="http://schemas.openxmlformats.org/officeDocument/2006/relationships" xmlns:p="http://schemas.openxmlformats.org/presentationml/2006/main">
   <p:cSld>
     <p:spTree>
@@ -5036,128 +6094,42 @@
           <a:p>
             <a:r>
               <a:rPr lang="pt-BR" dirty="0" smtClean="0"/>
-              <a:t>A </a:t>
-            </a:r>
-            <a:r>
-              <a:rPr lang="pt-BR" dirty="0"/>
-              <a:t>b</a:t>
-            </a:r>
+              <a:t>Crux do Projeto</a:t>
+            </a:r>
+            <a:endParaRPr lang="pt-BR" dirty="0"/>
+          </a:p>
+        </p:txBody>
+      </p:sp>
+      <p:sp>
+        <p:nvSpPr>
+          <p:cNvPr id="3" name="Espaço Reservado para Conteúdo 2"/>
+          <p:cNvSpPr>
+            <a:spLocks noGrp="1"/>
+          </p:cNvSpPr>
+          <p:nvPr>
+            <p:ph idx="1"/>
+          </p:nvPr>
+        </p:nvSpPr>
+        <p:spPr/>
+        <p:txBody>
+          <a:bodyPr/>
+          <a:lstStyle/>
+          <a:p>
             <a:r>
               <a:rPr lang="pt-BR" dirty="0" smtClean="0"/>
-              <a:t>ase</a:t>
-            </a:r>
-            <a:endParaRPr lang="pt-BR" dirty="0"/>
-          </a:p>
-        </p:txBody>
-      </p:sp>
-      <p:sp>
-        <p:nvSpPr>
-          <p:cNvPr id="3" name="Espaço Reservado para Conteúdo 2"/>
-          <p:cNvSpPr>
-            <a:spLocks noGrp="1"/>
-          </p:cNvSpPr>
-          <p:nvPr>
-            <p:ph idx="1"/>
-          </p:nvPr>
-        </p:nvSpPr>
-        <p:spPr/>
-        <p:txBody>
-          <a:bodyPr/>
-          <a:lstStyle/>
-          <a:p>
-            <a:pPr marL="0" indent="0">
-              <a:buNone/>
-            </a:pPr>
+              <a:t>Explorar os modelos tentando extrapolar o aprendido em classe, dado ser uma base comum e utilizada em aula</a:t>
+            </a:r>
+          </a:p>
+          <a:p>
             <a:r>
               <a:rPr lang="pt-BR" dirty="0" smtClean="0"/>
-              <a:t>A base utilizada para realização deste trabalho contém informações sobre fraudes envolvendo cartões de crédito.</a:t>
-            </a:r>
-          </a:p>
-          <a:p>
-            <a:pPr marL="0" indent="0">
-              <a:buNone/>
-            </a:pPr>
+              <a:t>Incompatibilidade de alguns pacotes para o R 3.4.4 e 3.5.0</a:t>
+            </a:r>
+          </a:p>
+          <a:p>
             <a:r>
               <a:rPr lang="pt-BR" dirty="0" smtClean="0"/>
-              <a:t>Variáveis:</a:t>
-            </a:r>
-          </a:p>
-          <a:p>
-            <a:r>
-              <a:rPr lang="pt-BR" dirty="0" err="1" smtClean="0"/>
-              <a:t>Fraudulent</a:t>
-            </a:r>
-            <a:r>
-              <a:rPr lang="pt-BR" dirty="0" smtClean="0"/>
-              <a:t>(fraudulento) – </a:t>
-            </a:r>
-            <a:r>
-              <a:rPr lang="pt-BR" dirty="0" err="1" smtClean="0"/>
-              <a:t>Boolean</a:t>
-            </a:r>
-            <a:endParaRPr lang="pt-BR" dirty="0" smtClean="0"/>
-          </a:p>
-          <a:p>
-            <a:r>
-              <a:rPr lang="pt-BR" dirty="0" err="1" smtClean="0"/>
-              <a:t>Charge_time</a:t>
-            </a:r>
-            <a:r>
-              <a:rPr lang="pt-BR" dirty="0" smtClean="0"/>
-              <a:t>(</a:t>
-            </a:r>
-            <a:r>
-              <a:rPr lang="pt-BR" dirty="0" err="1" smtClean="0"/>
-              <a:t>hora_carga</a:t>
-            </a:r>
-            <a:r>
-              <a:rPr lang="pt-BR" dirty="0" smtClean="0"/>
-              <a:t>) – </a:t>
-            </a:r>
-            <a:r>
-              <a:rPr lang="pt-BR" dirty="0" err="1" smtClean="0"/>
-              <a:t>TimeStamp</a:t>
-            </a:r>
-            <a:endParaRPr lang="pt-BR" dirty="0" smtClean="0"/>
-          </a:p>
-          <a:p>
-            <a:r>
-              <a:rPr lang="pt-BR" dirty="0" err="1" smtClean="0"/>
-              <a:t>Amount</a:t>
-            </a:r>
-            <a:r>
-              <a:rPr lang="pt-BR" dirty="0" smtClean="0"/>
-              <a:t>(Quantidade) – </a:t>
-            </a:r>
-            <a:r>
-              <a:rPr lang="pt-BR" dirty="0" err="1" smtClean="0"/>
-              <a:t>Integer</a:t>
-            </a:r>
-            <a:endParaRPr lang="pt-BR" dirty="0" smtClean="0"/>
-          </a:p>
-          <a:p>
-            <a:r>
-              <a:rPr lang="pt-BR" dirty="0" err="1" smtClean="0"/>
-              <a:t>Card_Country</a:t>
-            </a:r>
-            <a:r>
-              <a:rPr lang="pt-BR" dirty="0" smtClean="0"/>
-              <a:t> – </a:t>
-            </a:r>
-            <a:r>
-              <a:rPr lang="pt-BR" dirty="0" err="1" smtClean="0"/>
-              <a:t>String</a:t>
-            </a:r>
-            <a:endParaRPr lang="pt-BR" dirty="0" smtClean="0"/>
-          </a:p>
-          <a:p>
-            <a:r>
-              <a:rPr lang="pt-BR" dirty="0" smtClean="0"/>
-              <a:t>Card_use_24h - </a:t>
-            </a:r>
-            <a:r>
-              <a:rPr lang="pt-BR" dirty="0" err="1" smtClean="0"/>
-              <a:t>Integer</a:t>
+              <a:t>Base com pouca informação sobre o significado dos dados</a:t>
             </a:r>
             <a:endParaRPr lang="pt-BR" dirty="0"/>
           </a:p>
@@ -5166,20 +6138,148 @@
     </p:spTree>
     <p:extLst>
       <p:ext uri="{BB962C8B-B14F-4D97-AF65-F5344CB8AC3E}">
-        <p14:creationId xmlns:p14="http://schemas.microsoft.com/office/powerpoint/2010/main" val="1635887119"/>
+        <p14:creationId xmlns:p14="http://schemas.microsoft.com/office/powerpoint/2010/main" val="1955082353"/>
       </p:ext>
     </p:extLst>
   </p:cSld>
   <p:clrMapOvr>
     <a:masterClrMapping/>
   </p:clrMapOvr>
-  <p:timing>
-    <p:tnLst>
-      <p:par>
-        <p:cTn id="1" dur="indefinite" restart="never" nodeType="tmRoot"/>
-      </p:par>
-    </p:tnLst>
-  </p:timing>
+</p:sld>
+</file>
+
+<file path=ppt/slides/slide34.xml><?xml version="1.0" encoding="utf-8"?>
+<p:sld xmlns:a="http://schemas.openxmlformats.org/drawingml/2006/main" xmlns:r="http://schemas.openxmlformats.org/officeDocument/2006/relationships" xmlns:p="http://schemas.openxmlformats.org/presentationml/2006/main">
+  <p:cSld>
+    <p:spTree>
+      <p:nvGrpSpPr>
+        <p:cNvPr id="1" name=""/>
+        <p:cNvGrpSpPr/>
+        <p:nvPr/>
+      </p:nvGrpSpPr>
+      <p:grpSpPr>
+        <a:xfrm>
+          <a:off x="0" y="0"/>
+          <a:ext cx="0" cy="0"/>
+          <a:chOff x="0" y="0"/>
+          <a:chExt cx="0" cy="0"/>
+        </a:xfrm>
+      </p:grpSpPr>
+      <p:sp>
+        <p:nvSpPr>
+          <p:cNvPr id="2" name="Título 1"/>
+          <p:cNvSpPr>
+            <a:spLocks noGrp="1"/>
+          </p:cNvSpPr>
+          <p:nvPr>
+            <p:ph type="title"/>
+          </p:nvPr>
+        </p:nvSpPr>
+        <p:spPr/>
+        <p:txBody>
+          <a:bodyPr/>
+          <a:lstStyle/>
+          <a:p>
+            <a:r>
+              <a:rPr lang="pt-BR" dirty="0" smtClean="0"/>
+              <a:t>Conclusão</a:t>
+            </a:r>
+            <a:endParaRPr lang="pt-BR" dirty="0"/>
+          </a:p>
+        </p:txBody>
+      </p:sp>
+      <p:sp>
+        <p:nvSpPr>
+          <p:cNvPr id="3" name="Espaço Reservado para Conteúdo 2"/>
+          <p:cNvSpPr>
+            <a:spLocks noGrp="1"/>
+          </p:cNvSpPr>
+          <p:nvPr>
+            <p:ph idx="1"/>
+          </p:nvPr>
+        </p:nvSpPr>
+        <p:spPr/>
+        <p:txBody>
+          <a:bodyPr>
+            <a:normAutofit lnSpcReduction="10000"/>
+          </a:bodyPr>
+          <a:lstStyle/>
+          <a:p>
+            <a:pPr marL="0" indent="0">
+              <a:buNone/>
+            </a:pPr>
+            <a:r>
+              <a:rPr lang="pt-BR" dirty="0" smtClean="0"/>
+              <a:t>Modelo escolhido – Random Forest</a:t>
+            </a:r>
+          </a:p>
+          <a:p>
+            <a:pPr marL="0" indent="0">
+              <a:buNone/>
+            </a:pPr>
+            <a:r>
+              <a:rPr lang="pt-BR" dirty="0" smtClean="0"/>
+              <a:t>Medalha de prata </a:t>
+            </a:r>
+            <a:r>
+              <a:rPr lang="pt-BR" dirty="0"/>
+              <a:t>– </a:t>
+            </a:r>
+            <a:r>
+              <a:rPr lang="pt-BR" dirty="0" smtClean="0"/>
+              <a:t>Naive Bayes </a:t>
+            </a:r>
+            <a:r>
+              <a:rPr lang="pt-BR" sz="1800" dirty="0" smtClean="0"/>
+              <a:t>(e pendente de novas avaliações como Cross validation, categorização baseada em estatística)</a:t>
+            </a:r>
+          </a:p>
+          <a:p>
+            <a:pPr marL="0" indent="0">
+              <a:buNone/>
+            </a:pPr>
+            <a:r>
+              <a:rPr lang="pt-BR" dirty="0" smtClean="0"/>
+              <a:t>Ponto de atenção – Falsos positivos, tempo de processamento</a:t>
+            </a:r>
+          </a:p>
+          <a:p>
+            <a:pPr marL="0" indent="0">
+              <a:buNone/>
+            </a:pPr>
+            <a:endParaRPr lang="pt-BR" dirty="0" smtClean="0"/>
+          </a:p>
+          <a:p>
+            <a:pPr marL="0" indent="0">
+              <a:buNone/>
+            </a:pPr>
+            <a:r>
+              <a:rPr lang="pt-BR" dirty="0" smtClean="0"/>
+              <a:t>Aprendizado: Explorar os modelos, buscar informação com assertividade, escolher melhor o problema e a estratégia de abordagem dele</a:t>
+            </a:r>
+          </a:p>
+          <a:p>
+            <a:pPr marL="0" indent="0">
+              <a:buNone/>
+            </a:pPr>
+            <a:r>
+              <a:rPr lang="pt-BR" dirty="0" smtClean="0"/>
+              <a:t>À melhorar: exploração dos dados através de gráficos, conhecimentos de estatística para exploração</a:t>
+            </a:r>
+            <a:endParaRPr lang="pt-BR" dirty="0"/>
+          </a:p>
+        </p:txBody>
+      </p:sp>
+    </p:spTree>
+    <p:extLst>
+      <p:ext uri="{BB962C8B-B14F-4D97-AF65-F5344CB8AC3E}">
+        <p14:creationId xmlns:p14="http://schemas.microsoft.com/office/powerpoint/2010/main" val="1428268646"/>
+      </p:ext>
+    </p:extLst>
+  </p:cSld>
+  <p:clrMapOvr>
+    <a:masterClrMapping/>
+  </p:clrMapOvr>
 </p:sld>
 </file>
 
@@ -5378,23 +6478,11 @@
             </a:r>
             <a:r>
               <a:rPr lang="pt-BR" dirty="0"/>
-              <a:t>de decisão e </a:t>
-            </a:r>
-            <a:r>
-              <a:rPr lang="pt-BR" dirty="0" err="1"/>
-              <a:t>naive</a:t>
-            </a:r>
-            <a:r>
-              <a:rPr lang="pt-BR" dirty="0"/>
-              <a:t> </a:t>
-            </a:r>
-            <a:r>
-              <a:rPr lang="pt-BR" dirty="0" err="1" smtClean="0"/>
-              <a:t>bayes</a:t>
+              <a:t>de decisão e naive </a:t>
             </a:r>
             <a:r>
               <a:rPr lang="pt-BR" dirty="0" smtClean="0"/>
-              <a:t> para predizer a saída de novos registros e assim poder identificar padrões e novas fraudes.</a:t>
+              <a:t>bayes para predizer a saída de novos registros e assim poder identificar padrões e novas fraudes.</a:t>
             </a:r>
             <a:endParaRPr lang="pt-BR" dirty="0"/>
           </a:p>
@@ -5454,7 +6542,7 @@
           <a:p>
             <a:r>
               <a:rPr lang="pt-BR" dirty="0" smtClean="0"/>
-              <a:t>Modelo preditivo: regressão logística</a:t>
+              <a:t>Estrutura dos dados</a:t>
             </a:r>
             <a:endParaRPr lang="pt-BR" dirty="0"/>
           </a:p>
@@ -5470,95 +6558,64 @@
             <p:ph idx="1"/>
           </p:nvPr>
         </p:nvSpPr>
-        <p:spPr/>
-        <p:txBody>
-          <a:bodyPr/>
-          <a:lstStyle/>
-          <a:p>
-            <a:pPr marL="0" indent="0">
-              <a:buNone/>
-            </a:pPr>
+        <p:spPr>
+          <a:xfrm>
+            <a:off x="838200" y="1684949"/>
+            <a:ext cx="10515600" cy="4351338"/>
+          </a:xfrm>
+        </p:spPr>
+        <p:txBody>
+          <a:bodyPr/>
+          <a:lstStyle/>
+          <a:p>
             <a:r>
               <a:rPr lang="pt-BR" dirty="0" smtClean="0"/>
-              <a:t>Para aplicar a função de regressão logística é necessário converter a variável “</a:t>
-            </a:r>
-            <a:r>
-              <a:rPr lang="pt-BR" dirty="0" err="1" smtClean="0"/>
-              <a:t>fradulent</a:t>
-            </a:r>
-            <a:r>
-              <a:rPr lang="pt-BR" dirty="0" smtClean="0"/>
-              <a:t>” para binária. E além dela também a “</a:t>
-            </a:r>
-            <a:r>
-              <a:rPr lang="pt-BR" dirty="0" err="1" smtClean="0"/>
-              <a:t>charge_time</a:t>
-            </a:r>
-            <a:r>
-              <a:rPr lang="pt-BR" dirty="0" smtClean="0"/>
-              <a:t>” para numérica.</a:t>
-            </a:r>
-          </a:p>
-          <a:p>
-            <a:pPr marL="0" indent="0">
-              <a:buNone/>
-            </a:pPr>
-            <a:endParaRPr lang="pt-BR" dirty="0"/>
-          </a:p>
-          <a:p>
-            <a:pPr marL="0" indent="0">
-              <a:buNone/>
-            </a:pPr>
-            <a:r>
-              <a:rPr lang="pt-BR" dirty="0" smtClean="0"/>
-              <a:t>Para esta prática foram utilizadas duas abordagens:</a:t>
-            </a:r>
-          </a:p>
-          <a:p>
-            <a:pPr marL="0" indent="0">
-              <a:buNone/>
-            </a:pPr>
-            <a:r>
-              <a:rPr lang="pt-BR" dirty="0" smtClean="0"/>
-              <a:t>Uso da biblioteca “</a:t>
-            </a:r>
-            <a:r>
-              <a:rPr lang="pt-BR" dirty="0" err="1" smtClean="0"/>
-              <a:t>sqldf</a:t>
-            </a:r>
-            <a:r>
-              <a:rPr lang="pt-BR" dirty="0" smtClean="0"/>
-              <a:t>” e conversão direta com “</a:t>
-            </a:r>
-            <a:r>
-              <a:rPr lang="pt-BR" dirty="0" err="1" smtClean="0"/>
-              <a:t>as.numeric</a:t>
-            </a:r>
-            <a:r>
-              <a:rPr lang="pt-BR" dirty="0" smtClean="0"/>
-              <a:t>”.</a:t>
-            </a:r>
-            <a:endParaRPr lang="pt-BR" dirty="0"/>
-          </a:p>
-        </p:txBody>
-      </p:sp>
+              <a:t>Uma breve exploração dos dados</a:t>
+            </a:r>
+            <a:endParaRPr lang="pt-BR" dirty="0"/>
+          </a:p>
+        </p:txBody>
+      </p:sp>
+      <p:pic>
+        <p:nvPicPr>
+          <p:cNvPr id="4" name="Imagem 3" descr="Recorte de Tela"/>
+          <p:cNvPicPr>
+            <a:picLocks noChangeAspect="1"/>
+          </p:cNvPicPr>
+          <p:nvPr/>
+        </p:nvPicPr>
+        <p:blipFill>
+          <a:blip r:embed="rId2">
+            <a:extLst>
+              <a:ext uri="{28A0092B-C50C-407E-A947-70E740481C1C}">
+                <a14:useLocalDpi xmlns:a14="http://schemas.microsoft.com/office/drawing/2010/main" val="0"/>
+              </a:ext>
+            </a:extLst>
+          </a:blip>
+          <a:stretch>
+            <a:fillRect/>
+          </a:stretch>
+        </p:blipFill>
+        <p:spPr>
+          <a:xfrm>
+            <a:off x="830718" y="2414318"/>
+            <a:ext cx="7459117" cy="3858164"/>
+          </a:xfrm>
+          <a:prstGeom prst="rect">
+            <a:avLst/>
+          </a:prstGeom>
+        </p:spPr>
+      </p:pic>
     </p:spTree>
     <p:extLst>
       <p:ext uri="{BB962C8B-B14F-4D97-AF65-F5344CB8AC3E}">
-        <p14:creationId xmlns:p14="http://schemas.microsoft.com/office/powerpoint/2010/main" val="3402073818"/>
+        <p14:creationId xmlns:p14="http://schemas.microsoft.com/office/powerpoint/2010/main" val="4261830328"/>
       </p:ext>
     </p:extLst>
   </p:cSld>
   <p:clrMapOvr>
     <a:masterClrMapping/>
   </p:clrMapOvr>
-  <p:timing>
-    <p:tnLst>
-      <p:par>
-        <p:cTn id="1" dur="indefinite" restart="never" nodeType="tmRoot"/>
-      </p:par>
-    </p:tnLst>
-  </p:timing>
 </p:sld>
 </file>
 
@@ -5596,7 +6653,7 @@
           <a:p>
             <a:r>
               <a:rPr lang="pt-BR" dirty="0" smtClean="0"/>
-              <a:t>Modelo preditivo: regressão logística</a:t>
+              <a:t>Estrutura dos dados</a:t>
             </a:r>
             <a:endParaRPr lang="pt-BR" dirty="0"/>
           </a:p>
@@ -5614,90 +6671,114 @@
         </p:nvSpPr>
         <p:spPr>
           <a:xfrm>
-            <a:off x="838200" y="1825624"/>
-            <a:ext cx="10515600" cy="12929689"/>
+            <a:off x="838200" y="1591165"/>
+            <a:ext cx="10515600" cy="4351338"/>
           </a:xfrm>
         </p:spPr>
         <p:txBody>
-          <a:bodyPr/>
-          <a:lstStyle/>
-          <a:p>
-            <a:pPr marL="0" indent="0">
-              <a:buNone/>
-            </a:pPr>
-            <a:r>
-              <a:rPr lang="pt-BR" dirty="0" smtClean="0"/>
-              <a:t>O modelo foi separado em teste e treino:</a:t>
-            </a:r>
-          </a:p>
-          <a:p>
-            <a:pPr marL="0" indent="0">
-              <a:buNone/>
-            </a:pPr>
-            <a:endParaRPr lang="pt-BR" dirty="0"/>
-          </a:p>
-          <a:p>
-            <a:pPr marL="0" indent="0">
-              <a:buNone/>
-            </a:pPr>
-            <a:endParaRPr lang="pt-BR" dirty="0" smtClean="0"/>
-          </a:p>
-          <a:p>
-            <a:pPr marL="0" indent="0">
-              <a:buNone/>
-            </a:pPr>
-            <a:endParaRPr lang="pt-BR" dirty="0" smtClean="0"/>
-          </a:p>
-          <a:p>
-            <a:pPr marL="0" indent="0">
-              <a:buNone/>
-            </a:pPr>
-            <a:endParaRPr lang="pt-BR" dirty="0" smtClean="0"/>
-          </a:p>
-          <a:p>
-            <a:pPr marL="0" indent="0">
-              <a:buNone/>
-            </a:pPr>
-            <a:endParaRPr lang="pt-BR" dirty="0"/>
-          </a:p>
-          <a:p>
-            <a:pPr marL="0" indent="0">
-              <a:buNone/>
-            </a:pPr>
-            <a:endParaRPr lang="pt-BR" dirty="0" smtClean="0"/>
-          </a:p>
-          <a:p>
-            <a:pPr marL="0" indent="0">
-              <a:buNone/>
-            </a:pPr>
-            <a:endParaRPr lang="pt-BR" dirty="0"/>
-          </a:p>
-          <a:p>
-            <a:pPr marL="0" indent="0">
-              <a:buNone/>
-            </a:pPr>
-            <a:endParaRPr lang="pt-BR" dirty="0"/>
+          <a:bodyPr>
+            <a:normAutofit/>
+          </a:bodyPr>
+          <a:lstStyle/>
+          <a:p>
+            <a:r>
+              <a:rPr lang="pt-BR" sz="2200" dirty="0" smtClean="0"/>
+              <a:t>Não foi necessário grandes transformações, mas observamos a estrutura dos dados e percebemos quase que possivelmente há uma distribuição exponencial. </a:t>
+            </a:r>
+          </a:p>
+          <a:p>
+            <a:r>
+              <a:rPr lang="pt-BR" sz="2200" dirty="0" smtClean="0"/>
+              <a:t>Por conta disso, decidimos manter os outliers para averiguar se eles prejudicariam os modelos, coisa que aparentemente não ocorreu.</a:t>
+            </a:r>
+            <a:endParaRPr lang="pt-BR" sz="2200" dirty="0"/>
           </a:p>
         </p:txBody>
       </p:sp>
       <p:pic>
         <p:nvPicPr>
-          <p:cNvPr id="4" name="Imagem 3"/>
+          <p:cNvPr id="4" name="Imagem 3" descr="Recorte de Tela"/>
           <p:cNvPicPr>
             <a:picLocks noChangeAspect="1"/>
           </p:cNvPicPr>
           <p:nvPr/>
         </p:nvPicPr>
         <p:blipFill>
-          <a:blip r:embed="rId2"/>
+          <a:blip r:embed="rId2">
+            <a:extLst>
+              <a:ext uri="{28A0092B-C50C-407E-A947-70E740481C1C}">
+                <a14:useLocalDpi xmlns:a14="http://schemas.microsoft.com/office/drawing/2010/main" val="0"/>
+              </a:ext>
+            </a:extLst>
+          </a:blip>
           <a:stretch>
             <a:fillRect/>
           </a:stretch>
         </p:blipFill>
         <p:spPr>
           <a:xfrm>
-            <a:off x="906607" y="2257414"/>
-            <a:ext cx="4476750" cy="1714500"/>
+            <a:off x="164126" y="3161711"/>
+            <a:ext cx="3665732" cy="2659751"/>
+          </a:xfrm>
+          <a:prstGeom prst="rect">
+            <a:avLst/>
+          </a:prstGeom>
+        </p:spPr>
+      </p:pic>
+      <p:pic>
+        <p:nvPicPr>
+          <p:cNvPr id="5" name="Imagem 4" descr="Recorte de Tela"/>
+          <p:cNvPicPr>
+            <a:picLocks noChangeAspect="1"/>
+          </p:cNvPicPr>
+          <p:nvPr/>
+        </p:nvPicPr>
+        <p:blipFill>
+          <a:blip r:embed="rId3">
+            <a:extLst>
+              <a:ext uri="{28A0092B-C50C-407E-A947-70E740481C1C}">
+                <a14:useLocalDpi xmlns:a14="http://schemas.microsoft.com/office/drawing/2010/main" val="0"/>
+              </a:ext>
+            </a:extLst>
+          </a:blip>
+          <a:stretch>
+            <a:fillRect/>
+          </a:stretch>
+        </p:blipFill>
+        <p:spPr>
+          <a:xfrm>
+            <a:off x="4004754" y="3161711"/>
+            <a:ext cx="4001058" cy="2621646"/>
+          </a:xfrm>
+          <a:prstGeom prst="rect">
+            <a:avLst/>
+          </a:prstGeom>
+        </p:spPr>
+      </p:pic>
+      <p:pic>
+        <p:nvPicPr>
+          <p:cNvPr id="6" name="Imagem 5" descr="Recorte de Tela"/>
+          <p:cNvPicPr>
+            <a:picLocks noChangeAspect="1"/>
+          </p:cNvPicPr>
+          <p:nvPr/>
+        </p:nvPicPr>
+        <p:blipFill>
+          <a:blip r:embed="rId4">
+            <a:extLst>
+              <a:ext uri="{28A0092B-C50C-407E-A947-70E740481C1C}">
+                <a14:useLocalDpi xmlns:a14="http://schemas.microsoft.com/office/drawing/2010/main" val="0"/>
+              </a:ext>
+            </a:extLst>
+          </a:blip>
+          <a:stretch>
+            <a:fillRect/>
+          </a:stretch>
+        </p:blipFill>
+        <p:spPr>
+          <a:xfrm>
+            <a:off x="8169935" y="3150279"/>
+            <a:ext cx="3734322" cy="2644510"/>
           </a:xfrm>
           <a:prstGeom prst="rect">
             <a:avLst/>
@@ -5707,20 +6788,13 @@
     </p:spTree>
     <p:extLst>
       <p:ext uri="{BB962C8B-B14F-4D97-AF65-F5344CB8AC3E}">
-        <p14:creationId xmlns:p14="http://schemas.microsoft.com/office/powerpoint/2010/main" val="1216913165"/>
+        <p14:creationId xmlns:p14="http://schemas.microsoft.com/office/powerpoint/2010/main" val="2530573773"/>
       </p:ext>
     </p:extLst>
   </p:cSld>
   <p:clrMapOvr>
     <a:masterClrMapping/>
   </p:clrMapOvr>
-  <p:timing>
-    <p:tnLst>
-      <p:par>
-        <p:cTn id="1" dur="indefinite" restart="never" nodeType="tmRoot"/>
-      </p:par>
-    </p:tnLst>
-  </p:timing>
 </p:sld>
 </file>
 
@@ -5757,9 +6831,10 @@
           <a:lstStyle/>
           <a:p>
             <a:r>
-              <a:rPr lang="pt-BR" dirty="0"/>
-              <a:t>Modelo preditivo: regressão logística</a:t>
-            </a:r>
+              <a:rPr lang="pt-BR" dirty="0" smtClean="0"/>
+              <a:t>Transformações</a:t>
+            </a:r>
+            <a:endParaRPr lang="pt-BR" dirty="0"/>
           </a:p>
         </p:txBody>
       </p:sp>
@@ -5780,58 +6855,34 @@
           <a:p>
             <a:r>
               <a:rPr lang="pt-BR" dirty="0" smtClean="0"/>
-              <a:t>Exploração do dado:</a:t>
-            </a:r>
-          </a:p>
-          <a:p>
-            <a:endParaRPr lang="pt-BR" dirty="0"/>
-          </a:p>
-        </p:txBody>
-      </p:sp>
-      <p:pic>
-        <p:nvPicPr>
-          <p:cNvPr id="4" name="Imagem 3"/>
-          <p:cNvPicPr>
-            <a:picLocks noChangeAspect="1"/>
-          </p:cNvPicPr>
-          <p:nvPr/>
-        </p:nvPicPr>
-        <p:blipFill>
-          <a:blip r:embed="rId2"/>
-          <a:stretch>
-            <a:fillRect/>
-          </a:stretch>
-        </p:blipFill>
-        <p:spPr>
-          <a:xfrm>
-            <a:off x="903920" y="2329656"/>
-            <a:ext cx="7458075" cy="3343275"/>
-          </a:xfrm>
-          <a:prstGeom prst="rect">
-            <a:avLst/>
-          </a:prstGeom>
-          <a:effectLst>
-            <a:softEdge rad="0"/>
-          </a:effectLst>
-        </p:spPr>
-      </p:pic>
+              <a:t>Fizemos algumas apenas para facilitar a interpretação dos dados. Foi necessário transformar a variável ‘charge_time’ em numérica e nela transformamos os valores, que são os segundos do dia correspondente desde 01/01/1970 até o valor do registro e também dividimos o valor por 60, para criar uma equivalência em minutos.</a:t>
+            </a:r>
+          </a:p>
+          <a:p>
+            <a:r>
+              <a:rPr lang="pt-BR" dirty="0" smtClean="0"/>
+              <a:t>Transformamos em fator as variáveis categóricas e dividimos o ‘amount’ por 1000.</a:t>
+            </a:r>
+          </a:p>
+          <a:p>
+            <a:r>
+              <a:rPr lang="pt-BR" dirty="0" smtClean="0"/>
+              <a:t>No naive Bayes, especificamente, fizemos uma discretização, uma espécie de distribuição por frequência sem usar regras estatísticas como a regra de Sturges, apenas usamos valores que pareciam bons.</a:t>
+            </a:r>
+            <a:endParaRPr lang="pt-BR" dirty="0"/>
+          </a:p>
+        </p:txBody>
+      </p:sp>
     </p:spTree>
     <p:extLst>
       <p:ext uri="{BB962C8B-B14F-4D97-AF65-F5344CB8AC3E}">
-        <p14:creationId xmlns:p14="http://schemas.microsoft.com/office/powerpoint/2010/main" val="1530904632"/>
+        <p14:creationId xmlns:p14="http://schemas.microsoft.com/office/powerpoint/2010/main" val="277167263"/>
       </p:ext>
     </p:extLst>
   </p:cSld>
   <p:clrMapOvr>
     <a:masterClrMapping/>
   </p:clrMapOvr>
-  <p:timing>
-    <p:tnLst>
-      <p:par>
-        <p:cTn id="1" dur="indefinite" restart="never" nodeType="tmRoot"/>
-      </p:par>
-    </p:tnLst>
-  </p:timing>
 </p:sld>
 </file>
 
@@ -5868,9 +6919,10 @@
           <a:lstStyle/>
           <a:p>
             <a:r>
-              <a:rPr lang="pt-BR" dirty="0"/>
+              <a:rPr lang="pt-BR" dirty="0" smtClean="0"/>
               <a:t>Modelo preditivo: regressão logística</a:t>
             </a:r>
+            <a:endParaRPr lang="pt-BR" dirty="0"/>
           </a:p>
         </p:txBody>
       </p:sp>
@@ -5889,68 +6941,45 @@
           <a:bodyPr/>
           <a:lstStyle/>
           <a:p>
+            <a:pPr marL="0" indent="0">
+              <a:buNone/>
+            </a:pPr>
             <a:r>
               <a:rPr lang="pt-BR" dirty="0" smtClean="0"/>
-              <a:t>Foi necessário converter algumas variáveis e então aplicar a regressão e a matriz de confusão:</a:t>
-            </a:r>
-          </a:p>
-          <a:p>
-            <a:endParaRPr lang="pt-BR" dirty="0"/>
-          </a:p>
-        </p:txBody>
-      </p:sp>
-      <p:pic>
-        <p:nvPicPr>
-          <p:cNvPr id="7" name="Imagem 6"/>
-          <p:cNvPicPr>
-            <a:picLocks noChangeAspect="1"/>
-          </p:cNvPicPr>
-          <p:nvPr/>
-        </p:nvPicPr>
-        <p:blipFill>
-          <a:blip r:embed="rId2"/>
-          <a:stretch>
-            <a:fillRect/>
-          </a:stretch>
-        </p:blipFill>
-        <p:spPr>
-          <a:xfrm>
-            <a:off x="1118148" y="2590453"/>
-            <a:ext cx="7096125" cy="1943100"/>
-          </a:xfrm>
-          <a:prstGeom prst="rect">
-            <a:avLst/>
-          </a:prstGeom>
-        </p:spPr>
-      </p:pic>
-      <p:pic>
-        <p:nvPicPr>
-          <p:cNvPr id="8" name="Imagem 7"/>
-          <p:cNvPicPr>
-            <a:picLocks noChangeAspect="1"/>
-          </p:cNvPicPr>
-          <p:nvPr/>
-        </p:nvPicPr>
-        <p:blipFill>
-          <a:blip r:embed="rId3"/>
-          <a:stretch>
-            <a:fillRect/>
-          </a:stretch>
-        </p:blipFill>
-        <p:spPr>
-          <a:xfrm>
-            <a:off x="1118148" y="4533553"/>
-            <a:ext cx="6086475" cy="1457325"/>
-          </a:xfrm>
-          <a:prstGeom prst="rect">
-            <a:avLst/>
-          </a:prstGeom>
-        </p:spPr>
-      </p:pic>
+              <a:t>Para aplicar a função de regressão logística é necessário converter a variável “fradulent” para binária. E além dela também a “charge_time” para numérica.</a:t>
+            </a:r>
+          </a:p>
+          <a:p>
+            <a:pPr marL="0" indent="0">
+              <a:buNone/>
+            </a:pPr>
+            <a:endParaRPr lang="pt-BR" dirty="0"/>
+          </a:p>
+          <a:p>
+            <a:pPr marL="0" indent="0">
+              <a:buNone/>
+            </a:pPr>
+            <a:r>
+              <a:rPr lang="pt-BR" dirty="0" smtClean="0"/>
+              <a:t>Para esta prática foram utilizadas duas abordagens:</a:t>
+            </a:r>
+          </a:p>
+          <a:p>
+            <a:pPr marL="0" indent="0">
+              <a:buNone/>
+            </a:pPr>
+            <a:r>
+              <a:rPr lang="pt-BR" dirty="0" smtClean="0"/>
+              <a:t>Uso da biblioteca “sqldf” e conversão direta com “as.numeric”.</a:t>
+            </a:r>
+            <a:endParaRPr lang="pt-BR" dirty="0"/>
+          </a:p>
+        </p:txBody>
+      </p:sp>
     </p:spTree>
     <p:extLst>
       <p:ext uri="{BB962C8B-B14F-4D97-AF65-F5344CB8AC3E}">
-        <p14:creationId xmlns:p14="http://schemas.microsoft.com/office/powerpoint/2010/main" val="3641908221"/>
+        <p14:creationId xmlns:p14="http://schemas.microsoft.com/office/powerpoint/2010/main" val="3402073818"/>
       </p:ext>
     </p:extLst>
   </p:cSld>
@@ -6222,7 +7251,7 @@
   <a:extraClrSchemeLst/>
   <a:extLst>
     <a:ext uri="{05A4C25C-085E-4340-85A3-A5531E510DB2}">
-      <thm15:themeFamily xmlns:thm15="http://schemas.microsoft.com/office/thememl/2012/main" name="Office Theme" id="{62F939B6-93AF-4DB8-9C6B-D6C7DFDC589F}" vid="{4A3C46E8-61CC-4603-A589-7422A47A8E4A}"/>
+      <thm15:themeFamily xmlns:thm15="http://schemas.microsoft.com/office/thememl/2012/main" xmlns="" name="Office Theme" id="{62F939B6-93AF-4DB8-9C6B-D6C7DFDC589F}" vid="{4A3C46E8-61CC-4603-A589-7422A47A8E4A}"/>
     </a:ext>
   </a:extLst>
 </a:theme>
